--- a/智慧社区架构介绍.pptx
+++ b/智慧社区架构介绍.pptx
@@ -11,13 +11,20 @@
     <p:sldId id="281" r:id="rId5"/>
     <p:sldId id="279" r:id="rId6"/>
     <p:sldId id="327" r:id="rId7"/>
-    <p:sldId id="326" r:id="rId8"/>
-    <p:sldId id="328" r:id="rId9"/>
-    <p:sldId id="325" r:id="rId10"/>
-    <p:sldId id="331" r:id="rId11"/>
-    <p:sldId id="329" r:id="rId12"/>
-    <p:sldId id="330" r:id="rId13"/>
-    <p:sldId id="275" r:id="rId14"/>
+    <p:sldId id="338" r:id="rId8"/>
+    <p:sldId id="336" r:id="rId9"/>
+    <p:sldId id="340" r:id="rId10"/>
+    <p:sldId id="341" r:id="rId11"/>
+    <p:sldId id="337" r:id="rId12"/>
+    <p:sldId id="342" r:id="rId13"/>
+    <p:sldId id="343" r:id="rId14"/>
+    <p:sldId id="333" r:id="rId15"/>
+    <p:sldId id="326" r:id="rId16"/>
+    <p:sldId id="328" r:id="rId17"/>
+    <p:sldId id="325" r:id="rId18"/>
+    <p:sldId id="331" r:id="rId19"/>
+    <p:sldId id="329" r:id="rId20"/>
+    <p:sldId id="275" r:id="rId21"/>
   </p:sldIdLst>
   <p:sldSz cx="9144000" cy="6858000" type="screen4x3"/>
   <p:notesSz cx="7315200" cy="9601200"/>
@@ -5278,108 +5285,6 @@
       </p:grpSpPr>
       <p:sp>
         <p:nvSpPr>
-          <p:cNvPr id="6146" name="Rectangle 2"/>
-          <p:cNvSpPr>
-            <a:spLocks noGrp="1" noChangeArrowheads="1"/>
-          </p:cNvSpPr>
-          <p:nvPr>
-            <p:ph type="title"/>
-          </p:nvPr>
-        </p:nvSpPr>
-        <p:spPr/>
-        <p:txBody>
-          <a:bodyPr/>
-          <a:lstStyle/>
-          <a:p>
-            <a:pPr eaLnBrk="1" hangingPunct="1"/>
-            <a:r>
-              <a:rPr lang="zh-CN" altLang="en-US" dirty="0" smtClean="0">
-                <a:ea typeface="宋体" pitchFamily="2" charset="-122"/>
-              </a:rPr>
-              <a:t>智慧社区</a:t>
-            </a:r>
-            <a:r>
-              <a:rPr lang="en-US" altLang="zh-CN" dirty="0" smtClean="0">
-                <a:ea typeface="宋体" pitchFamily="2" charset="-122"/>
-              </a:rPr>
-              <a:t>-</a:t>
-            </a:r>
-            <a:r>
-              <a:rPr lang="zh-CN" altLang="en-US" dirty="0" smtClean="0">
-                <a:ea typeface="宋体" pitchFamily="2" charset="-122"/>
-              </a:rPr>
-              <a:t>组织架</a:t>
-            </a:r>
-            <a:r>
-              <a:rPr lang="zh-CN" altLang="en-US" dirty="0" smtClean="0">
-                <a:ea typeface="宋体" pitchFamily="2" charset="-122"/>
-              </a:rPr>
-              <a:t>构实现图</a:t>
-            </a:r>
-            <a:endParaRPr lang="zh-CN" altLang="en-US" dirty="0" smtClean="0">
-              <a:ea typeface="宋体" pitchFamily="2" charset="-122"/>
-            </a:endParaRPr>
-          </a:p>
-        </p:txBody>
-      </p:sp>
-      <p:pic>
-        <p:nvPicPr>
-          <p:cNvPr id="4" name="图片 3" descr="组织架构图.png"/>
-          <p:cNvPicPr>
-            <a:picLocks noChangeAspect="1"/>
-          </p:cNvPicPr>
-          <p:nvPr/>
-        </p:nvPicPr>
-        <p:blipFill>
-          <a:blip r:embed="rId2" cstate="print"/>
-          <a:stretch>
-            <a:fillRect/>
-          </a:stretch>
-        </p:blipFill>
-        <p:spPr>
-          <a:xfrm>
-            <a:off x="0" y="1146792"/>
-            <a:ext cx="9144000" cy="5711208"/>
-          </a:xfrm>
-          <a:prstGeom prst="rect">
-            <a:avLst/>
-          </a:prstGeom>
-        </p:spPr>
-      </p:pic>
-    </p:spTree>
-  </p:cSld>
-  <p:clrMapOvr>
-    <a:masterClrMapping/>
-  </p:clrMapOvr>
-  <p:timing>
-    <p:tnLst>
-      <p:par>
-        <p:cTn id="1" dur="indefinite" restart="never" nodeType="tmRoot"/>
-      </p:par>
-    </p:tnLst>
-  </p:timing>
-</p:sld>
-</file>
-
-<file path=ppt/slides/slide11.xml><?xml version="1.0" encoding="utf-8"?>
-<p:sld xmlns:a="http://schemas.openxmlformats.org/drawingml/2006/main" xmlns:r="http://schemas.openxmlformats.org/officeDocument/2006/relationships" xmlns:p="http://schemas.openxmlformats.org/presentationml/2006/main">
-  <p:cSld>
-    <p:spTree>
-      <p:nvGrpSpPr>
-        <p:cNvPr id="1" name=""/>
-        <p:cNvGrpSpPr/>
-        <p:nvPr/>
-      </p:nvGrpSpPr>
-      <p:grpSpPr>
-        <a:xfrm>
-          <a:off x="0" y="0"/>
-          <a:ext cx="0" cy="0"/>
-          <a:chOff x="0" y="0"/>
-          <a:chExt cx="0" cy="0"/>
-        </a:xfrm>
-      </p:grpSpPr>
-      <p:sp>
-        <p:nvSpPr>
           <p:cNvPr id="8194" name="Rectangle 2"/>
           <p:cNvSpPr>
             <a:spLocks noGrp="1" noChangeArrowheads="1"/>
@@ -5410,7 +5315,7 @@
               <a:rPr lang="zh-CN" altLang="en-US" sz="3600" dirty="0" smtClean="0">
                 <a:ea typeface="宋体" pitchFamily="2" charset="-122"/>
               </a:rPr>
-              <a:t>组织架构实现</a:t>
+              <a:t>按微服务划分数据库</a:t>
             </a:r>
             <a:endParaRPr lang="en-US" altLang="zh-CN" sz="2000" dirty="0" smtClean="0">
               <a:ea typeface="宋体" pitchFamily="2" charset="-122"/>
@@ -6505,8 +6410,8 @@
         </p:nvSpPr>
         <p:spPr bwMode="auto">
           <a:xfrm>
-            <a:off x="990600" y="1600200"/>
-            <a:ext cx="7162800" cy="4001095"/>
+            <a:off x="990600" y="1444587"/>
+            <a:ext cx="7162800" cy="3431709"/>
           </a:xfrm>
           <a:prstGeom prst="rect">
             <a:avLst/>
@@ -6529,7 +6434,7 @@
               <a:rPr lang="zh-CN" altLang="en-US" sz="4000" b="1" dirty="0" smtClean="0">
                 <a:ea typeface="宋体" pitchFamily="2" charset="-122"/>
               </a:rPr>
-              <a:t>难点</a:t>
+              <a:t>缺点</a:t>
             </a:r>
             <a:endParaRPr lang="en-US" altLang="zh-CN" sz="4000" b="1" dirty="0" smtClean="0">
               <a:ea typeface="宋体" pitchFamily="2" charset="-122"/>
@@ -6537,14 +6442,27 @@
           </a:p>
           <a:p>
             <a:pPr>
-              <a:buFont typeface="Wingdings" pitchFamily="2" charset="2"/>
-              <a:buChar char="l"/>
+              <a:lnSpc>
+                <a:spcPct val="150000"/>
+              </a:lnSpc>
             </a:pPr>
             <a:r>
+              <a:rPr lang="en-US" altLang="zh-CN" dirty="0" smtClean="0">
+                <a:ea typeface="宋体" pitchFamily="2" charset="-122"/>
+              </a:rPr>
+              <a:t>1.</a:t>
+            </a:r>
+            <a:r>
               <a:rPr lang="zh-CN" altLang="en-US" dirty="0" smtClean="0">
                 <a:ea typeface="宋体" pitchFamily="2" charset="-122"/>
               </a:rPr>
-              <a:t>不同人员设定不同数据权限</a:t>
+              <a:t>虽然按照微服务划分了数据库，但是并没有按照公司去划分数据库，所以原则上还是只</a:t>
+            </a:r>
+            <a:r>
+              <a:rPr lang="zh-CN" altLang="en-US" dirty="0" smtClean="0">
+                <a:ea typeface="宋体" pitchFamily="2" charset="-122"/>
+              </a:rPr>
+              <a:t>有一个数据库，所有公司的业务都集中在这里，后期可能会导致表数据增长过快而影响系统的吞吐量；</a:t>
             </a:r>
             <a:endParaRPr lang="en-US" altLang="zh-CN" dirty="0" smtClean="0">
               <a:ea typeface="宋体" pitchFamily="2" charset="-122"/>
@@ -6552,81 +6470,27 @@
           </a:p>
           <a:p>
             <a:pPr>
-              <a:buFont typeface="Wingdings" pitchFamily="2" charset="2"/>
-              <a:buChar char="l"/>
+              <a:lnSpc>
+                <a:spcPct val="150000"/>
+              </a:lnSpc>
             </a:pPr>
             <a:r>
+              <a:rPr lang="en-US" altLang="zh-CN" dirty="0" smtClean="0">
+                <a:ea typeface="宋体" pitchFamily="2" charset="-122"/>
+              </a:rPr>
+              <a:t>2.</a:t>
+            </a:r>
+            <a:r>
               <a:rPr lang="zh-CN" altLang="en-US" dirty="0" smtClean="0">
                 <a:ea typeface="宋体" pitchFamily="2" charset="-122"/>
               </a:rPr>
-              <a:t>如何根据组织架构隔离数据</a:t>
-            </a:r>
-            <a:endParaRPr lang="en-US" altLang="zh-CN" dirty="0" smtClean="0">
-              <a:ea typeface="宋体" pitchFamily="2" charset="-122"/>
-            </a:endParaRPr>
-          </a:p>
-          <a:p>
-            <a:pPr>
-              <a:buFont typeface="Wingdings" pitchFamily="2" charset="2"/>
-              <a:buChar char="l"/>
-            </a:pPr>
-            <a:r>
-              <a:rPr lang="zh-CN" altLang="en-US" dirty="0" smtClean="0">
-                <a:ea typeface="宋体" pitchFamily="2" charset="-122"/>
-              </a:rPr>
-              <a:t>如何设计出灵活的组织架构？</a:t>
-            </a:r>
-            <a:endParaRPr lang="en-US" altLang="zh-CN" dirty="0" smtClean="0">
-              <a:ea typeface="宋体" pitchFamily="2" charset="-122"/>
-            </a:endParaRPr>
-          </a:p>
-          <a:p>
-            <a:endParaRPr lang="en-US" altLang="zh-CN" dirty="0" smtClean="0">
-              <a:ea typeface="宋体" pitchFamily="2" charset="-122"/>
-            </a:endParaRPr>
-          </a:p>
-          <a:p>
+              <a:t>数据隔离的安全性不够好，如果程序员操作不当，可能会误伤其他公司的数据。</a:t>
+            </a:r>
             <a:endParaRPr lang="en-US" altLang="zh-CN" sz="1400" dirty="0" smtClean="0">
               <a:ea typeface="宋体" pitchFamily="2" charset="-122"/>
             </a:endParaRPr>
           </a:p>
           <a:p>
-            <a:endParaRPr lang="en-US" altLang="zh-CN" sz="1400" dirty="0" smtClean="0">
-              <a:ea typeface="宋体" pitchFamily="2" charset="-122"/>
-            </a:endParaRPr>
-          </a:p>
-          <a:p>
-            <a:endParaRPr lang="en-US" altLang="zh-CN" sz="1400" dirty="0" smtClean="0">
-              <a:ea typeface="宋体" pitchFamily="2" charset="-122"/>
-            </a:endParaRPr>
-          </a:p>
-          <a:p>
-            <a:r>
-              <a:rPr lang="zh-CN" altLang="en-US" sz="4000" b="1" dirty="0" smtClean="0">
-                <a:ea typeface="宋体" pitchFamily="2" charset="-122"/>
-              </a:rPr>
-              <a:t>后期</a:t>
-            </a:r>
-            <a:endParaRPr lang="en-US" altLang="zh-CN" sz="4000" b="1" dirty="0">
-              <a:ea typeface="宋体" pitchFamily="2" charset="-122"/>
-            </a:endParaRPr>
-          </a:p>
-          <a:p>
-            <a:pPr>
-              <a:buFont typeface="Wingdings" pitchFamily="2" charset="2"/>
-              <a:buChar char="l"/>
-            </a:pPr>
-            <a:r>
-              <a:rPr lang="zh-CN" altLang="en-US" dirty="0" smtClean="0">
-                <a:ea typeface="宋体" pitchFamily="2" charset="-122"/>
-              </a:rPr>
-              <a:t>是否需要一个高度灵活的组织架构？</a:t>
-            </a:r>
-            <a:endParaRPr lang="en-US" altLang="zh-CN" dirty="0" smtClean="0">
-              <a:ea typeface="宋体" pitchFamily="2" charset="-122"/>
-            </a:endParaRPr>
-          </a:p>
-          <a:p>
             <a:endParaRPr lang="en-US" altLang="zh-CN" sz="1400" b="1" dirty="0">
               <a:ea typeface="宋体" pitchFamily="2" charset="-122"/>
             </a:endParaRPr>
@@ -6652,6 +6516,99 @@
           </a:p>
         </p:txBody>
       </p:sp>
+    </p:spTree>
+  </p:cSld>
+  <p:clrMapOvr>
+    <a:masterClrMapping/>
+  </p:clrMapOvr>
+  <p:timing>
+    <p:tnLst>
+      <p:par>
+        <p:cTn id="1" dur="indefinite" restart="never" nodeType="tmRoot"/>
+      </p:par>
+    </p:tnLst>
+  </p:timing>
+</p:sld>
+</file>
+
+<file path=ppt/slides/slide11.xml><?xml version="1.0" encoding="utf-8"?>
+<p:sld xmlns:a="http://schemas.openxmlformats.org/drawingml/2006/main" xmlns:r="http://schemas.openxmlformats.org/officeDocument/2006/relationships" xmlns:p="http://schemas.openxmlformats.org/presentationml/2006/main">
+  <p:cSld>
+    <p:spTree>
+      <p:nvGrpSpPr>
+        <p:cNvPr id="1" name=""/>
+        <p:cNvGrpSpPr/>
+        <p:nvPr/>
+      </p:nvGrpSpPr>
+      <p:grpSpPr>
+        <a:xfrm>
+          <a:off x="0" y="0"/>
+          <a:ext cx="0" cy="0"/>
+          <a:chOff x="0" y="0"/>
+          <a:chExt cx="0" cy="0"/>
+        </a:xfrm>
+      </p:grpSpPr>
+      <p:sp>
+        <p:nvSpPr>
+          <p:cNvPr id="5122" name="Rectangle 2"/>
+          <p:cNvSpPr>
+            <a:spLocks noGrp="1" noChangeArrowheads="1"/>
+          </p:cNvSpPr>
+          <p:nvPr>
+            <p:ph type="title"/>
+          </p:nvPr>
+        </p:nvSpPr>
+        <p:spPr/>
+        <p:txBody>
+          <a:bodyPr/>
+          <a:lstStyle/>
+          <a:p>
+            <a:pPr eaLnBrk="1" hangingPunct="1"/>
+            <a:r>
+              <a:rPr lang="zh-CN" altLang="en-US" dirty="0" smtClean="0">
+                <a:ea typeface="宋体" pitchFamily="2" charset="-122"/>
+              </a:rPr>
+              <a:t>智慧社区</a:t>
+            </a:r>
+            <a:r>
+              <a:rPr lang="en-US" altLang="zh-CN" dirty="0" smtClean="0">
+                <a:ea typeface="宋体" pitchFamily="2" charset="-122"/>
+              </a:rPr>
+              <a:t>-</a:t>
+            </a:r>
+            <a:r>
+              <a:rPr lang="zh-CN" altLang="en-US" dirty="0" smtClean="0">
+                <a:ea typeface="宋体" pitchFamily="2" charset="-122"/>
+              </a:rPr>
+              <a:t>数据库架构</a:t>
+            </a:r>
+          </a:p>
+        </p:txBody>
+      </p:sp>
+      <p:pic>
+        <p:nvPicPr>
+          <p:cNvPr id="34" name="图片 33" descr="BT4VR5H5W8XR4N@GIN)MIJO.png"/>
+          <p:cNvPicPr>
+            <a:picLocks noChangeAspect="1"/>
+          </p:cNvPicPr>
+          <p:nvPr/>
+        </p:nvPicPr>
+        <p:blipFill>
+          <a:blip r:embed="rId2" cstate="print"/>
+          <a:stretch>
+            <a:fillRect/>
+          </a:stretch>
+        </p:blipFill>
+        <p:spPr>
+          <a:xfrm>
+            <a:off x="0" y="1143060"/>
+            <a:ext cx="9144000" cy="5714939"/>
+          </a:xfrm>
+          <a:prstGeom prst="rect">
+            <a:avLst/>
+          </a:prstGeom>
+        </p:spPr>
+      </p:pic>
     </p:spTree>
   </p:cSld>
   <p:clrMapOvr>
@@ -6716,7 +6673,7 @@
               <a:rPr lang="zh-CN" altLang="en-US" sz="3600" dirty="0" smtClean="0">
                 <a:ea typeface="宋体" pitchFamily="2" charset="-122"/>
               </a:rPr>
-              <a:t>思考</a:t>
+              <a:t>按微服务划分数据库</a:t>
             </a:r>
             <a:endParaRPr lang="en-US" altLang="zh-CN" sz="2000" dirty="0" smtClean="0">
               <a:ea typeface="宋体" pitchFamily="2" charset="-122"/>
@@ -6735,91 +6692,6 @@
         <p:spPr bwMode="auto">
           <a:xfrm>
             <a:off x="914400" y="2943225"/>
-            <a:ext cx="1752600" cy="942975"/>
-          </a:xfrm>
-          <a:prstGeom prst="rect">
-            <a:avLst/>
-          </a:prstGeom>
-          <a:noFill/>
-          <a:ln w="9525">
-            <a:noFill/>
-            <a:miter lim="800000"/>
-            <a:headEnd/>
-            <a:tailEnd/>
-          </a:ln>
-        </p:spPr>
-        <p:txBody>
-          <a:bodyPr>
-            <a:spAutoFit/>
-          </a:bodyPr>
-          <a:lstStyle/>
-          <a:p>
-            <a:pPr marL="120650" indent="-120650">
-              <a:spcBef>
-                <a:spcPct val="50000"/>
-              </a:spcBef>
-              <a:buFont typeface="Arial" charset="0"/>
-              <a:buChar char="•"/>
-            </a:pPr>
-            <a:r>
-              <a:rPr lang="en-US" altLang="zh-CN" sz="1400">
-                <a:solidFill>
-                  <a:srgbClr val="FFFFFF"/>
-                </a:solidFill>
-                <a:ea typeface="宋体" pitchFamily="2" charset="-122"/>
-              </a:rPr>
-              <a:t>Click to add Text</a:t>
-            </a:r>
-          </a:p>
-          <a:p>
-            <a:pPr marL="120650" indent="-120650">
-              <a:spcBef>
-                <a:spcPct val="50000"/>
-              </a:spcBef>
-              <a:buFont typeface="Arial" charset="0"/>
-              <a:buChar char="•"/>
-            </a:pPr>
-            <a:r>
-              <a:rPr lang="en-US" altLang="zh-CN" sz="1400">
-                <a:solidFill>
-                  <a:srgbClr val="FFFFFF"/>
-                </a:solidFill>
-                <a:ea typeface="宋体" pitchFamily="2" charset="-122"/>
-              </a:rPr>
-              <a:t>Click to add Text</a:t>
-            </a:r>
-          </a:p>
-          <a:p>
-            <a:pPr marL="120650" indent="-120650">
-              <a:spcBef>
-                <a:spcPct val="50000"/>
-              </a:spcBef>
-              <a:buFont typeface="Arial" charset="0"/>
-              <a:buChar char="•"/>
-            </a:pPr>
-            <a:r>
-              <a:rPr lang="en-US" altLang="zh-CN" sz="1400">
-                <a:solidFill>
-                  <a:srgbClr val="FFFFFF"/>
-                </a:solidFill>
-                <a:ea typeface="宋体" pitchFamily="2" charset="-122"/>
-              </a:rPr>
-              <a:t>Click to add Text</a:t>
-            </a:r>
-          </a:p>
-        </p:txBody>
-      </p:sp>
-      <p:sp>
-        <p:nvSpPr>
-          <p:cNvPr id="8196" name="Text Box 14"/>
-          <p:cNvSpPr txBox="1">
-            <a:spLocks noChangeArrowheads="1"/>
-          </p:cNvSpPr>
-          <p:nvPr/>
-        </p:nvSpPr>
-        <p:spPr bwMode="auto">
-          <a:xfrm>
-            <a:off x="3657600" y="2943225"/>
             <a:ext cx="1752600" cy="942975"/>
           </a:xfrm>
           <a:prstGeom prst="rect">
@@ -7811,8 +7683,8 @@
         </p:nvSpPr>
         <p:spPr bwMode="auto">
           <a:xfrm>
-            <a:off x="990600" y="1600200"/>
-            <a:ext cx="7162800" cy="2862322"/>
+            <a:off x="990600" y="1444587"/>
+            <a:ext cx="7162800" cy="3847207"/>
           </a:xfrm>
           <a:prstGeom prst="rect">
             <a:avLst/>
@@ -7831,63 +7703,112 @@
           </a:bodyPr>
           <a:lstStyle/>
           <a:p>
-            <a:pPr>
-              <a:buFont typeface="Wingdings" pitchFamily="2" charset="2"/>
-              <a:buChar char="l"/>
-            </a:pPr>
-            <a:r>
-              <a:rPr lang="zh-CN" altLang="en-US" sz="3600" b="1" dirty="0" smtClean="0">
-                <a:ea typeface="宋体" pitchFamily="2" charset="-122"/>
-              </a:rPr>
-              <a:t>系统名字？</a:t>
-            </a:r>
-            <a:endParaRPr lang="en-US" altLang="zh-CN" sz="3600" b="1" dirty="0" smtClean="0">
+            <a:r>
+              <a:rPr lang="zh-CN" altLang="en-US" sz="4000" b="1" dirty="0" smtClean="0">
+                <a:ea typeface="宋体" pitchFamily="2" charset="-122"/>
+              </a:rPr>
+              <a:t>优点</a:t>
+            </a:r>
+            <a:endParaRPr lang="en-US" altLang="zh-CN" sz="4000" b="1" dirty="0" smtClean="0">
               <a:ea typeface="宋体" pitchFamily="2" charset="-122"/>
             </a:endParaRPr>
           </a:p>
           <a:p>
             <a:pPr>
-              <a:buFont typeface="Wingdings" pitchFamily="2" charset="2"/>
-              <a:buChar char="l"/>
+              <a:lnSpc>
+                <a:spcPct val="150000"/>
+              </a:lnSpc>
             </a:pPr>
             <a:r>
-              <a:rPr lang="zh-CN" altLang="en-US" sz="3600" b="1" dirty="0" smtClean="0">
-                <a:ea typeface="宋体" pitchFamily="2" charset="-122"/>
-              </a:rPr>
-              <a:t>系统域名？</a:t>
-            </a:r>
-            <a:endParaRPr lang="en-US" altLang="zh-CN" sz="3600" b="1" dirty="0" smtClean="0">
+              <a:rPr lang="en-US" altLang="zh-CN" dirty="0" smtClean="0">
+                <a:ea typeface="宋体" pitchFamily="2" charset="-122"/>
+              </a:rPr>
+              <a:t>1.</a:t>
+            </a:r>
+            <a:r>
+              <a:rPr lang="zh-CN" altLang="en-US" dirty="0" smtClean="0">
+                <a:ea typeface="宋体" pitchFamily="2" charset="-122"/>
+              </a:rPr>
+              <a:t>每个分公司都有自己的数据库，可有更加有效降低数据库的访问压力，还可以根据实际情况单独集群某个数据库（比如单独集群某个服</a:t>
+            </a:r>
+            <a:r>
+              <a:rPr lang="zh-CN" altLang="en-US" dirty="0" smtClean="0">
+                <a:ea typeface="宋体" pitchFamily="2" charset="-122"/>
+              </a:rPr>
+              <a:t>务业务访问量比较大的数据库）以达到合理利用资源的目的；</a:t>
+            </a:r>
+            <a:endParaRPr lang="en-US" altLang="zh-CN" dirty="0" smtClean="0">
               <a:ea typeface="宋体" pitchFamily="2" charset="-122"/>
             </a:endParaRPr>
           </a:p>
           <a:p>
             <a:pPr>
-              <a:buFont typeface="Wingdings" pitchFamily="2" charset="2"/>
-              <a:buChar char="l"/>
+              <a:lnSpc>
+                <a:spcPct val="150000"/>
+              </a:lnSpc>
             </a:pPr>
             <a:r>
-              <a:rPr lang="zh-CN" altLang="en-US" sz="3600" b="1" dirty="0" smtClean="0">
-                <a:ea typeface="宋体" pitchFamily="2" charset="-122"/>
-              </a:rPr>
-              <a:t>业务需求？</a:t>
-            </a:r>
-            <a:endParaRPr lang="en-US" altLang="zh-CN" sz="3600" b="1" dirty="0">
+              <a:rPr lang="en-US" altLang="zh-CN" dirty="0" smtClean="0">
+                <a:ea typeface="宋体" pitchFamily="2" charset="-122"/>
+              </a:rPr>
+              <a:t>2</a:t>
+            </a:r>
+            <a:r>
+              <a:rPr lang="en-US" altLang="zh-CN" dirty="0" smtClean="0">
+                <a:ea typeface="宋体" pitchFamily="2" charset="-122"/>
+              </a:rPr>
+              <a:t>.</a:t>
+            </a:r>
+            <a:r>
+              <a:rPr lang="zh-CN" altLang="en-US" dirty="0" smtClean="0">
+                <a:ea typeface="宋体" pitchFamily="2" charset="-122"/>
+              </a:rPr>
+              <a:t>数据量的增长只由本公司的业务量决定，可控因素强；</a:t>
+            </a:r>
+            <a:endParaRPr lang="en-US" altLang="zh-CN" dirty="0" smtClean="0">
               <a:ea typeface="宋体" pitchFamily="2" charset="-122"/>
             </a:endParaRPr>
           </a:p>
           <a:p>
-            <a:r>
-              <a:rPr lang="en-US" altLang="zh-CN" sz="3600" dirty="0">
+            <a:pPr>
+              <a:lnSpc>
+                <a:spcPct val="150000"/>
+              </a:lnSpc>
+            </a:pPr>
+            <a:r>
+              <a:rPr lang="en-US" altLang="zh-CN" dirty="0" smtClean="0">
+                <a:ea typeface="宋体" pitchFamily="2" charset="-122"/>
+              </a:rPr>
+              <a:t>3.</a:t>
+            </a:r>
+            <a:r>
+              <a:rPr lang="zh-CN" altLang="en-US" dirty="0" smtClean="0">
+                <a:ea typeface="宋体" pitchFamily="2" charset="-122"/>
+              </a:rPr>
+              <a:t>由于是按公司隔离数据，因此程序操作上面也不需要考虑太多问题，不会因为操作串公司的数据。</a:t>
+            </a:r>
+            <a:endParaRPr lang="en-US" altLang="zh-CN" dirty="0" smtClean="0">
+              <a:ea typeface="宋体" pitchFamily="2" charset="-122"/>
+            </a:endParaRPr>
+          </a:p>
+          <a:p>
+            <a:endParaRPr lang="en-US" altLang="zh-CN" sz="1400" b="1" dirty="0">
+              <a:ea typeface="宋体" pitchFamily="2" charset="-122"/>
+            </a:endParaRPr>
+          </a:p>
+          <a:p>
+            <a:r>
+              <a:rPr lang="en-US" altLang="zh-CN" sz="1400" dirty="0">
                 <a:ea typeface="宋体" pitchFamily="2" charset="-122"/>
               </a:rPr>
               <a:t/>
             </a:r>
             <a:br>
-              <a:rPr lang="en-US" altLang="zh-CN" sz="3600" dirty="0">
+              <a:rPr lang="en-US" altLang="zh-CN" sz="1400" dirty="0">
                 <a:ea typeface="宋体" pitchFamily="2" charset="-122"/>
               </a:rPr>
             </a:br>
-            <a:endParaRPr lang="en-US" altLang="zh-CN" sz="3600" dirty="0">
+            <a:endParaRPr lang="en-US" altLang="zh-CN" sz="1400" dirty="0">
               <a:solidFill>
                 <a:srgbClr val="000000"/>
               </a:solidFill>
@@ -7930,174 +7851,5242 @@
       </p:grpSpPr>
       <p:sp>
         <p:nvSpPr>
-          <p:cNvPr id="10242" name="Rectangle 3"/>
+          <p:cNvPr id="8194" name="Rectangle 2"/>
           <p:cNvSpPr>
             <a:spLocks noGrp="1" noChangeArrowheads="1"/>
           </p:cNvSpPr>
           <p:nvPr>
-            <p:ph type="dt" sz="quarter" idx="10"/>
+            <p:ph type="title"/>
           </p:nvPr>
         </p:nvSpPr>
-        <p:spPr>
-          <a:noFill/>
-        </p:spPr>
+        <p:spPr/>
         <p:txBody>
           <a:bodyPr/>
           <a:lstStyle/>
           <a:p>
-            <a:pPr>
-              <a:buFont typeface="Arial" charset="0"/>
-              <a:buNone/>
-            </a:pPr>
-            <a:r>
-              <a:rPr lang="zh-CN" altLang="en-US" dirty="0" smtClean="0">
-                <a:latin typeface="Arial" charset="0"/>
-              </a:rPr>
-              <a:t>201</a:t>
-            </a:r>
-            <a:r>
-              <a:rPr lang="en-US" altLang="zh-CN" dirty="0" smtClean="0">
-                <a:latin typeface="Arial" charset="0"/>
-              </a:rPr>
-              <a:t>9</a:t>
-            </a:r>
-            <a:r>
-              <a:rPr lang="zh-CN" altLang="en-US" dirty="0" smtClean="0">
-                <a:latin typeface="Arial" charset="0"/>
+            <a:pPr eaLnBrk="1" hangingPunct="1"/>
+            <a:r>
+              <a:rPr lang="zh-CN" altLang="en-US" sz="3600" dirty="0" smtClean="0">
+                <a:ea typeface="宋体" pitchFamily="2" charset="-122"/>
+              </a:rPr>
+              <a:t>智慧社区</a:t>
+            </a:r>
+            <a:r>
+              <a:rPr lang="en-US" altLang="zh-CN" sz="3600" dirty="0" smtClean="0">
+                <a:ea typeface="宋体" pitchFamily="2" charset="-122"/>
               </a:rPr>
               <a:t>-</a:t>
             </a:r>
             <a:r>
-              <a:rPr lang="en-US" altLang="zh-CN" dirty="0" smtClean="0">
-                <a:latin typeface="Arial" charset="0"/>
-              </a:rPr>
-              <a:t>8</a:t>
-            </a:r>
-            <a:r>
-              <a:rPr lang="zh-CN" altLang="en-US" dirty="0" smtClean="0">
-                <a:latin typeface="Arial" charset="0"/>
-              </a:rPr>
-              <a:t>-</a:t>
-            </a:r>
-            <a:r>
-              <a:rPr lang="en-US" altLang="zh-CN" dirty="0" smtClean="0">
-                <a:latin typeface="Arial" charset="0"/>
-              </a:rPr>
-              <a:t>13</a:t>
-            </a:r>
-            <a:endParaRPr lang="zh-CN" altLang="en-US" dirty="0">
-              <a:latin typeface="Arial" charset="0"/>
+              <a:rPr lang="zh-CN" altLang="en-US" sz="3600" dirty="0" smtClean="0">
+                <a:ea typeface="宋体" pitchFamily="2" charset="-122"/>
+              </a:rPr>
+              <a:t>按微服务</a:t>
+            </a:r>
+            <a:r>
+              <a:rPr lang="en-US" altLang="zh-CN" sz="3600" dirty="0" smtClean="0">
+                <a:ea typeface="宋体" pitchFamily="2" charset="-122"/>
+              </a:rPr>
+              <a:t>+</a:t>
+            </a:r>
+            <a:r>
+              <a:rPr lang="zh-CN" altLang="en-US" sz="3600" dirty="0" smtClean="0">
+                <a:ea typeface="宋体" pitchFamily="2" charset="-122"/>
+              </a:rPr>
+              <a:t>公司划分</a:t>
+            </a:r>
+            <a:endParaRPr lang="en-US" altLang="zh-CN" sz="2000" dirty="0" smtClean="0">
+              <a:ea typeface="宋体" pitchFamily="2" charset="-122"/>
             </a:endParaRPr>
           </a:p>
         </p:txBody>
       </p:sp>
       <p:sp>
         <p:nvSpPr>
-          <p:cNvPr id="10243" name="Rectangle 16"/>
-          <p:cNvSpPr>
-            <a:spLocks noGrp="1" noChangeArrowheads="1"/>
-          </p:cNvSpPr>
-          <p:nvPr>
-            <p:ph type="ftr" sz="quarter" idx="12"/>
-          </p:nvPr>
-        </p:nvSpPr>
-        <p:spPr>
-          <a:noFill/>
-        </p:spPr>
-        <p:txBody>
-          <a:bodyPr/>
-          <a:lstStyle/>
-          <a:p>
-            <a:pPr>
-              <a:buFont typeface="Arial" charset="0"/>
-              <a:buNone/>
-            </a:pPr>
-            <a:r>
-              <a:rPr lang="zh-CN" altLang="en-US">
-                <a:latin typeface="Arial" charset="0"/>
-              </a:rPr>
-              <a:t>吴宋体</a:t>
-            </a:r>
-          </a:p>
-        </p:txBody>
-      </p:sp>
-      <p:sp>
-        <p:nvSpPr>
-          <p:cNvPr id="10244" name="WordArt 2"/>
-          <p:cNvSpPr>
-            <a:spLocks noChangeArrowheads="1" noChangeShapeType="1"/>
+          <p:cNvPr id="8195" name="Text Box 13"/>
+          <p:cNvSpPr txBox="1">
+            <a:spLocks noChangeArrowheads="1"/>
           </p:cNvSpPr>
           <p:nvPr/>
         </p:nvSpPr>
         <p:spPr bwMode="auto">
           <a:xfrm>
-            <a:off x="5181600" y="2743200"/>
-            <a:ext cx="3733800" cy="609600"/>
+            <a:off x="914400" y="2943225"/>
+            <a:ext cx="1752600" cy="942975"/>
+          </a:xfrm>
+          <a:prstGeom prst="rect">
+            <a:avLst/>
+          </a:prstGeom>
+          <a:noFill/>
+          <a:ln w="9525">
+            <a:noFill/>
+            <a:miter lim="800000"/>
+            <a:headEnd/>
+            <a:tailEnd/>
+          </a:ln>
+        </p:spPr>
+        <p:txBody>
+          <a:bodyPr>
+            <a:spAutoFit/>
+          </a:bodyPr>
+          <a:lstStyle/>
+          <a:p>
+            <a:pPr marL="120650" indent="-120650">
+              <a:spcBef>
+                <a:spcPct val="50000"/>
+              </a:spcBef>
+              <a:buFont typeface="Arial" charset="0"/>
+              <a:buChar char="•"/>
+            </a:pPr>
+            <a:r>
+              <a:rPr lang="en-US" altLang="zh-CN" sz="1400">
+                <a:solidFill>
+                  <a:srgbClr val="FFFFFF"/>
+                </a:solidFill>
+                <a:ea typeface="宋体" pitchFamily="2" charset="-122"/>
+              </a:rPr>
+              <a:t>Click to add Text</a:t>
+            </a:r>
+          </a:p>
+          <a:p>
+            <a:pPr marL="120650" indent="-120650">
+              <a:spcBef>
+                <a:spcPct val="50000"/>
+              </a:spcBef>
+              <a:buFont typeface="Arial" charset="0"/>
+              <a:buChar char="•"/>
+            </a:pPr>
+            <a:r>
+              <a:rPr lang="en-US" altLang="zh-CN" sz="1400">
+                <a:solidFill>
+                  <a:srgbClr val="FFFFFF"/>
+                </a:solidFill>
+                <a:ea typeface="宋体" pitchFamily="2" charset="-122"/>
+              </a:rPr>
+              <a:t>Click to add Text</a:t>
+            </a:r>
+          </a:p>
+          <a:p>
+            <a:pPr marL="120650" indent="-120650">
+              <a:spcBef>
+                <a:spcPct val="50000"/>
+              </a:spcBef>
+              <a:buFont typeface="Arial" charset="0"/>
+              <a:buChar char="•"/>
+            </a:pPr>
+            <a:r>
+              <a:rPr lang="en-US" altLang="zh-CN" sz="1400">
+                <a:solidFill>
+                  <a:srgbClr val="FFFFFF"/>
+                </a:solidFill>
+                <a:ea typeface="宋体" pitchFamily="2" charset="-122"/>
+              </a:rPr>
+              <a:t>Click to add Text</a:t>
+            </a:r>
+          </a:p>
+        </p:txBody>
+      </p:sp>
+      <p:sp>
+        <p:nvSpPr>
+          <p:cNvPr id="8197" name="Text Box 15"/>
+          <p:cNvSpPr txBox="1">
+            <a:spLocks noChangeArrowheads="1"/>
+          </p:cNvSpPr>
+          <p:nvPr/>
+        </p:nvSpPr>
+        <p:spPr bwMode="auto">
+          <a:xfrm>
+            <a:off x="6477000" y="2943225"/>
+            <a:ext cx="1752600" cy="942975"/>
+          </a:xfrm>
+          <a:prstGeom prst="rect">
+            <a:avLst/>
+          </a:prstGeom>
+          <a:noFill/>
+          <a:ln w="9525">
+            <a:noFill/>
+            <a:miter lim="800000"/>
+            <a:headEnd/>
+            <a:tailEnd/>
+          </a:ln>
+        </p:spPr>
+        <p:txBody>
+          <a:bodyPr>
+            <a:spAutoFit/>
+          </a:bodyPr>
+          <a:lstStyle/>
+          <a:p>
+            <a:pPr marL="120650" indent="-120650">
+              <a:spcBef>
+                <a:spcPct val="50000"/>
+              </a:spcBef>
+              <a:buFont typeface="Arial" charset="0"/>
+              <a:buChar char="•"/>
+            </a:pPr>
+            <a:r>
+              <a:rPr lang="en-US" altLang="zh-CN" sz="1400">
+                <a:solidFill>
+                  <a:srgbClr val="FFFFFF"/>
+                </a:solidFill>
+                <a:ea typeface="宋体" pitchFamily="2" charset="-122"/>
+              </a:rPr>
+              <a:t>Click to add Text</a:t>
+            </a:r>
+          </a:p>
+          <a:p>
+            <a:pPr marL="120650" indent="-120650">
+              <a:spcBef>
+                <a:spcPct val="50000"/>
+              </a:spcBef>
+              <a:buFont typeface="Arial" charset="0"/>
+              <a:buChar char="•"/>
+            </a:pPr>
+            <a:r>
+              <a:rPr lang="en-US" altLang="zh-CN" sz="1400">
+                <a:solidFill>
+                  <a:srgbClr val="FFFFFF"/>
+                </a:solidFill>
+                <a:ea typeface="宋体" pitchFamily="2" charset="-122"/>
+              </a:rPr>
+              <a:t>Click to add Text</a:t>
+            </a:r>
+          </a:p>
+          <a:p>
+            <a:pPr marL="120650" indent="-120650">
+              <a:spcBef>
+                <a:spcPct val="50000"/>
+              </a:spcBef>
+              <a:buFont typeface="Arial" charset="0"/>
+              <a:buChar char="•"/>
+            </a:pPr>
+            <a:r>
+              <a:rPr lang="en-US" altLang="zh-CN" sz="1400">
+                <a:solidFill>
+                  <a:srgbClr val="FFFFFF"/>
+                </a:solidFill>
+                <a:ea typeface="宋体" pitchFamily="2" charset="-122"/>
+              </a:rPr>
+              <a:t>Click to add Text</a:t>
+            </a:r>
+          </a:p>
+        </p:txBody>
+      </p:sp>
+      <p:grpSp>
+        <p:nvGrpSpPr>
+          <p:cNvPr id="2" name="Group 16"/>
+          <p:cNvGrpSpPr>
+            <a:grpSpLocks/>
+          </p:cNvGrpSpPr>
+          <p:nvPr/>
+        </p:nvGrpSpPr>
+        <p:grpSpPr bwMode="auto">
+          <a:xfrm>
+            <a:off x="2971800" y="3810000"/>
+            <a:ext cx="504825" cy="496888"/>
+            <a:chOff x="0" y="0"/>
+            <a:chExt cx="240" cy="240"/>
+          </a:xfrm>
+        </p:grpSpPr>
+        <p:grpSp>
+          <p:nvGrpSpPr>
+            <p:cNvPr id="3" name="Group 17"/>
+            <p:cNvGrpSpPr>
+              <a:grpSpLocks/>
+            </p:cNvGrpSpPr>
+            <p:nvPr/>
+          </p:nvGrpSpPr>
+          <p:grpSpPr bwMode="auto">
+            <a:xfrm>
+              <a:off x="96" y="0"/>
+              <a:ext cx="144" cy="240"/>
+              <a:chOff x="0" y="0"/>
+              <a:chExt cx="144" cy="240"/>
+            </a:xfrm>
+          </p:grpSpPr>
+          <p:sp>
+            <p:nvSpPr>
+              <p:cNvPr id="8220" name="Oval 18"/>
+              <p:cNvSpPr>
+                <a:spLocks noChangeArrowheads="1"/>
+              </p:cNvSpPr>
+              <p:nvPr/>
+            </p:nvSpPr>
+            <p:spPr bwMode="auto">
+              <a:xfrm>
+                <a:off x="0" y="0"/>
+                <a:ext cx="48" cy="48"/>
+              </a:xfrm>
+              <a:prstGeom prst="ellipse">
+                <a:avLst/>
+              </a:prstGeom>
+              <a:solidFill>
+                <a:schemeClr val="bg1"/>
+              </a:solidFill>
+              <a:ln w="9525">
+                <a:noFill/>
+                <a:round/>
+                <a:headEnd/>
+                <a:tailEnd/>
+              </a:ln>
+            </p:spPr>
+            <p:txBody>
+              <a:bodyPr wrap="none" anchor="ctr"/>
+              <a:lstStyle/>
+              <a:p>
+                <a:endParaRPr lang="zh-CN" altLang="en-US">
+                  <a:ea typeface="宋体" pitchFamily="2" charset="-122"/>
+                </a:endParaRPr>
+              </a:p>
+            </p:txBody>
+          </p:sp>
+          <p:sp>
+            <p:nvSpPr>
+              <p:cNvPr id="8221" name="Oval 19"/>
+              <p:cNvSpPr>
+                <a:spLocks noChangeArrowheads="1"/>
+              </p:cNvSpPr>
+              <p:nvPr/>
+            </p:nvSpPr>
+            <p:spPr bwMode="auto">
+              <a:xfrm>
+                <a:off x="48" y="48"/>
+                <a:ext cx="48" cy="48"/>
+              </a:xfrm>
+              <a:prstGeom prst="ellipse">
+                <a:avLst/>
+              </a:prstGeom>
+              <a:solidFill>
+                <a:schemeClr val="bg1"/>
+              </a:solidFill>
+              <a:ln w="9525">
+                <a:noFill/>
+                <a:round/>
+                <a:headEnd/>
+                <a:tailEnd/>
+              </a:ln>
+            </p:spPr>
+            <p:txBody>
+              <a:bodyPr wrap="none" anchor="ctr"/>
+              <a:lstStyle/>
+              <a:p>
+                <a:endParaRPr lang="zh-CN" altLang="en-US">
+                  <a:ea typeface="宋体" pitchFamily="2" charset="-122"/>
+                </a:endParaRPr>
+              </a:p>
+            </p:txBody>
+          </p:sp>
+          <p:sp>
+            <p:nvSpPr>
+              <p:cNvPr id="8222" name="Oval 20"/>
+              <p:cNvSpPr>
+                <a:spLocks noChangeArrowheads="1"/>
+              </p:cNvSpPr>
+              <p:nvPr/>
+            </p:nvSpPr>
+            <p:spPr bwMode="auto">
+              <a:xfrm>
+                <a:off x="96" y="96"/>
+                <a:ext cx="48" cy="48"/>
+              </a:xfrm>
+              <a:prstGeom prst="ellipse">
+                <a:avLst/>
+              </a:prstGeom>
+              <a:solidFill>
+                <a:schemeClr val="bg1"/>
+              </a:solidFill>
+              <a:ln w="9525">
+                <a:noFill/>
+                <a:round/>
+                <a:headEnd/>
+                <a:tailEnd/>
+              </a:ln>
+            </p:spPr>
+            <p:txBody>
+              <a:bodyPr wrap="none" anchor="ctr"/>
+              <a:lstStyle/>
+              <a:p>
+                <a:endParaRPr lang="zh-CN" altLang="en-US">
+                  <a:ea typeface="宋体" pitchFamily="2" charset="-122"/>
+                </a:endParaRPr>
+              </a:p>
+            </p:txBody>
+          </p:sp>
+          <p:sp>
+            <p:nvSpPr>
+              <p:cNvPr id="8223" name="Oval 21"/>
+              <p:cNvSpPr>
+                <a:spLocks noChangeArrowheads="1"/>
+              </p:cNvSpPr>
+              <p:nvPr/>
+            </p:nvSpPr>
+            <p:spPr bwMode="auto">
+              <a:xfrm>
+                <a:off x="48" y="144"/>
+                <a:ext cx="48" cy="48"/>
+              </a:xfrm>
+              <a:prstGeom prst="ellipse">
+                <a:avLst/>
+              </a:prstGeom>
+              <a:solidFill>
+                <a:schemeClr val="bg1"/>
+              </a:solidFill>
+              <a:ln w="9525">
+                <a:noFill/>
+                <a:round/>
+                <a:headEnd/>
+                <a:tailEnd/>
+              </a:ln>
+            </p:spPr>
+            <p:txBody>
+              <a:bodyPr wrap="none" anchor="ctr"/>
+              <a:lstStyle/>
+              <a:p>
+                <a:endParaRPr lang="zh-CN" altLang="en-US">
+                  <a:ea typeface="宋体" pitchFamily="2" charset="-122"/>
+                </a:endParaRPr>
+              </a:p>
+            </p:txBody>
+          </p:sp>
+          <p:sp>
+            <p:nvSpPr>
+              <p:cNvPr id="8224" name="Oval 22"/>
+              <p:cNvSpPr>
+                <a:spLocks noChangeArrowheads="1"/>
+              </p:cNvSpPr>
+              <p:nvPr/>
+            </p:nvSpPr>
+            <p:spPr bwMode="auto">
+              <a:xfrm>
+                <a:off x="0" y="192"/>
+                <a:ext cx="48" cy="48"/>
+              </a:xfrm>
+              <a:prstGeom prst="ellipse">
+                <a:avLst/>
+              </a:prstGeom>
+              <a:solidFill>
+                <a:schemeClr val="bg1"/>
+              </a:solidFill>
+              <a:ln w="9525">
+                <a:noFill/>
+                <a:round/>
+                <a:headEnd/>
+                <a:tailEnd/>
+              </a:ln>
+            </p:spPr>
+            <p:txBody>
+              <a:bodyPr wrap="none" anchor="ctr"/>
+              <a:lstStyle/>
+              <a:p>
+                <a:endParaRPr lang="zh-CN" altLang="en-US">
+                  <a:ea typeface="宋体" pitchFamily="2" charset="-122"/>
+                </a:endParaRPr>
+              </a:p>
+            </p:txBody>
+          </p:sp>
+        </p:grpSp>
+        <p:grpSp>
+          <p:nvGrpSpPr>
+            <p:cNvPr id="4" name="Group 23"/>
+            <p:cNvGrpSpPr>
+              <a:grpSpLocks/>
+            </p:cNvGrpSpPr>
+            <p:nvPr/>
+          </p:nvGrpSpPr>
+          <p:grpSpPr bwMode="auto">
+            <a:xfrm>
+              <a:off x="0" y="0"/>
+              <a:ext cx="144" cy="240"/>
+              <a:chOff x="0" y="0"/>
+              <a:chExt cx="144" cy="240"/>
+            </a:xfrm>
+          </p:grpSpPr>
+          <p:sp>
+            <p:nvSpPr>
+              <p:cNvPr id="8215" name="Oval 24"/>
+              <p:cNvSpPr>
+                <a:spLocks noChangeArrowheads="1"/>
+              </p:cNvSpPr>
+              <p:nvPr/>
+            </p:nvSpPr>
+            <p:spPr bwMode="auto">
+              <a:xfrm>
+                <a:off x="0" y="0"/>
+                <a:ext cx="48" cy="48"/>
+              </a:xfrm>
+              <a:prstGeom prst="ellipse">
+                <a:avLst/>
+              </a:prstGeom>
+              <a:solidFill>
+                <a:schemeClr val="bg1"/>
+              </a:solidFill>
+              <a:ln w="9525">
+                <a:noFill/>
+                <a:round/>
+                <a:headEnd/>
+                <a:tailEnd/>
+              </a:ln>
+            </p:spPr>
+            <p:txBody>
+              <a:bodyPr wrap="none" anchor="ctr"/>
+              <a:lstStyle/>
+              <a:p>
+                <a:endParaRPr lang="zh-CN" altLang="en-US">
+                  <a:ea typeface="宋体" pitchFamily="2" charset="-122"/>
+                </a:endParaRPr>
+              </a:p>
+            </p:txBody>
+          </p:sp>
+          <p:sp>
+            <p:nvSpPr>
+              <p:cNvPr id="8216" name="Oval 25"/>
+              <p:cNvSpPr>
+                <a:spLocks noChangeArrowheads="1"/>
+              </p:cNvSpPr>
+              <p:nvPr/>
+            </p:nvSpPr>
+            <p:spPr bwMode="auto">
+              <a:xfrm>
+                <a:off x="48" y="48"/>
+                <a:ext cx="48" cy="48"/>
+              </a:xfrm>
+              <a:prstGeom prst="ellipse">
+                <a:avLst/>
+              </a:prstGeom>
+              <a:solidFill>
+                <a:schemeClr val="bg1"/>
+              </a:solidFill>
+              <a:ln w="9525">
+                <a:noFill/>
+                <a:round/>
+                <a:headEnd/>
+                <a:tailEnd/>
+              </a:ln>
+            </p:spPr>
+            <p:txBody>
+              <a:bodyPr wrap="none" anchor="ctr"/>
+              <a:lstStyle/>
+              <a:p>
+                <a:endParaRPr lang="zh-CN" altLang="en-US">
+                  <a:ea typeface="宋体" pitchFamily="2" charset="-122"/>
+                </a:endParaRPr>
+              </a:p>
+            </p:txBody>
+          </p:sp>
+          <p:sp>
+            <p:nvSpPr>
+              <p:cNvPr id="8217" name="Oval 26"/>
+              <p:cNvSpPr>
+                <a:spLocks noChangeArrowheads="1"/>
+              </p:cNvSpPr>
+              <p:nvPr/>
+            </p:nvSpPr>
+            <p:spPr bwMode="auto">
+              <a:xfrm>
+                <a:off x="96" y="96"/>
+                <a:ext cx="48" cy="48"/>
+              </a:xfrm>
+              <a:prstGeom prst="ellipse">
+                <a:avLst/>
+              </a:prstGeom>
+              <a:solidFill>
+                <a:schemeClr val="bg1"/>
+              </a:solidFill>
+              <a:ln w="9525">
+                <a:noFill/>
+                <a:round/>
+                <a:headEnd/>
+                <a:tailEnd/>
+              </a:ln>
+            </p:spPr>
+            <p:txBody>
+              <a:bodyPr wrap="none" anchor="ctr"/>
+              <a:lstStyle/>
+              <a:p>
+                <a:endParaRPr lang="zh-CN" altLang="en-US">
+                  <a:ea typeface="宋体" pitchFamily="2" charset="-122"/>
+                </a:endParaRPr>
+              </a:p>
+            </p:txBody>
+          </p:sp>
+          <p:sp>
+            <p:nvSpPr>
+              <p:cNvPr id="8218" name="Oval 27"/>
+              <p:cNvSpPr>
+                <a:spLocks noChangeArrowheads="1"/>
+              </p:cNvSpPr>
+              <p:nvPr/>
+            </p:nvSpPr>
+            <p:spPr bwMode="auto">
+              <a:xfrm>
+                <a:off x="48" y="144"/>
+                <a:ext cx="48" cy="48"/>
+              </a:xfrm>
+              <a:prstGeom prst="ellipse">
+                <a:avLst/>
+              </a:prstGeom>
+              <a:solidFill>
+                <a:schemeClr val="bg1"/>
+              </a:solidFill>
+              <a:ln w="9525">
+                <a:noFill/>
+                <a:round/>
+                <a:headEnd/>
+                <a:tailEnd/>
+              </a:ln>
+            </p:spPr>
+            <p:txBody>
+              <a:bodyPr wrap="none" anchor="ctr"/>
+              <a:lstStyle/>
+              <a:p>
+                <a:endParaRPr lang="zh-CN" altLang="en-US">
+                  <a:ea typeface="宋体" pitchFamily="2" charset="-122"/>
+                </a:endParaRPr>
+              </a:p>
+            </p:txBody>
+          </p:sp>
+          <p:sp>
+            <p:nvSpPr>
+              <p:cNvPr id="8219" name="Oval 28"/>
+              <p:cNvSpPr>
+                <a:spLocks noChangeArrowheads="1"/>
+              </p:cNvSpPr>
+              <p:nvPr/>
+            </p:nvSpPr>
+            <p:spPr bwMode="auto">
+              <a:xfrm>
+                <a:off x="0" y="192"/>
+                <a:ext cx="48" cy="48"/>
+              </a:xfrm>
+              <a:prstGeom prst="ellipse">
+                <a:avLst/>
+              </a:prstGeom>
+              <a:solidFill>
+                <a:schemeClr val="bg1"/>
+              </a:solidFill>
+              <a:ln w="9525">
+                <a:noFill/>
+                <a:round/>
+                <a:headEnd/>
+                <a:tailEnd/>
+              </a:ln>
+            </p:spPr>
+            <p:txBody>
+              <a:bodyPr wrap="none" anchor="ctr"/>
+              <a:lstStyle/>
+              <a:p>
+                <a:endParaRPr lang="zh-CN" altLang="en-US">
+                  <a:ea typeface="宋体" pitchFamily="2" charset="-122"/>
+                </a:endParaRPr>
+              </a:p>
+            </p:txBody>
+          </p:sp>
+        </p:grpSp>
+      </p:grpSp>
+      <p:grpSp>
+        <p:nvGrpSpPr>
+          <p:cNvPr id="5" name="Group 29"/>
+          <p:cNvGrpSpPr>
+            <a:grpSpLocks/>
+          </p:cNvGrpSpPr>
+          <p:nvPr/>
+        </p:nvGrpSpPr>
+        <p:grpSpPr bwMode="auto">
+          <a:xfrm>
+            <a:off x="5715000" y="3810000"/>
+            <a:ext cx="504825" cy="496888"/>
+            <a:chOff x="0" y="0"/>
+            <a:chExt cx="240" cy="240"/>
+          </a:xfrm>
+        </p:grpSpPr>
+        <p:grpSp>
+          <p:nvGrpSpPr>
+            <p:cNvPr id="6" name="Group 30"/>
+            <p:cNvGrpSpPr>
+              <a:grpSpLocks/>
+            </p:cNvGrpSpPr>
+            <p:nvPr/>
+          </p:nvGrpSpPr>
+          <p:grpSpPr bwMode="auto">
+            <a:xfrm>
+              <a:off x="96" y="0"/>
+              <a:ext cx="144" cy="240"/>
+              <a:chOff x="0" y="0"/>
+              <a:chExt cx="144" cy="240"/>
+            </a:xfrm>
+          </p:grpSpPr>
+          <p:sp>
+            <p:nvSpPr>
+              <p:cNvPr id="8208" name="Oval 31"/>
+              <p:cNvSpPr>
+                <a:spLocks noChangeArrowheads="1"/>
+              </p:cNvSpPr>
+              <p:nvPr/>
+            </p:nvSpPr>
+            <p:spPr bwMode="auto">
+              <a:xfrm>
+                <a:off x="0" y="0"/>
+                <a:ext cx="48" cy="48"/>
+              </a:xfrm>
+              <a:prstGeom prst="ellipse">
+                <a:avLst/>
+              </a:prstGeom>
+              <a:solidFill>
+                <a:schemeClr val="bg1"/>
+              </a:solidFill>
+              <a:ln w="9525">
+                <a:noFill/>
+                <a:round/>
+                <a:headEnd/>
+                <a:tailEnd/>
+              </a:ln>
+            </p:spPr>
+            <p:txBody>
+              <a:bodyPr wrap="none" anchor="ctr"/>
+              <a:lstStyle/>
+              <a:p>
+                <a:endParaRPr lang="zh-CN" altLang="en-US">
+                  <a:ea typeface="宋体" pitchFamily="2" charset="-122"/>
+                </a:endParaRPr>
+              </a:p>
+            </p:txBody>
+          </p:sp>
+          <p:sp>
+            <p:nvSpPr>
+              <p:cNvPr id="8209" name="Oval 32"/>
+              <p:cNvSpPr>
+                <a:spLocks noChangeArrowheads="1"/>
+              </p:cNvSpPr>
+              <p:nvPr/>
+            </p:nvSpPr>
+            <p:spPr bwMode="auto">
+              <a:xfrm>
+                <a:off x="48" y="48"/>
+                <a:ext cx="48" cy="48"/>
+              </a:xfrm>
+              <a:prstGeom prst="ellipse">
+                <a:avLst/>
+              </a:prstGeom>
+              <a:solidFill>
+                <a:schemeClr val="bg1"/>
+              </a:solidFill>
+              <a:ln w="9525">
+                <a:noFill/>
+                <a:round/>
+                <a:headEnd/>
+                <a:tailEnd/>
+              </a:ln>
+            </p:spPr>
+            <p:txBody>
+              <a:bodyPr wrap="none" anchor="ctr"/>
+              <a:lstStyle/>
+              <a:p>
+                <a:endParaRPr lang="zh-CN" altLang="en-US">
+                  <a:ea typeface="宋体" pitchFamily="2" charset="-122"/>
+                </a:endParaRPr>
+              </a:p>
+            </p:txBody>
+          </p:sp>
+          <p:sp>
+            <p:nvSpPr>
+              <p:cNvPr id="8210" name="Oval 33"/>
+              <p:cNvSpPr>
+                <a:spLocks noChangeArrowheads="1"/>
+              </p:cNvSpPr>
+              <p:nvPr/>
+            </p:nvSpPr>
+            <p:spPr bwMode="auto">
+              <a:xfrm>
+                <a:off x="96" y="96"/>
+                <a:ext cx="48" cy="48"/>
+              </a:xfrm>
+              <a:prstGeom prst="ellipse">
+                <a:avLst/>
+              </a:prstGeom>
+              <a:solidFill>
+                <a:schemeClr val="bg1"/>
+              </a:solidFill>
+              <a:ln w="9525">
+                <a:noFill/>
+                <a:round/>
+                <a:headEnd/>
+                <a:tailEnd/>
+              </a:ln>
+            </p:spPr>
+            <p:txBody>
+              <a:bodyPr wrap="none" anchor="ctr"/>
+              <a:lstStyle/>
+              <a:p>
+                <a:endParaRPr lang="zh-CN" altLang="en-US">
+                  <a:ea typeface="宋体" pitchFamily="2" charset="-122"/>
+                </a:endParaRPr>
+              </a:p>
+            </p:txBody>
+          </p:sp>
+          <p:sp>
+            <p:nvSpPr>
+              <p:cNvPr id="8211" name="Oval 34"/>
+              <p:cNvSpPr>
+                <a:spLocks noChangeArrowheads="1"/>
+              </p:cNvSpPr>
+              <p:nvPr/>
+            </p:nvSpPr>
+            <p:spPr bwMode="auto">
+              <a:xfrm>
+                <a:off x="48" y="144"/>
+                <a:ext cx="48" cy="48"/>
+              </a:xfrm>
+              <a:prstGeom prst="ellipse">
+                <a:avLst/>
+              </a:prstGeom>
+              <a:solidFill>
+                <a:schemeClr val="bg1"/>
+              </a:solidFill>
+              <a:ln w="9525">
+                <a:noFill/>
+                <a:round/>
+                <a:headEnd/>
+                <a:tailEnd/>
+              </a:ln>
+            </p:spPr>
+            <p:txBody>
+              <a:bodyPr wrap="none" anchor="ctr"/>
+              <a:lstStyle/>
+              <a:p>
+                <a:endParaRPr lang="zh-CN" altLang="en-US">
+                  <a:ea typeface="宋体" pitchFamily="2" charset="-122"/>
+                </a:endParaRPr>
+              </a:p>
+            </p:txBody>
+          </p:sp>
+          <p:sp>
+            <p:nvSpPr>
+              <p:cNvPr id="8212" name="Oval 35"/>
+              <p:cNvSpPr>
+                <a:spLocks noChangeArrowheads="1"/>
+              </p:cNvSpPr>
+              <p:nvPr/>
+            </p:nvSpPr>
+            <p:spPr bwMode="auto">
+              <a:xfrm>
+                <a:off x="0" y="192"/>
+                <a:ext cx="48" cy="48"/>
+              </a:xfrm>
+              <a:prstGeom prst="ellipse">
+                <a:avLst/>
+              </a:prstGeom>
+              <a:solidFill>
+                <a:schemeClr val="bg1"/>
+              </a:solidFill>
+              <a:ln w="9525">
+                <a:noFill/>
+                <a:round/>
+                <a:headEnd/>
+                <a:tailEnd/>
+              </a:ln>
+            </p:spPr>
+            <p:txBody>
+              <a:bodyPr wrap="none" anchor="ctr"/>
+              <a:lstStyle/>
+              <a:p>
+                <a:endParaRPr lang="zh-CN" altLang="en-US">
+                  <a:ea typeface="宋体" pitchFamily="2" charset="-122"/>
+                </a:endParaRPr>
+              </a:p>
+            </p:txBody>
+          </p:sp>
+        </p:grpSp>
+        <p:grpSp>
+          <p:nvGrpSpPr>
+            <p:cNvPr id="7" name="Group 36"/>
+            <p:cNvGrpSpPr>
+              <a:grpSpLocks/>
+            </p:cNvGrpSpPr>
+            <p:nvPr/>
+          </p:nvGrpSpPr>
+          <p:grpSpPr bwMode="auto">
+            <a:xfrm>
+              <a:off x="0" y="0"/>
+              <a:ext cx="144" cy="240"/>
+              <a:chOff x="0" y="0"/>
+              <a:chExt cx="144" cy="240"/>
+            </a:xfrm>
+          </p:grpSpPr>
+          <p:sp>
+            <p:nvSpPr>
+              <p:cNvPr id="8203" name="Oval 37"/>
+              <p:cNvSpPr>
+                <a:spLocks noChangeArrowheads="1"/>
+              </p:cNvSpPr>
+              <p:nvPr/>
+            </p:nvSpPr>
+            <p:spPr bwMode="auto">
+              <a:xfrm>
+                <a:off x="0" y="0"/>
+                <a:ext cx="48" cy="48"/>
+              </a:xfrm>
+              <a:prstGeom prst="ellipse">
+                <a:avLst/>
+              </a:prstGeom>
+              <a:solidFill>
+                <a:schemeClr val="bg1"/>
+              </a:solidFill>
+              <a:ln w="9525">
+                <a:noFill/>
+                <a:round/>
+                <a:headEnd/>
+                <a:tailEnd/>
+              </a:ln>
+            </p:spPr>
+            <p:txBody>
+              <a:bodyPr wrap="none" anchor="ctr"/>
+              <a:lstStyle/>
+              <a:p>
+                <a:endParaRPr lang="zh-CN" altLang="en-US">
+                  <a:ea typeface="宋体" pitchFamily="2" charset="-122"/>
+                </a:endParaRPr>
+              </a:p>
+            </p:txBody>
+          </p:sp>
+          <p:sp>
+            <p:nvSpPr>
+              <p:cNvPr id="8204" name="Oval 38"/>
+              <p:cNvSpPr>
+                <a:spLocks noChangeArrowheads="1"/>
+              </p:cNvSpPr>
+              <p:nvPr/>
+            </p:nvSpPr>
+            <p:spPr bwMode="auto">
+              <a:xfrm>
+                <a:off x="48" y="48"/>
+                <a:ext cx="48" cy="48"/>
+              </a:xfrm>
+              <a:prstGeom prst="ellipse">
+                <a:avLst/>
+              </a:prstGeom>
+              <a:solidFill>
+                <a:schemeClr val="bg1"/>
+              </a:solidFill>
+              <a:ln w="9525">
+                <a:noFill/>
+                <a:round/>
+                <a:headEnd/>
+                <a:tailEnd/>
+              </a:ln>
+            </p:spPr>
+            <p:txBody>
+              <a:bodyPr wrap="none" anchor="ctr"/>
+              <a:lstStyle/>
+              <a:p>
+                <a:endParaRPr lang="zh-CN" altLang="en-US">
+                  <a:ea typeface="宋体" pitchFamily="2" charset="-122"/>
+                </a:endParaRPr>
+              </a:p>
+            </p:txBody>
+          </p:sp>
+          <p:sp>
+            <p:nvSpPr>
+              <p:cNvPr id="8205" name="Oval 39"/>
+              <p:cNvSpPr>
+                <a:spLocks noChangeArrowheads="1"/>
+              </p:cNvSpPr>
+              <p:nvPr/>
+            </p:nvSpPr>
+            <p:spPr bwMode="auto">
+              <a:xfrm>
+                <a:off x="96" y="96"/>
+                <a:ext cx="48" cy="48"/>
+              </a:xfrm>
+              <a:prstGeom prst="ellipse">
+                <a:avLst/>
+              </a:prstGeom>
+              <a:solidFill>
+                <a:schemeClr val="bg1"/>
+              </a:solidFill>
+              <a:ln w="9525">
+                <a:noFill/>
+                <a:round/>
+                <a:headEnd/>
+                <a:tailEnd/>
+              </a:ln>
+            </p:spPr>
+            <p:txBody>
+              <a:bodyPr wrap="none" anchor="ctr"/>
+              <a:lstStyle/>
+              <a:p>
+                <a:endParaRPr lang="zh-CN" altLang="en-US">
+                  <a:ea typeface="宋体" pitchFamily="2" charset="-122"/>
+                </a:endParaRPr>
+              </a:p>
+            </p:txBody>
+          </p:sp>
+          <p:sp>
+            <p:nvSpPr>
+              <p:cNvPr id="8206" name="Oval 40"/>
+              <p:cNvSpPr>
+                <a:spLocks noChangeArrowheads="1"/>
+              </p:cNvSpPr>
+              <p:nvPr/>
+            </p:nvSpPr>
+            <p:spPr bwMode="auto">
+              <a:xfrm>
+                <a:off x="48" y="144"/>
+                <a:ext cx="48" cy="48"/>
+              </a:xfrm>
+              <a:prstGeom prst="ellipse">
+                <a:avLst/>
+              </a:prstGeom>
+              <a:solidFill>
+                <a:schemeClr val="bg1"/>
+              </a:solidFill>
+              <a:ln w="9525">
+                <a:noFill/>
+                <a:round/>
+                <a:headEnd/>
+                <a:tailEnd/>
+              </a:ln>
+            </p:spPr>
+            <p:txBody>
+              <a:bodyPr wrap="none" anchor="ctr"/>
+              <a:lstStyle/>
+              <a:p>
+                <a:endParaRPr lang="zh-CN" altLang="en-US">
+                  <a:ea typeface="宋体" pitchFamily="2" charset="-122"/>
+                </a:endParaRPr>
+              </a:p>
+            </p:txBody>
+          </p:sp>
+          <p:sp>
+            <p:nvSpPr>
+              <p:cNvPr id="8207" name="Oval 41"/>
+              <p:cNvSpPr>
+                <a:spLocks noChangeArrowheads="1"/>
+              </p:cNvSpPr>
+              <p:nvPr/>
+            </p:nvSpPr>
+            <p:spPr bwMode="auto">
+              <a:xfrm>
+                <a:off x="0" y="192"/>
+                <a:ext cx="48" cy="48"/>
+              </a:xfrm>
+              <a:prstGeom prst="ellipse">
+                <a:avLst/>
+              </a:prstGeom>
+              <a:solidFill>
+                <a:schemeClr val="bg1"/>
+              </a:solidFill>
+              <a:ln w="9525">
+                <a:noFill/>
+                <a:round/>
+                <a:headEnd/>
+                <a:tailEnd/>
+              </a:ln>
+            </p:spPr>
+            <p:txBody>
+              <a:bodyPr wrap="none" anchor="ctr"/>
+              <a:lstStyle/>
+              <a:p>
+                <a:endParaRPr lang="zh-CN" altLang="en-US">
+                  <a:ea typeface="宋体" pitchFamily="2" charset="-122"/>
+                </a:endParaRPr>
+              </a:p>
+            </p:txBody>
+          </p:sp>
+        </p:grpSp>
+      </p:grpSp>
+      <p:sp>
+        <p:nvSpPr>
+          <p:cNvPr id="8200" name="Text Box 42"/>
+          <p:cNvSpPr txBox="1">
+            <a:spLocks noChangeArrowheads="1"/>
+          </p:cNvSpPr>
+          <p:nvPr/>
+        </p:nvSpPr>
+        <p:spPr bwMode="auto">
+          <a:xfrm>
+            <a:off x="990600" y="1444587"/>
+            <a:ext cx="7162800" cy="2800767"/>
+          </a:xfrm>
+          <a:prstGeom prst="rect">
+            <a:avLst/>
+          </a:prstGeom>
+          <a:noFill/>
+          <a:ln w="9525">
+            <a:noFill/>
+            <a:miter lim="800000"/>
+            <a:headEnd/>
+            <a:tailEnd/>
+          </a:ln>
+        </p:spPr>
+        <p:txBody>
+          <a:bodyPr>
+            <a:spAutoFit/>
+          </a:bodyPr>
+          <a:lstStyle/>
+          <a:p>
+            <a:r>
+              <a:rPr lang="zh-CN" altLang="en-US" sz="4000" b="1" dirty="0" smtClean="0">
+                <a:ea typeface="宋体" pitchFamily="2" charset="-122"/>
+              </a:rPr>
+              <a:t>缺点</a:t>
+            </a:r>
+            <a:endParaRPr lang="en-US" altLang="zh-CN" sz="4000" b="1" dirty="0" smtClean="0">
+              <a:ea typeface="宋体" pitchFamily="2" charset="-122"/>
+            </a:endParaRPr>
+          </a:p>
+          <a:p>
+            <a:pPr>
+              <a:lnSpc>
+                <a:spcPct val="150000"/>
+              </a:lnSpc>
+            </a:pPr>
+            <a:r>
+              <a:rPr lang="zh-CN" altLang="en-US" dirty="0" smtClean="0">
+                <a:ea typeface="宋体" pitchFamily="2" charset="-122"/>
+              </a:rPr>
+              <a:t>由</a:t>
+            </a:r>
+            <a:r>
+              <a:rPr lang="zh-CN" altLang="en-US" dirty="0" smtClean="0">
+                <a:ea typeface="宋体" pitchFamily="2" charset="-122"/>
+              </a:rPr>
+              <a:t>于该方案数据库分得非常的细，是按照公司划分数据库，因此也给后期维护人员带来了比较大的麻烦。假如有一个表结构需要修改，此时线上如果有一百家公司在使用，那么就需要修改一百零一个数据库的表结构，想想都可怕。</a:t>
+            </a:r>
+            <a:endParaRPr lang="en-US" altLang="zh-CN" sz="1400" b="1" dirty="0">
+              <a:ea typeface="宋体" pitchFamily="2" charset="-122"/>
+            </a:endParaRPr>
+          </a:p>
+          <a:p>
+            <a:r>
+              <a:rPr lang="en-US" altLang="zh-CN" sz="1400" dirty="0">
+                <a:ea typeface="宋体" pitchFamily="2" charset="-122"/>
+              </a:rPr>
+              <a:t/>
+            </a:r>
+            <a:br>
+              <a:rPr lang="en-US" altLang="zh-CN" sz="1400" dirty="0">
+                <a:ea typeface="宋体" pitchFamily="2" charset="-122"/>
+              </a:rPr>
+            </a:br>
+            <a:endParaRPr lang="en-US" altLang="zh-CN" sz="1400" dirty="0">
+              <a:solidFill>
+                <a:srgbClr val="000000"/>
+              </a:solidFill>
+              <a:ea typeface="宋体" pitchFamily="2" charset="-122"/>
+            </a:endParaRPr>
+          </a:p>
+        </p:txBody>
+      </p:sp>
+    </p:spTree>
+  </p:cSld>
+  <p:clrMapOvr>
+    <a:masterClrMapping/>
+  </p:clrMapOvr>
+  <p:timing>
+    <p:tnLst>
+      <p:par>
+        <p:cTn id="1" dur="indefinite" restart="never" nodeType="tmRoot"/>
+      </p:par>
+    </p:tnLst>
+  </p:timing>
+</p:sld>
+</file>
+
+<file path=ppt/slides/slide14.xml><?xml version="1.0" encoding="utf-8"?>
+<p:sld xmlns:a="http://schemas.openxmlformats.org/drawingml/2006/main" xmlns:r="http://schemas.openxmlformats.org/officeDocument/2006/relationships" xmlns:p="http://schemas.openxmlformats.org/presentationml/2006/main">
+  <p:cSld>
+    <p:spTree>
+      <p:nvGrpSpPr>
+        <p:cNvPr id="1" name=""/>
+        <p:cNvGrpSpPr/>
+        <p:nvPr/>
+      </p:nvGrpSpPr>
+      <p:grpSpPr>
+        <a:xfrm>
+          <a:off x="0" y="0"/>
+          <a:ext cx="0" cy="0"/>
+          <a:chOff x="0" y="0"/>
+          <a:chExt cx="0" cy="0"/>
+        </a:xfrm>
+      </p:grpSpPr>
+      <p:sp>
+        <p:nvSpPr>
+          <p:cNvPr id="8194" name="Rectangle 2"/>
+          <p:cNvSpPr>
+            <a:spLocks noGrp="1" noChangeArrowheads="1"/>
+          </p:cNvSpPr>
+          <p:nvPr>
+            <p:ph type="title"/>
+          </p:nvPr>
+        </p:nvSpPr>
+        <p:spPr/>
+        <p:txBody>
+          <a:bodyPr/>
+          <a:lstStyle/>
+          <a:p>
+            <a:pPr eaLnBrk="1" hangingPunct="1"/>
+            <a:r>
+              <a:rPr lang="zh-CN" altLang="en-US" sz="3600" dirty="0" smtClean="0">
+                <a:ea typeface="宋体" pitchFamily="2" charset="-122"/>
+              </a:rPr>
+              <a:t>智慧社区</a:t>
+            </a:r>
+            <a:r>
+              <a:rPr lang="en-US" altLang="zh-CN" sz="3600" dirty="0" smtClean="0">
+                <a:ea typeface="宋体" pitchFamily="2" charset="-122"/>
+              </a:rPr>
+              <a:t>-</a:t>
+            </a:r>
+            <a:r>
+              <a:rPr lang="zh-CN" altLang="en-US" sz="3600" dirty="0" smtClean="0">
+                <a:ea typeface="宋体" pitchFamily="2" charset="-122"/>
+              </a:rPr>
+              <a:t>数据库架构实现</a:t>
+            </a:r>
+            <a:endParaRPr lang="en-US" altLang="zh-CN" sz="2000" dirty="0" smtClean="0">
+              <a:ea typeface="宋体" pitchFamily="2" charset="-122"/>
+            </a:endParaRPr>
+          </a:p>
+        </p:txBody>
+      </p:sp>
+      <p:sp>
+        <p:nvSpPr>
+          <p:cNvPr id="8195" name="Text Box 13"/>
+          <p:cNvSpPr txBox="1">
+            <a:spLocks noChangeArrowheads="1"/>
+          </p:cNvSpPr>
+          <p:nvPr/>
+        </p:nvSpPr>
+        <p:spPr bwMode="auto">
+          <a:xfrm>
+            <a:off x="914400" y="2943225"/>
+            <a:ext cx="1752600" cy="942975"/>
+          </a:xfrm>
+          <a:prstGeom prst="rect">
+            <a:avLst/>
+          </a:prstGeom>
+          <a:noFill/>
+          <a:ln w="9525">
+            <a:noFill/>
+            <a:miter lim="800000"/>
+            <a:headEnd/>
+            <a:tailEnd/>
+          </a:ln>
+        </p:spPr>
+        <p:txBody>
+          <a:bodyPr>
+            <a:spAutoFit/>
+          </a:bodyPr>
+          <a:lstStyle/>
+          <a:p>
+            <a:pPr marL="120650" indent="-120650">
+              <a:spcBef>
+                <a:spcPct val="50000"/>
+              </a:spcBef>
+              <a:buFont typeface="Arial" charset="0"/>
+              <a:buChar char="•"/>
+            </a:pPr>
+            <a:r>
+              <a:rPr lang="en-US" altLang="zh-CN" sz="1400">
+                <a:solidFill>
+                  <a:srgbClr val="FFFFFF"/>
+                </a:solidFill>
+                <a:ea typeface="宋体" pitchFamily="2" charset="-122"/>
+              </a:rPr>
+              <a:t>Click to add Text</a:t>
+            </a:r>
+          </a:p>
+          <a:p>
+            <a:pPr marL="120650" indent="-120650">
+              <a:spcBef>
+                <a:spcPct val="50000"/>
+              </a:spcBef>
+              <a:buFont typeface="Arial" charset="0"/>
+              <a:buChar char="•"/>
+            </a:pPr>
+            <a:r>
+              <a:rPr lang="en-US" altLang="zh-CN" sz="1400">
+                <a:solidFill>
+                  <a:srgbClr val="FFFFFF"/>
+                </a:solidFill>
+                <a:ea typeface="宋体" pitchFamily="2" charset="-122"/>
+              </a:rPr>
+              <a:t>Click to add Text</a:t>
+            </a:r>
+          </a:p>
+          <a:p>
+            <a:pPr marL="120650" indent="-120650">
+              <a:spcBef>
+                <a:spcPct val="50000"/>
+              </a:spcBef>
+              <a:buFont typeface="Arial" charset="0"/>
+              <a:buChar char="•"/>
+            </a:pPr>
+            <a:r>
+              <a:rPr lang="en-US" altLang="zh-CN" sz="1400">
+                <a:solidFill>
+                  <a:srgbClr val="FFFFFF"/>
+                </a:solidFill>
+                <a:ea typeface="宋体" pitchFamily="2" charset="-122"/>
+              </a:rPr>
+              <a:t>Click to add Text</a:t>
+            </a:r>
+          </a:p>
+        </p:txBody>
+      </p:sp>
+      <p:sp>
+        <p:nvSpPr>
+          <p:cNvPr id="8197" name="Text Box 15"/>
+          <p:cNvSpPr txBox="1">
+            <a:spLocks noChangeArrowheads="1"/>
+          </p:cNvSpPr>
+          <p:nvPr/>
+        </p:nvSpPr>
+        <p:spPr bwMode="auto">
+          <a:xfrm>
+            <a:off x="6477000" y="2943225"/>
+            <a:ext cx="1752600" cy="942975"/>
+          </a:xfrm>
+          <a:prstGeom prst="rect">
+            <a:avLst/>
+          </a:prstGeom>
+          <a:noFill/>
+          <a:ln w="9525">
+            <a:noFill/>
+            <a:miter lim="800000"/>
+            <a:headEnd/>
+            <a:tailEnd/>
+          </a:ln>
+        </p:spPr>
+        <p:txBody>
+          <a:bodyPr>
+            <a:spAutoFit/>
+          </a:bodyPr>
+          <a:lstStyle/>
+          <a:p>
+            <a:pPr marL="120650" indent="-120650">
+              <a:spcBef>
+                <a:spcPct val="50000"/>
+              </a:spcBef>
+              <a:buFont typeface="Arial" charset="0"/>
+              <a:buChar char="•"/>
+            </a:pPr>
+            <a:r>
+              <a:rPr lang="en-US" altLang="zh-CN" sz="1400">
+                <a:solidFill>
+                  <a:srgbClr val="FFFFFF"/>
+                </a:solidFill>
+                <a:ea typeface="宋体" pitchFamily="2" charset="-122"/>
+              </a:rPr>
+              <a:t>Click to add Text</a:t>
+            </a:r>
+          </a:p>
+          <a:p>
+            <a:pPr marL="120650" indent="-120650">
+              <a:spcBef>
+                <a:spcPct val="50000"/>
+              </a:spcBef>
+              <a:buFont typeface="Arial" charset="0"/>
+              <a:buChar char="•"/>
+            </a:pPr>
+            <a:r>
+              <a:rPr lang="en-US" altLang="zh-CN" sz="1400">
+                <a:solidFill>
+                  <a:srgbClr val="FFFFFF"/>
+                </a:solidFill>
+                <a:ea typeface="宋体" pitchFamily="2" charset="-122"/>
+              </a:rPr>
+              <a:t>Click to add Text</a:t>
+            </a:r>
+          </a:p>
+          <a:p>
+            <a:pPr marL="120650" indent="-120650">
+              <a:spcBef>
+                <a:spcPct val="50000"/>
+              </a:spcBef>
+              <a:buFont typeface="Arial" charset="0"/>
+              <a:buChar char="•"/>
+            </a:pPr>
+            <a:r>
+              <a:rPr lang="en-US" altLang="zh-CN" sz="1400">
+                <a:solidFill>
+                  <a:srgbClr val="FFFFFF"/>
+                </a:solidFill>
+                <a:ea typeface="宋体" pitchFamily="2" charset="-122"/>
+              </a:rPr>
+              <a:t>Click to add Text</a:t>
+            </a:r>
+          </a:p>
+        </p:txBody>
+      </p:sp>
+      <p:grpSp>
+        <p:nvGrpSpPr>
+          <p:cNvPr id="2" name="Group 16"/>
+          <p:cNvGrpSpPr>
+            <a:grpSpLocks/>
+          </p:cNvGrpSpPr>
+          <p:nvPr/>
+        </p:nvGrpSpPr>
+        <p:grpSpPr bwMode="auto">
+          <a:xfrm>
+            <a:off x="2971800" y="3810000"/>
+            <a:ext cx="504825" cy="496888"/>
+            <a:chOff x="0" y="0"/>
+            <a:chExt cx="240" cy="240"/>
+          </a:xfrm>
+        </p:grpSpPr>
+        <p:grpSp>
+          <p:nvGrpSpPr>
+            <p:cNvPr id="3" name="Group 17"/>
+            <p:cNvGrpSpPr>
+              <a:grpSpLocks/>
+            </p:cNvGrpSpPr>
+            <p:nvPr/>
+          </p:nvGrpSpPr>
+          <p:grpSpPr bwMode="auto">
+            <a:xfrm>
+              <a:off x="96" y="0"/>
+              <a:ext cx="144" cy="240"/>
+              <a:chOff x="0" y="0"/>
+              <a:chExt cx="144" cy="240"/>
+            </a:xfrm>
+          </p:grpSpPr>
+          <p:sp>
+            <p:nvSpPr>
+              <p:cNvPr id="8220" name="Oval 18"/>
+              <p:cNvSpPr>
+                <a:spLocks noChangeArrowheads="1"/>
+              </p:cNvSpPr>
+              <p:nvPr/>
+            </p:nvSpPr>
+            <p:spPr bwMode="auto">
+              <a:xfrm>
+                <a:off x="0" y="0"/>
+                <a:ext cx="48" cy="48"/>
+              </a:xfrm>
+              <a:prstGeom prst="ellipse">
+                <a:avLst/>
+              </a:prstGeom>
+              <a:solidFill>
+                <a:schemeClr val="bg1"/>
+              </a:solidFill>
+              <a:ln w="9525">
+                <a:noFill/>
+                <a:round/>
+                <a:headEnd/>
+                <a:tailEnd/>
+              </a:ln>
+            </p:spPr>
+            <p:txBody>
+              <a:bodyPr wrap="none" anchor="ctr"/>
+              <a:lstStyle/>
+              <a:p>
+                <a:endParaRPr lang="zh-CN" altLang="en-US">
+                  <a:ea typeface="宋体" pitchFamily="2" charset="-122"/>
+                </a:endParaRPr>
+              </a:p>
+            </p:txBody>
+          </p:sp>
+          <p:sp>
+            <p:nvSpPr>
+              <p:cNvPr id="8221" name="Oval 19"/>
+              <p:cNvSpPr>
+                <a:spLocks noChangeArrowheads="1"/>
+              </p:cNvSpPr>
+              <p:nvPr/>
+            </p:nvSpPr>
+            <p:spPr bwMode="auto">
+              <a:xfrm>
+                <a:off x="48" y="48"/>
+                <a:ext cx="48" cy="48"/>
+              </a:xfrm>
+              <a:prstGeom prst="ellipse">
+                <a:avLst/>
+              </a:prstGeom>
+              <a:solidFill>
+                <a:schemeClr val="bg1"/>
+              </a:solidFill>
+              <a:ln w="9525">
+                <a:noFill/>
+                <a:round/>
+                <a:headEnd/>
+                <a:tailEnd/>
+              </a:ln>
+            </p:spPr>
+            <p:txBody>
+              <a:bodyPr wrap="none" anchor="ctr"/>
+              <a:lstStyle/>
+              <a:p>
+                <a:endParaRPr lang="zh-CN" altLang="en-US">
+                  <a:ea typeface="宋体" pitchFamily="2" charset="-122"/>
+                </a:endParaRPr>
+              </a:p>
+            </p:txBody>
+          </p:sp>
+          <p:sp>
+            <p:nvSpPr>
+              <p:cNvPr id="8222" name="Oval 20"/>
+              <p:cNvSpPr>
+                <a:spLocks noChangeArrowheads="1"/>
+              </p:cNvSpPr>
+              <p:nvPr/>
+            </p:nvSpPr>
+            <p:spPr bwMode="auto">
+              <a:xfrm>
+                <a:off x="96" y="96"/>
+                <a:ext cx="48" cy="48"/>
+              </a:xfrm>
+              <a:prstGeom prst="ellipse">
+                <a:avLst/>
+              </a:prstGeom>
+              <a:solidFill>
+                <a:schemeClr val="bg1"/>
+              </a:solidFill>
+              <a:ln w="9525">
+                <a:noFill/>
+                <a:round/>
+                <a:headEnd/>
+                <a:tailEnd/>
+              </a:ln>
+            </p:spPr>
+            <p:txBody>
+              <a:bodyPr wrap="none" anchor="ctr"/>
+              <a:lstStyle/>
+              <a:p>
+                <a:endParaRPr lang="zh-CN" altLang="en-US">
+                  <a:ea typeface="宋体" pitchFamily="2" charset="-122"/>
+                </a:endParaRPr>
+              </a:p>
+            </p:txBody>
+          </p:sp>
+          <p:sp>
+            <p:nvSpPr>
+              <p:cNvPr id="8223" name="Oval 21"/>
+              <p:cNvSpPr>
+                <a:spLocks noChangeArrowheads="1"/>
+              </p:cNvSpPr>
+              <p:nvPr/>
+            </p:nvSpPr>
+            <p:spPr bwMode="auto">
+              <a:xfrm>
+                <a:off x="48" y="144"/>
+                <a:ext cx="48" cy="48"/>
+              </a:xfrm>
+              <a:prstGeom prst="ellipse">
+                <a:avLst/>
+              </a:prstGeom>
+              <a:solidFill>
+                <a:schemeClr val="bg1"/>
+              </a:solidFill>
+              <a:ln w="9525">
+                <a:noFill/>
+                <a:round/>
+                <a:headEnd/>
+                <a:tailEnd/>
+              </a:ln>
+            </p:spPr>
+            <p:txBody>
+              <a:bodyPr wrap="none" anchor="ctr"/>
+              <a:lstStyle/>
+              <a:p>
+                <a:endParaRPr lang="zh-CN" altLang="en-US">
+                  <a:ea typeface="宋体" pitchFamily="2" charset="-122"/>
+                </a:endParaRPr>
+              </a:p>
+            </p:txBody>
+          </p:sp>
+          <p:sp>
+            <p:nvSpPr>
+              <p:cNvPr id="8224" name="Oval 22"/>
+              <p:cNvSpPr>
+                <a:spLocks noChangeArrowheads="1"/>
+              </p:cNvSpPr>
+              <p:nvPr/>
+            </p:nvSpPr>
+            <p:spPr bwMode="auto">
+              <a:xfrm>
+                <a:off x="0" y="192"/>
+                <a:ext cx="48" cy="48"/>
+              </a:xfrm>
+              <a:prstGeom prst="ellipse">
+                <a:avLst/>
+              </a:prstGeom>
+              <a:solidFill>
+                <a:schemeClr val="bg1"/>
+              </a:solidFill>
+              <a:ln w="9525">
+                <a:noFill/>
+                <a:round/>
+                <a:headEnd/>
+                <a:tailEnd/>
+              </a:ln>
+            </p:spPr>
+            <p:txBody>
+              <a:bodyPr wrap="none" anchor="ctr"/>
+              <a:lstStyle/>
+              <a:p>
+                <a:endParaRPr lang="zh-CN" altLang="en-US">
+                  <a:ea typeface="宋体" pitchFamily="2" charset="-122"/>
+                </a:endParaRPr>
+              </a:p>
+            </p:txBody>
+          </p:sp>
+        </p:grpSp>
+        <p:grpSp>
+          <p:nvGrpSpPr>
+            <p:cNvPr id="4" name="Group 23"/>
+            <p:cNvGrpSpPr>
+              <a:grpSpLocks/>
+            </p:cNvGrpSpPr>
+            <p:nvPr/>
+          </p:nvGrpSpPr>
+          <p:grpSpPr bwMode="auto">
+            <a:xfrm>
+              <a:off x="0" y="0"/>
+              <a:ext cx="144" cy="240"/>
+              <a:chOff x="0" y="0"/>
+              <a:chExt cx="144" cy="240"/>
+            </a:xfrm>
+          </p:grpSpPr>
+          <p:sp>
+            <p:nvSpPr>
+              <p:cNvPr id="8215" name="Oval 24"/>
+              <p:cNvSpPr>
+                <a:spLocks noChangeArrowheads="1"/>
+              </p:cNvSpPr>
+              <p:nvPr/>
+            </p:nvSpPr>
+            <p:spPr bwMode="auto">
+              <a:xfrm>
+                <a:off x="0" y="0"/>
+                <a:ext cx="48" cy="48"/>
+              </a:xfrm>
+              <a:prstGeom prst="ellipse">
+                <a:avLst/>
+              </a:prstGeom>
+              <a:solidFill>
+                <a:schemeClr val="bg1"/>
+              </a:solidFill>
+              <a:ln w="9525">
+                <a:noFill/>
+                <a:round/>
+                <a:headEnd/>
+                <a:tailEnd/>
+              </a:ln>
+            </p:spPr>
+            <p:txBody>
+              <a:bodyPr wrap="none" anchor="ctr"/>
+              <a:lstStyle/>
+              <a:p>
+                <a:endParaRPr lang="zh-CN" altLang="en-US">
+                  <a:ea typeface="宋体" pitchFamily="2" charset="-122"/>
+                </a:endParaRPr>
+              </a:p>
+            </p:txBody>
+          </p:sp>
+          <p:sp>
+            <p:nvSpPr>
+              <p:cNvPr id="8216" name="Oval 25"/>
+              <p:cNvSpPr>
+                <a:spLocks noChangeArrowheads="1"/>
+              </p:cNvSpPr>
+              <p:nvPr/>
+            </p:nvSpPr>
+            <p:spPr bwMode="auto">
+              <a:xfrm>
+                <a:off x="48" y="48"/>
+                <a:ext cx="48" cy="48"/>
+              </a:xfrm>
+              <a:prstGeom prst="ellipse">
+                <a:avLst/>
+              </a:prstGeom>
+              <a:solidFill>
+                <a:schemeClr val="bg1"/>
+              </a:solidFill>
+              <a:ln w="9525">
+                <a:noFill/>
+                <a:round/>
+                <a:headEnd/>
+                <a:tailEnd/>
+              </a:ln>
+            </p:spPr>
+            <p:txBody>
+              <a:bodyPr wrap="none" anchor="ctr"/>
+              <a:lstStyle/>
+              <a:p>
+                <a:endParaRPr lang="zh-CN" altLang="en-US">
+                  <a:ea typeface="宋体" pitchFamily="2" charset="-122"/>
+                </a:endParaRPr>
+              </a:p>
+            </p:txBody>
+          </p:sp>
+          <p:sp>
+            <p:nvSpPr>
+              <p:cNvPr id="8217" name="Oval 26"/>
+              <p:cNvSpPr>
+                <a:spLocks noChangeArrowheads="1"/>
+              </p:cNvSpPr>
+              <p:nvPr/>
+            </p:nvSpPr>
+            <p:spPr bwMode="auto">
+              <a:xfrm>
+                <a:off x="96" y="96"/>
+                <a:ext cx="48" cy="48"/>
+              </a:xfrm>
+              <a:prstGeom prst="ellipse">
+                <a:avLst/>
+              </a:prstGeom>
+              <a:solidFill>
+                <a:schemeClr val="bg1"/>
+              </a:solidFill>
+              <a:ln w="9525">
+                <a:noFill/>
+                <a:round/>
+                <a:headEnd/>
+                <a:tailEnd/>
+              </a:ln>
+            </p:spPr>
+            <p:txBody>
+              <a:bodyPr wrap="none" anchor="ctr"/>
+              <a:lstStyle/>
+              <a:p>
+                <a:endParaRPr lang="zh-CN" altLang="en-US">
+                  <a:ea typeface="宋体" pitchFamily="2" charset="-122"/>
+                </a:endParaRPr>
+              </a:p>
+            </p:txBody>
+          </p:sp>
+          <p:sp>
+            <p:nvSpPr>
+              <p:cNvPr id="8218" name="Oval 27"/>
+              <p:cNvSpPr>
+                <a:spLocks noChangeArrowheads="1"/>
+              </p:cNvSpPr>
+              <p:nvPr/>
+            </p:nvSpPr>
+            <p:spPr bwMode="auto">
+              <a:xfrm>
+                <a:off x="48" y="144"/>
+                <a:ext cx="48" cy="48"/>
+              </a:xfrm>
+              <a:prstGeom prst="ellipse">
+                <a:avLst/>
+              </a:prstGeom>
+              <a:solidFill>
+                <a:schemeClr val="bg1"/>
+              </a:solidFill>
+              <a:ln w="9525">
+                <a:noFill/>
+                <a:round/>
+                <a:headEnd/>
+                <a:tailEnd/>
+              </a:ln>
+            </p:spPr>
+            <p:txBody>
+              <a:bodyPr wrap="none" anchor="ctr"/>
+              <a:lstStyle/>
+              <a:p>
+                <a:endParaRPr lang="zh-CN" altLang="en-US">
+                  <a:ea typeface="宋体" pitchFamily="2" charset="-122"/>
+                </a:endParaRPr>
+              </a:p>
+            </p:txBody>
+          </p:sp>
+          <p:sp>
+            <p:nvSpPr>
+              <p:cNvPr id="8219" name="Oval 28"/>
+              <p:cNvSpPr>
+                <a:spLocks noChangeArrowheads="1"/>
+              </p:cNvSpPr>
+              <p:nvPr/>
+            </p:nvSpPr>
+            <p:spPr bwMode="auto">
+              <a:xfrm>
+                <a:off x="0" y="192"/>
+                <a:ext cx="48" cy="48"/>
+              </a:xfrm>
+              <a:prstGeom prst="ellipse">
+                <a:avLst/>
+              </a:prstGeom>
+              <a:solidFill>
+                <a:schemeClr val="bg1"/>
+              </a:solidFill>
+              <a:ln w="9525">
+                <a:noFill/>
+                <a:round/>
+                <a:headEnd/>
+                <a:tailEnd/>
+              </a:ln>
+            </p:spPr>
+            <p:txBody>
+              <a:bodyPr wrap="none" anchor="ctr"/>
+              <a:lstStyle/>
+              <a:p>
+                <a:endParaRPr lang="zh-CN" altLang="en-US">
+                  <a:ea typeface="宋体" pitchFamily="2" charset="-122"/>
+                </a:endParaRPr>
+              </a:p>
+            </p:txBody>
+          </p:sp>
+        </p:grpSp>
+      </p:grpSp>
+      <p:grpSp>
+        <p:nvGrpSpPr>
+          <p:cNvPr id="5" name="Group 29"/>
+          <p:cNvGrpSpPr>
+            <a:grpSpLocks/>
+          </p:cNvGrpSpPr>
+          <p:nvPr/>
+        </p:nvGrpSpPr>
+        <p:grpSpPr bwMode="auto">
+          <a:xfrm>
+            <a:off x="5715000" y="3810000"/>
+            <a:ext cx="504825" cy="496888"/>
+            <a:chOff x="0" y="0"/>
+            <a:chExt cx="240" cy="240"/>
+          </a:xfrm>
+        </p:grpSpPr>
+        <p:grpSp>
+          <p:nvGrpSpPr>
+            <p:cNvPr id="6" name="Group 30"/>
+            <p:cNvGrpSpPr>
+              <a:grpSpLocks/>
+            </p:cNvGrpSpPr>
+            <p:nvPr/>
+          </p:nvGrpSpPr>
+          <p:grpSpPr bwMode="auto">
+            <a:xfrm>
+              <a:off x="96" y="0"/>
+              <a:ext cx="144" cy="240"/>
+              <a:chOff x="0" y="0"/>
+              <a:chExt cx="144" cy="240"/>
+            </a:xfrm>
+          </p:grpSpPr>
+          <p:sp>
+            <p:nvSpPr>
+              <p:cNvPr id="8208" name="Oval 31"/>
+              <p:cNvSpPr>
+                <a:spLocks noChangeArrowheads="1"/>
+              </p:cNvSpPr>
+              <p:nvPr/>
+            </p:nvSpPr>
+            <p:spPr bwMode="auto">
+              <a:xfrm>
+                <a:off x="0" y="0"/>
+                <a:ext cx="48" cy="48"/>
+              </a:xfrm>
+              <a:prstGeom prst="ellipse">
+                <a:avLst/>
+              </a:prstGeom>
+              <a:solidFill>
+                <a:schemeClr val="bg1"/>
+              </a:solidFill>
+              <a:ln w="9525">
+                <a:noFill/>
+                <a:round/>
+                <a:headEnd/>
+                <a:tailEnd/>
+              </a:ln>
+            </p:spPr>
+            <p:txBody>
+              <a:bodyPr wrap="none" anchor="ctr"/>
+              <a:lstStyle/>
+              <a:p>
+                <a:endParaRPr lang="zh-CN" altLang="en-US">
+                  <a:ea typeface="宋体" pitchFamily="2" charset="-122"/>
+                </a:endParaRPr>
+              </a:p>
+            </p:txBody>
+          </p:sp>
+          <p:sp>
+            <p:nvSpPr>
+              <p:cNvPr id="8209" name="Oval 32"/>
+              <p:cNvSpPr>
+                <a:spLocks noChangeArrowheads="1"/>
+              </p:cNvSpPr>
+              <p:nvPr/>
+            </p:nvSpPr>
+            <p:spPr bwMode="auto">
+              <a:xfrm>
+                <a:off x="48" y="48"/>
+                <a:ext cx="48" cy="48"/>
+              </a:xfrm>
+              <a:prstGeom prst="ellipse">
+                <a:avLst/>
+              </a:prstGeom>
+              <a:solidFill>
+                <a:schemeClr val="bg1"/>
+              </a:solidFill>
+              <a:ln w="9525">
+                <a:noFill/>
+                <a:round/>
+                <a:headEnd/>
+                <a:tailEnd/>
+              </a:ln>
+            </p:spPr>
+            <p:txBody>
+              <a:bodyPr wrap="none" anchor="ctr"/>
+              <a:lstStyle/>
+              <a:p>
+                <a:endParaRPr lang="zh-CN" altLang="en-US">
+                  <a:ea typeface="宋体" pitchFamily="2" charset="-122"/>
+                </a:endParaRPr>
+              </a:p>
+            </p:txBody>
+          </p:sp>
+          <p:sp>
+            <p:nvSpPr>
+              <p:cNvPr id="8210" name="Oval 33"/>
+              <p:cNvSpPr>
+                <a:spLocks noChangeArrowheads="1"/>
+              </p:cNvSpPr>
+              <p:nvPr/>
+            </p:nvSpPr>
+            <p:spPr bwMode="auto">
+              <a:xfrm>
+                <a:off x="96" y="96"/>
+                <a:ext cx="48" cy="48"/>
+              </a:xfrm>
+              <a:prstGeom prst="ellipse">
+                <a:avLst/>
+              </a:prstGeom>
+              <a:solidFill>
+                <a:schemeClr val="bg1"/>
+              </a:solidFill>
+              <a:ln w="9525">
+                <a:noFill/>
+                <a:round/>
+                <a:headEnd/>
+                <a:tailEnd/>
+              </a:ln>
+            </p:spPr>
+            <p:txBody>
+              <a:bodyPr wrap="none" anchor="ctr"/>
+              <a:lstStyle/>
+              <a:p>
+                <a:endParaRPr lang="zh-CN" altLang="en-US">
+                  <a:ea typeface="宋体" pitchFamily="2" charset="-122"/>
+                </a:endParaRPr>
+              </a:p>
+            </p:txBody>
+          </p:sp>
+          <p:sp>
+            <p:nvSpPr>
+              <p:cNvPr id="8211" name="Oval 34"/>
+              <p:cNvSpPr>
+                <a:spLocks noChangeArrowheads="1"/>
+              </p:cNvSpPr>
+              <p:nvPr/>
+            </p:nvSpPr>
+            <p:spPr bwMode="auto">
+              <a:xfrm>
+                <a:off x="48" y="144"/>
+                <a:ext cx="48" cy="48"/>
+              </a:xfrm>
+              <a:prstGeom prst="ellipse">
+                <a:avLst/>
+              </a:prstGeom>
+              <a:solidFill>
+                <a:schemeClr val="bg1"/>
+              </a:solidFill>
+              <a:ln w="9525">
+                <a:noFill/>
+                <a:round/>
+                <a:headEnd/>
+                <a:tailEnd/>
+              </a:ln>
+            </p:spPr>
+            <p:txBody>
+              <a:bodyPr wrap="none" anchor="ctr"/>
+              <a:lstStyle/>
+              <a:p>
+                <a:endParaRPr lang="zh-CN" altLang="en-US">
+                  <a:ea typeface="宋体" pitchFamily="2" charset="-122"/>
+                </a:endParaRPr>
+              </a:p>
+            </p:txBody>
+          </p:sp>
+          <p:sp>
+            <p:nvSpPr>
+              <p:cNvPr id="8212" name="Oval 35"/>
+              <p:cNvSpPr>
+                <a:spLocks noChangeArrowheads="1"/>
+              </p:cNvSpPr>
+              <p:nvPr/>
+            </p:nvSpPr>
+            <p:spPr bwMode="auto">
+              <a:xfrm>
+                <a:off x="0" y="192"/>
+                <a:ext cx="48" cy="48"/>
+              </a:xfrm>
+              <a:prstGeom prst="ellipse">
+                <a:avLst/>
+              </a:prstGeom>
+              <a:solidFill>
+                <a:schemeClr val="bg1"/>
+              </a:solidFill>
+              <a:ln w="9525">
+                <a:noFill/>
+                <a:round/>
+                <a:headEnd/>
+                <a:tailEnd/>
+              </a:ln>
+            </p:spPr>
+            <p:txBody>
+              <a:bodyPr wrap="none" anchor="ctr"/>
+              <a:lstStyle/>
+              <a:p>
+                <a:endParaRPr lang="zh-CN" altLang="en-US">
+                  <a:ea typeface="宋体" pitchFamily="2" charset="-122"/>
+                </a:endParaRPr>
+              </a:p>
+            </p:txBody>
+          </p:sp>
+        </p:grpSp>
+        <p:grpSp>
+          <p:nvGrpSpPr>
+            <p:cNvPr id="7" name="Group 36"/>
+            <p:cNvGrpSpPr>
+              <a:grpSpLocks/>
+            </p:cNvGrpSpPr>
+            <p:nvPr/>
+          </p:nvGrpSpPr>
+          <p:grpSpPr bwMode="auto">
+            <a:xfrm>
+              <a:off x="0" y="0"/>
+              <a:ext cx="144" cy="240"/>
+              <a:chOff x="0" y="0"/>
+              <a:chExt cx="144" cy="240"/>
+            </a:xfrm>
+          </p:grpSpPr>
+          <p:sp>
+            <p:nvSpPr>
+              <p:cNvPr id="8203" name="Oval 37"/>
+              <p:cNvSpPr>
+                <a:spLocks noChangeArrowheads="1"/>
+              </p:cNvSpPr>
+              <p:nvPr/>
+            </p:nvSpPr>
+            <p:spPr bwMode="auto">
+              <a:xfrm>
+                <a:off x="0" y="0"/>
+                <a:ext cx="48" cy="48"/>
+              </a:xfrm>
+              <a:prstGeom prst="ellipse">
+                <a:avLst/>
+              </a:prstGeom>
+              <a:solidFill>
+                <a:schemeClr val="bg1"/>
+              </a:solidFill>
+              <a:ln w="9525">
+                <a:noFill/>
+                <a:round/>
+                <a:headEnd/>
+                <a:tailEnd/>
+              </a:ln>
+            </p:spPr>
+            <p:txBody>
+              <a:bodyPr wrap="none" anchor="ctr"/>
+              <a:lstStyle/>
+              <a:p>
+                <a:endParaRPr lang="zh-CN" altLang="en-US">
+                  <a:ea typeface="宋体" pitchFamily="2" charset="-122"/>
+                </a:endParaRPr>
+              </a:p>
+            </p:txBody>
+          </p:sp>
+          <p:sp>
+            <p:nvSpPr>
+              <p:cNvPr id="8204" name="Oval 38"/>
+              <p:cNvSpPr>
+                <a:spLocks noChangeArrowheads="1"/>
+              </p:cNvSpPr>
+              <p:nvPr/>
+            </p:nvSpPr>
+            <p:spPr bwMode="auto">
+              <a:xfrm>
+                <a:off x="48" y="48"/>
+                <a:ext cx="48" cy="48"/>
+              </a:xfrm>
+              <a:prstGeom prst="ellipse">
+                <a:avLst/>
+              </a:prstGeom>
+              <a:solidFill>
+                <a:schemeClr val="bg1"/>
+              </a:solidFill>
+              <a:ln w="9525">
+                <a:noFill/>
+                <a:round/>
+                <a:headEnd/>
+                <a:tailEnd/>
+              </a:ln>
+            </p:spPr>
+            <p:txBody>
+              <a:bodyPr wrap="none" anchor="ctr"/>
+              <a:lstStyle/>
+              <a:p>
+                <a:endParaRPr lang="zh-CN" altLang="en-US">
+                  <a:ea typeface="宋体" pitchFamily="2" charset="-122"/>
+                </a:endParaRPr>
+              </a:p>
+            </p:txBody>
+          </p:sp>
+          <p:sp>
+            <p:nvSpPr>
+              <p:cNvPr id="8205" name="Oval 39"/>
+              <p:cNvSpPr>
+                <a:spLocks noChangeArrowheads="1"/>
+              </p:cNvSpPr>
+              <p:nvPr/>
+            </p:nvSpPr>
+            <p:spPr bwMode="auto">
+              <a:xfrm>
+                <a:off x="96" y="96"/>
+                <a:ext cx="48" cy="48"/>
+              </a:xfrm>
+              <a:prstGeom prst="ellipse">
+                <a:avLst/>
+              </a:prstGeom>
+              <a:solidFill>
+                <a:schemeClr val="bg1"/>
+              </a:solidFill>
+              <a:ln w="9525">
+                <a:noFill/>
+                <a:round/>
+                <a:headEnd/>
+                <a:tailEnd/>
+              </a:ln>
+            </p:spPr>
+            <p:txBody>
+              <a:bodyPr wrap="none" anchor="ctr"/>
+              <a:lstStyle/>
+              <a:p>
+                <a:endParaRPr lang="zh-CN" altLang="en-US">
+                  <a:ea typeface="宋体" pitchFamily="2" charset="-122"/>
+                </a:endParaRPr>
+              </a:p>
+            </p:txBody>
+          </p:sp>
+          <p:sp>
+            <p:nvSpPr>
+              <p:cNvPr id="8206" name="Oval 40"/>
+              <p:cNvSpPr>
+                <a:spLocks noChangeArrowheads="1"/>
+              </p:cNvSpPr>
+              <p:nvPr/>
+            </p:nvSpPr>
+            <p:spPr bwMode="auto">
+              <a:xfrm>
+                <a:off x="48" y="144"/>
+                <a:ext cx="48" cy="48"/>
+              </a:xfrm>
+              <a:prstGeom prst="ellipse">
+                <a:avLst/>
+              </a:prstGeom>
+              <a:solidFill>
+                <a:schemeClr val="bg1"/>
+              </a:solidFill>
+              <a:ln w="9525">
+                <a:noFill/>
+                <a:round/>
+                <a:headEnd/>
+                <a:tailEnd/>
+              </a:ln>
+            </p:spPr>
+            <p:txBody>
+              <a:bodyPr wrap="none" anchor="ctr"/>
+              <a:lstStyle/>
+              <a:p>
+                <a:endParaRPr lang="zh-CN" altLang="en-US">
+                  <a:ea typeface="宋体" pitchFamily="2" charset="-122"/>
+                </a:endParaRPr>
+              </a:p>
+            </p:txBody>
+          </p:sp>
+          <p:sp>
+            <p:nvSpPr>
+              <p:cNvPr id="8207" name="Oval 41"/>
+              <p:cNvSpPr>
+                <a:spLocks noChangeArrowheads="1"/>
+              </p:cNvSpPr>
+              <p:nvPr/>
+            </p:nvSpPr>
+            <p:spPr bwMode="auto">
+              <a:xfrm>
+                <a:off x="0" y="192"/>
+                <a:ext cx="48" cy="48"/>
+              </a:xfrm>
+              <a:prstGeom prst="ellipse">
+                <a:avLst/>
+              </a:prstGeom>
+              <a:solidFill>
+                <a:schemeClr val="bg1"/>
+              </a:solidFill>
+              <a:ln w="9525">
+                <a:noFill/>
+                <a:round/>
+                <a:headEnd/>
+                <a:tailEnd/>
+              </a:ln>
+            </p:spPr>
+            <p:txBody>
+              <a:bodyPr wrap="none" anchor="ctr"/>
+              <a:lstStyle/>
+              <a:p>
+                <a:endParaRPr lang="zh-CN" altLang="en-US">
+                  <a:ea typeface="宋体" pitchFamily="2" charset="-122"/>
+                </a:endParaRPr>
+              </a:p>
+            </p:txBody>
+          </p:sp>
+        </p:grpSp>
+      </p:grpSp>
+      <p:sp>
+        <p:nvSpPr>
+          <p:cNvPr id="8200" name="Text Box 42"/>
+          <p:cNvSpPr txBox="1">
+            <a:spLocks noChangeArrowheads="1"/>
+          </p:cNvSpPr>
+          <p:nvPr/>
+        </p:nvSpPr>
+        <p:spPr bwMode="auto">
+          <a:xfrm>
+            <a:off x="990600" y="1600200"/>
+            <a:ext cx="7162800" cy="3662541"/>
+          </a:xfrm>
+          <a:prstGeom prst="rect">
+            <a:avLst/>
+          </a:prstGeom>
+          <a:noFill/>
+          <a:ln w="9525">
+            <a:noFill/>
+            <a:miter lim="800000"/>
+            <a:headEnd/>
+            <a:tailEnd/>
+          </a:ln>
+        </p:spPr>
+        <p:txBody>
+          <a:bodyPr>
+            <a:spAutoFit/>
+          </a:bodyPr>
+          <a:lstStyle/>
+          <a:p>
+            <a:r>
+              <a:rPr lang="zh-CN" altLang="en-US" sz="4000" b="1" dirty="0" smtClean="0">
+                <a:ea typeface="宋体" pitchFamily="2" charset="-122"/>
+              </a:rPr>
+              <a:t>折</a:t>
+            </a:r>
+            <a:r>
+              <a:rPr lang="zh-CN" altLang="en-US" sz="4000" b="1" dirty="0" smtClean="0">
+                <a:ea typeface="宋体" pitchFamily="2" charset="-122"/>
+              </a:rPr>
+              <a:t>中选择</a:t>
+            </a:r>
+            <a:endParaRPr lang="en-US" altLang="zh-CN" sz="4000" b="1" dirty="0" smtClean="0">
+              <a:ea typeface="宋体" pitchFamily="2" charset="-122"/>
+            </a:endParaRPr>
+          </a:p>
+          <a:p>
+            <a:pPr>
+              <a:lnSpc>
+                <a:spcPct val="150000"/>
+              </a:lnSpc>
+            </a:pPr>
+            <a:r>
+              <a:rPr lang="zh-CN" altLang="en-US" dirty="0" smtClean="0">
+                <a:ea typeface="宋体" pitchFamily="2" charset="-122"/>
+              </a:rPr>
+              <a:t>分</a:t>
+            </a:r>
+            <a:r>
+              <a:rPr lang="zh-CN" altLang="en-US" dirty="0" smtClean="0">
+                <a:ea typeface="宋体" pitchFamily="2" charset="-122"/>
+              </a:rPr>
+              <a:t>析优缺点，第一种方案刚开始轻松简单，但是却把风险压后。第三种方案是悲观模式，一开始就把风险考虑进去，开发成本也大。而第二种方案既不简单，也没有第三种方案复杂，所以我第二种方案即按微服务划分方式。</a:t>
+            </a:r>
+            <a:endParaRPr lang="en-US" altLang="zh-CN" dirty="0" smtClean="0">
+              <a:ea typeface="宋体" pitchFamily="2" charset="-122"/>
+            </a:endParaRPr>
+          </a:p>
+          <a:p>
+            <a:endParaRPr lang="en-US" altLang="zh-CN" sz="1400" dirty="0" smtClean="0">
+              <a:ea typeface="宋体" pitchFamily="2" charset="-122"/>
+            </a:endParaRPr>
+          </a:p>
+          <a:p>
+            <a:endParaRPr lang="en-US" altLang="zh-CN" sz="1400" dirty="0" smtClean="0">
+              <a:ea typeface="宋体" pitchFamily="2" charset="-122"/>
+            </a:endParaRPr>
+          </a:p>
+          <a:p>
+            <a:endParaRPr lang="en-US" altLang="zh-CN" sz="1400" dirty="0" smtClean="0">
+              <a:ea typeface="宋体" pitchFamily="2" charset="-122"/>
+            </a:endParaRPr>
+          </a:p>
+          <a:p>
+            <a:endParaRPr lang="en-US" altLang="zh-CN" sz="1400" b="1" dirty="0">
+              <a:ea typeface="宋体" pitchFamily="2" charset="-122"/>
+            </a:endParaRPr>
+          </a:p>
+          <a:p>
+            <a:r>
+              <a:rPr lang="en-US" altLang="zh-CN" sz="1400" dirty="0">
+                <a:ea typeface="宋体" pitchFamily="2" charset="-122"/>
+              </a:rPr>
+              <a:t/>
+            </a:r>
+            <a:br>
+              <a:rPr lang="en-US" altLang="zh-CN" sz="1400" dirty="0">
+                <a:ea typeface="宋体" pitchFamily="2" charset="-122"/>
+              </a:rPr>
+            </a:br>
+            <a:endParaRPr lang="en-US" altLang="zh-CN" sz="1400" dirty="0">
+              <a:solidFill>
+                <a:srgbClr val="000000"/>
+              </a:solidFill>
+              <a:ea typeface="宋体" pitchFamily="2" charset="-122"/>
+            </a:endParaRPr>
+          </a:p>
+        </p:txBody>
+      </p:sp>
+    </p:spTree>
+  </p:cSld>
+  <p:clrMapOvr>
+    <a:masterClrMapping/>
+  </p:clrMapOvr>
+  <p:timing>
+    <p:tnLst>
+      <p:par>
+        <p:cTn id="1" dur="indefinite" restart="never" nodeType="tmRoot"/>
+      </p:par>
+    </p:tnLst>
+  </p:timing>
+</p:sld>
+</file>
+
+<file path=ppt/slides/slide15.xml><?xml version="1.0" encoding="utf-8"?>
+<p:sld xmlns:a="http://schemas.openxmlformats.org/drawingml/2006/main" xmlns:r="http://schemas.openxmlformats.org/officeDocument/2006/relationships" xmlns:p="http://schemas.openxmlformats.org/presentationml/2006/main">
+  <p:cSld>
+    <p:spTree>
+      <p:nvGrpSpPr>
+        <p:cNvPr id="1" name=""/>
+        <p:cNvGrpSpPr/>
+        <p:nvPr/>
+      </p:nvGrpSpPr>
+      <p:grpSpPr>
+        <a:xfrm>
+          <a:off x="0" y="0"/>
+          <a:ext cx="0" cy="0"/>
+          <a:chOff x="0" y="0"/>
+          <a:chExt cx="0" cy="0"/>
+        </a:xfrm>
+      </p:grpSpPr>
+      <p:sp>
+        <p:nvSpPr>
+          <p:cNvPr id="5122" name="Rectangle 2"/>
+          <p:cNvSpPr>
+            <a:spLocks noGrp="1" noChangeArrowheads="1"/>
+          </p:cNvSpPr>
+          <p:nvPr>
+            <p:ph type="title"/>
+          </p:nvPr>
+        </p:nvSpPr>
+        <p:spPr/>
+        <p:txBody>
+          <a:bodyPr/>
+          <a:lstStyle/>
+          <a:p>
+            <a:pPr eaLnBrk="1" hangingPunct="1"/>
+            <a:r>
+              <a:rPr lang="zh-CN" altLang="en-US" dirty="0" smtClean="0">
+                <a:ea typeface="宋体" pitchFamily="2" charset="-122"/>
+              </a:rPr>
+              <a:t>智慧社区</a:t>
+            </a:r>
+            <a:r>
+              <a:rPr lang="en-US" altLang="zh-CN" dirty="0" smtClean="0">
+                <a:ea typeface="宋体" pitchFamily="2" charset="-122"/>
+              </a:rPr>
+              <a:t>-</a:t>
+            </a:r>
+            <a:r>
+              <a:rPr lang="zh-CN" altLang="en-US" dirty="0" smtClean="0">
+                <a:ea typeface="宋体" pitchFamily="2" charset="-122"/>
+              </a:rPr>
+              <a:t>前端架构</a:t>
+            </a:r>
+          </a:p>
+        </p:txBody>
+      </p:sp>
+      <p:pic>
+        <p:nvPicPr>
+          <p:cNvPr id="23554" name="Picture 2"/>
+          <p:cNvPicPr>
+            <a:picLocks noChangeAspect="1" noChangeArrowheads="1"/>
+          </p:cNvPicPr>
+          <p:nvPr/>
+        </p:nvPicPr>
+        <p:blipFill>
+          <a:blip r:embed="rId2" cstate="print"/>
+          <a:srcRect/>
+          <a:stretch>
+            <a:fillRect/>
+          </a:stretch>
+        </p:blipFill>
+        <p:spPr bwMode="auto">
+          <a:xfrm>
+            <a:off x="0" y="1162050"/>
+            <a:ext cx="9144000" cy="5695950"/>
+          </a:xfrm>
+          <a:prstGeom prst="rect">
+            <a:avLst/>
+          </a:prstGeom>
+          <a:noFill/>
+          <a:ln w="9525">
+            <a:noFill/>
+            <a:miter lim="800000"/>
+            <a:headEnd/>
+            <a:tailEnd/>
+          </a:ln>
+        </p:spPr>
+      </p:pic>
+    </p:spTree>
+  </p:cSld>
+  <p:clrMapOvr>
+    <a:masterClrMapping/>
+  </p:clrMapOvr>
+  <p:timing>
+    <p:tnLst>
+      <p:par>
+        <p:cTn id="1" dur="indefinite" restart="never" nodeType="tmRoot"/>
+      </p:par>
+    </p:tnLst>
+  </p:timing>
+</p:sld>
+</file>
+
+<file path=ppt/slides/slide16.xml><?xml version="1.0" encoding="utf-8"?>
+<p:sld xmlns:a="http://schemas.openxmlformats.org/drawingml/2006/main" xmlns:r="http://schemas.openxmlformats.org/officeDocument/2006/relationships" xmlns:p="http://schemas.openxmlformats.org/presentationml/2006/main">
+  <p:cSld>
+    <p:spTree>
+      <p:nvGrpSpPr>
+        <p:cNvPr id="1" name=""/>
+        <p:cNvGrpSpPr/>
+        <p:nvPr/>
+      </p:nvGrpSpPr>
+      <p:grpSpPr>
+        <a:xfrm>
+          <a:off x="0" y="0"/>
+          <a:ext cx="0" cy="0"/>
+          <a:chOff x="0" y="0"/>
+          <a:chExt cx="0" cy="0"/>
+        </a:xfrm>
+      </p:grpSpPr>
+      <p:sp>
+        <p:nvSpPr>
+          <p:cNvPr id="8194" name="Rectangle 2"/>
+          <p:cNvSpPr>
+            <a:spLocks noGrp="1" noChangeArrowheads="1"/>
+          </p:cNvSpPr>
+          <p:nvPr>
+            <p:ph type="title"/>
+          </p:nvPr>
+        </p:nvSpPr>
+        <p:spPr/>
+        <p:txBody>
+          <a:bodyPr/>
+          <a:lstStyle/>
+          <a:p>
+            <a:pPr eaLnBrk="1" hangingPunct="1"/>
+            <a:r>
+              <a:rPr lang="zh-CN" altLang="en-US" sz="3600" dirty="0" smtClean="0">
+                <a:ea typeface="宋体" pitchFamily="2" charset="-122"/>
+              </a:rPr>
+              <a:t>智慧社区</a:t>
+            </a:r>
+            <a:r>
+              <a:rPr lang="en-US" altLang="zh-CN" sz="3600" dirty="0" smtClean="0">
+                <a:ea typeface="宋体" pitchFamily="2" charset="-122"/>
+              </a:rPr>
+              <a:t>-</a:t>
+            </a:r>
+            <a:r>
+              <a:rPr lang="zh-CN" altLang="en-US" sz="3600" dirty="0" smtClean="0">
+                <a:ea typeface="宋体" pitchFamily="2" charset="-122"/>
+              </a:rPr>
+              <a:t>前端架构实现</a:t>
+            </a:r>
+            <a:endParaRPr lang="en-US" altLang="zh-CN" sz="2000" dirty="0" smtClean="0">
+              <a:ea typeface="宋体" pitchFamily="2" charset="-122"/>
+            </a:endParaRPr>
+          </a:p>
+        </p:txBody>
+      </p:sp>
+      <p:sp>
+        <p:nvSpPr>
+          <p:cNvPr id="8195" name="Text Box 13"/>
+          <p:cNvSpPr txBox="1">
+            <a:spLocks noChangeArrowheads="1"/>
+          </p:cNvSpPr>
+          <p:nvPr/>
+        </p:nvSpPr>
+        <p:spPr bwMode="auto">
+          <a:xfrm>
+            <a:off x="914400" y="2943225"/>
+            <a:ext cx="1752600" cy="942975"/>
+          </a:xfrm>
+          <a:prstGeom prst="rect">
+            <a:avLst/>
+          </a:prstGeom>
+          <a:noFill/>
+          <a:ln w="9525">
+            <a:noFill/>
+            <a:miter lim="800000"/>
+            <a:headEnd/>
+            <a:tailEnd/>
+          </a:ln>
+        </p:spPr>
+        <p:txBody>
+          <a:bodyPr>
+            <a:spAutoFit/>
+          </a:bodyPr>
+          <a:lstStyle/>
+          <a:p>
+            <a:pPr marL="120650" indent="-120650">
+              <a:spcBef>
+                <a:spcPct val="50000"/>
+              </a:spcBef>
+              <a:buFont typeface="Arial" charset="0"/>
+              <a:buChar char="•"/>
+            </a:pPr>
+            <a:r>
+              <a:rPr lang="en-US" altLang="zh-CN" sz="1400">
+                <a:solidFill>
+                  <a:srgbClr val="FFFFFF"/>
+                </a:solidFill>
+                <a:ea typeface="宋体" pitchFamily="2" charset="-122"/>
+              </a:rPr>
+              <a:t>Click to add Text</a:t>
+            </a:r>
+          </a:p>
+          <a:p>
+            <a:pPr marL="120650" indent="-120650">
+              <a:spcBef>
+                <a:spcPct val="50000"/>
+              </a:spcBef>
+              <a:buFont typeface="Arial" charset="0"/>
+              <a:buChar char="•"/>
+            </a:pPr>
+            <a:r>
+              <a:rPr lang="en-US" altLang="zh-CN" sz="1400">
+                <a:solidFill>
+                  <a:srgbClr val="FFFFFF"/>
+                </a:solidFill>
+                <a:ea typeface="宋体" pitchFamily="2" charset="-122"/>
+              </a:rPr>
+              <a:t>Click to add Text</a:t>
+            </a:r>
+          </a:p>
+          <a:p>
+            <a:pPr marL="120650" indent="-120650">
+              <a:spcBef>
+                <a:spcPct val="50000"/>
+              </a:spcBef>
+              <a:buFont typeface="Arial" charset="0"/>
+              <a:buChar char="•"/>
+            </a:pPr>
+            <a:r>
+              <a:rPr lang="en-US" altLang="zh-CN" sz="1400">
+                <a:solidFill>
+                  <a:srgbClr val="FFFFFF"/>
+                </a:solidFill>
+                <a:ea typeface="宋体" pitchFamily="2" charset="-122"/>
+              </a:rPr>
+              <a:t>Click to add Text</a:t>
+            </a:r>
+          </a:p>
+        </p:txBody>
+      </p:sp>
+      <p:sp>
+        <p:nvSpPr>
+          <p:cNvPr id="8196" name="Text Box 14"/>
+          <p:cNvSpPr txBox="1">
+            <a:spLocks noChangeArrowheads="1"/>
+          </p:cNvSpPr>
+          <p:nvPr/>
+        </p:nvSpPr>
+        <p:spPr bwMode="auto">
+          <a:xfrm>
+            <a:off x="3657600" y="2943225"/>
+            <a:ext cx="1752600" cy="942975"/>
+          </a:xfrm>
+          <a:prstGeom prst="rect">
+            <a:avLst/>
+          </a:prstGeom>
+          <a:noFill/>
+          <a:ln w="9525">
+            <a:noFill/>
+            <a:miter lim="800000"/>
+            <a:headEnd/>
+            <a:tailEnd/>
+          </a:ln>
+        </p:spPr>
+        <p:txBody>
+          <a:bodyPr>
+            <a:spAutoFit/>
+          </a:bodyPr>
+          <a:lstStyle/>
+          <a:p>
+            <a:pPr marL="120650" indent="-120650">
+              <a:spcBef>
+                <a:spcPct val="50000"/>
+              </a:spcBef>
+              <a:buFont typeface="Arial" charset="0"/>
+              <a:buChar char="•"/>
+            </a:pPr>
+            <a:r>
+              <a:rPr lang="en-US" altLang="zh-CN" sz="1400">
+                <a:solidFill>
+                  <a:srgbClr val="FFFFFF"/>
+                </a:solidFill>
+                <a:ea typeface="宋体" pitchFamily="2" charset="-122"/>
+              </a:rPr>
+              <a:t>Click to add Text</a:t>
+            </a:r>
+          </a:p>
+          <a:p>
+            <a:pPr marL="120650" indent="-120650">
+              <a:spcBef>
+                <a:spcPct val="50000"/>
+              </a:spcBef>
+              <a:buFont typeface="Arial" charset="0"/>
+              <a:buChar char="•"/>
+            </a:pPr>
+            <a:r>
+              <a:rPr lang="en-US" altLang="zh-CN" sz="1400">
+                <a:solidFill>
+                  <a:srgbClr val="FFFFFF"/>
+                </a:solidFill>
+                <a:ea typeface="宋体" pitchFamily="2" charset="-122"/>
+              </a:rPr>
+              <a:t>Click to add Text</a:t>
+            </a:r>
+          </a:p>
+          <a:p>
+            <a:pPr marL="120650" indent="-120650">
+              <a:spcBef>
+                <a:spcPct val="50000"/>
+              </a:spcBef>
+              <a:buFont typeface="Arial" charset="0"/>
+              <a:buChar char="•"/>
+            </a:pPr>
+            <a:r>
+              <a:rPr lang="en-US" altLang="zh-CN" sz="1400">
+                <a:solidFill>
+                  <a:srgbClr val="FFFFFF"/>
+                </a:solidFill>
+                <a:ea typeface="宋体" pitchFamily="2" charset="-122"/>
+              </a:rPr>
+              <a:t>Click to add Text</a:t>
+            </a:r>
+          </a:p>
+        </p:txBody>
+      </p:sp>
+      <p:sp>
+        <p:nvSpPr>
+          <p:cNvPr id="8197" name="Text Box 15"/>
+          <p:cNvSpPr txBox="1">
+            <a:spLocks noChangeArrowheads="1"/>
+          </p:cNvSpPr>
+          <p:nvPr/>
+        </p:nvSpPr>
+        <p:spPr bwMode="auto">
+          <a:xfrm>
+            <a:off x="6477000" y="2943225"/>
+            <a:ext cx="1752600" cy="942975"/>
+          </a:xfrm>
+          <a:prstGeom prst="rect">
+            <a:avLst/>
+          </a:prstGeom>
+          <a:noFill/>
+          <a:ln w="9525">
+            <a:noFill/>
+            <a:miter lim="800000"/>
+            <a:headEnd/>
+            <a:tailEnd/>
+          </a:ln>
+        </p:spPr>
+        <p:txBody>
+          <a:bodyPr>
+            <a:spAutoFit/>
+          </a:bodyPr>
+          <a:lstStyle/>
+          <a:p>
+            <a:pPr marL="120650" indent="-120650">
+              <a:spcBef>
+                <a:spcPct val="50000"/>
+              </a:spcBef>
+              <a:buFont typeface="Arial" charset="0"/>
+              <a:buChar char="•"/>
+            </a:pPr>
+            <a:r>
+              <a:rPr lang="en-US" altLang="zh-CN" sz="1400">
+                <a:solidFill>
+                  <a:srgbClr val="FFFFFF"/>
+                </a:solidFill>
+                <a:ea typeface="宋体" pitchFamily="2" charset="-122"/>
+              </a:rPr>
+              <a:t>Click to add Text</a:t>
+            </a:r>
+          </a:p>
+          <a:p>
+            <a:pPr marL="120650" indent="-120650">
+              <a:spcBef>
+                <a:spcPct val="50000"/>
+              </a:spcBef>
+              <a:buFont typeface="Arial" charset="0"/>
+              <a:buChar char="•"/>
+            </a:pPr>
+            <a:r>
+              <a:rPr lang="en-US" altLang="zh-CN" sz="1400">
+                <a:solidFill>
+                  <a:srgbClr val="FFFFFF"/>
+                </a:solidFill>
+                <a:ea typeface="宋体" pitchFamily="2" charset="-122"/>
+              </a:rPr>
+              <a:t>Click to add Text</a:t>
+            </a:r>
+          </a:p>
+          <a:p>
+            <a:pPr marL="120650" indent="-120650">
+              <a:spcBef>
+                <a:spcPct val="50000"/>
+              </a:spcBef>
+              <a:buFont typeface="Arial" charset="0"/>
+              <a:buChar char="•"/>
+            </a:pPr>
+            <a:r>
+              <a:rPr lang="en-US" altLang="zh-CN" sz="1400">
+                <a:solidFill>
+                  <a:srgbClr val="FFFFFF"/>
+                </a:solidFill>
+                <a:ea typeface="宋体" pitchFamily="2" charset="-122"/>
+              </a:rPr>
+              <a:t>Click to add Text</a:t>
+            </a:r>
+          </a:p>
+        </p:txBody>
+      </p:sp>
+      <p:grpSp>
+        <p:nvGrpSpPr>
+          <p:cNvPr id="2" name="Group 16"/>
+          <p:cNvGrpSpPr>
+            <a:grpSpLocks/>
+          </p:cNvGrpSpPr>
+          <p:nvPr/>
+        </p:nvGrpSpPr>
+        <p:grpSpPr bwMode="auto">
+          <a:xfrm>
+            <a:off x="2971800" y="3810000"/>
+            <a:ext cx="504825" cy="496888"/>
+            <a:chOff x="0" y="0"/>
+            <a:chExt cx="240" cy="240"/>
+          </a:xfrm>
+        </p:grpSpPr>
+        <p:grpSp>
+          <p:nvGrpSpPr>
+            <p:cNvPr id="3" name="Group 17"/>
+            <p:cNvGrpSpPr>
+              <a:grpSpLocks/>
+            </p:cNvGrpSpPr>
+            <p:nvPr/>
+          </p:nvGrpSpPr>
+          <p:grpSpPr bwMode="auto">
+            <a:xfrm>
+              <a:off x="96" y="0"/>
+              <a:ext cx="144" cy="240"/>
+              <a:chOff x="0" y="0"/>
+              <a:chExt cx="144" cy="240"/>
+            </a:xfrm>
+          </p:grpSpPr>
+          <p:sp>
+            <p:nvSpPr>
+              <p:cNvPr id="8220" name="Oval 18"/>
+              <p:cNvSpPr>
+                <a:spLocks noChangeArrowheads="1"/>
+              </p:cNvSpPr>
+              <p:nvPr/>
+            </p:nvSpPr>
+            <p:spPr bwMode="auto">
+              <a:xfrm>
+                <a:off x="0" y="0"/>
+                <a:ext cx="48" cy="48"/>
+              </a:xfrm>
+              <a:prstGeom prst="ellipse">
+                <a:avLst/>
+              </a:prstGeom>
+              <a:solidFill>
+                <a:schemeClr val="bg1"/>
+              </a:solidFill>
+              <a:ln w="9525">
+                <a:noFill/>
+                <a:round/>
+                <a:headEnd/>
+                <a:tailEnd/>
+              </a:ln>
+            </p:spPr>
+            <p:txBody>
+              <a:bodyPr wrap="none" anchor="ctr"/>
+              <a:lstStyle/>
+              <a:p>
+                <a:endParaRPr lang="zh-CN" altLang="en-US">
+                  <a:ea typeface="宋体" pitchFamily="2" charset="-122"/>
+                </a:endParaRPr>
+              </a:p>
+            </p:txBody>
+          </p:sp>
+          <p:sp>
+            <p:nvSpPr>
+              <p:cNvPr id="8221" name="Oval 19"/>
+              <p:cNvSpPr>
+                <a:spLocks noChangeArrowheads="1"/>
+              </p:cNvSpPr>
+              <p:nvPr/>
+            </p:nvSpPr>
+            <p:spPr bwMode="auto">
+              <a:xfrm>
+                <a:off x="48" y="48"/>
+                <a:ext cx="48" cy="48"/>
+              </a:xfrm>
+              <a:prstGeom prst="ellipse">
+                <a:avLst/>
+              </a:prstGeom>
+              <a:solidFill>
+                <a:schemeClr val="bg1"/>
+              </a:solidFill>
+              <a:ln w="9525">
+                <a:noFill/>
+                <a:round/>
+                <a:headEnd/>
+                <a:tailEnd/>
+              </a:ln>
+            </p:spPr>
+            <p:txBody>
+              <a:bodyPr wrap="none" anchor="ctr"/>
+              <a:lstStyle/>
+              <a:p>
+                <a:endParaRPr lang="zh-CN" altLang="en-US">
+                  <a:ea typeface="宋体" pitchFamily="2" charset="-122"/>
+                </a:endParaRPr>
+              </a:p>
+            </p:txBody>
+          </p:sp>
+          <p:sp>
+            <p:nvSpPr>
+              <p:cNvPr id="8222" name="Oval 20"/>
+              <p:cNvSpPr>
+                <a:spLocks noChangeArrowheads="1"/>
+              </p:cNvSpPr>
+              <p:nvPr/>
+            </p:nvSpPr>
+            <p:spPr bwMode="auto">
+              <a:xfrm>
+                <a:off x="96" y="96"/>
+                <a:ext cx="48" cy="48"/>
+              </a:xfrm>
+              <a:prstGeom prst="ellipse">
+                <a:avLst/>
+              </a:prstGeom>
+              <a:solidFill>
+                <a:schemeClr val="bg1"/>
+              </a:solidFill>
+              <a:ln w="9525">
+                <a:noFill/>
+                <a:round/>
+                <a:headEnd/>
+                <a:tailEnd/>
+              </a:ln>
+            </p:spPr>
+            <p:txBody>
+              <a:bodyPr wrap="none" anchor="ctr"/>
+              <a:lstStyle/>
+              <a:p>
+                <a:endParaRPr lang="zh-CN" altLang="en-US">
+                  <a:ea typeface="宋体" pitchFamily="2" charset="-122"/>
+                </a:endParaRPr>
+              </a:p>
+            </p:txBody>
+          </p:sp>
+          <p:sp>
+            <p:nvSpPr>
+              <p:cNvPr id="8223" name="Oval 21"/>
+              <p:cNvSpPr>
+                <a:spLocks noChangeArrowheads="1"/>
+              </p:cNvSpPr>
+              <p:nvPr/>
+            </p:nvSpPr>
+            <p:spPr bwMode="auto">
+              <a:xfrm>
+                <a:off x="48" y="144"/>
+                <a:ext cx="48" cy="48"/>
+              </a:xfrm>
+              <a:prstGeom prst="ellipse">
+                <a:avLst/>
+              </a:prstGeom>
+              <a:solidFill>
+                <a:schemeClr val="bg1"/>
+              </a:solidFill>
+              <a:ln w="9525">
+                <a:noFill/>
+                <a:round/>
+                <a:headEnd/>
+                <a:tailEnd/>
+              </a:ln>
+            </p:spPr>
+            <p:txBody>
+              <a:bodyPr wrap="none" anchor="ctr"/>
+              <a:lstStyle/>
+              <a:p>
+                <a:endParaRPr lang="zh-CN" altLang="en-US">
+                  <a:ea typeface="宋体" pitchFamily="2" charset="-122"/>
+                </a:endParaRPr>
+              </a:p>
+            </p:txBody>
+          </p:sp>
+          <p:sp>
+            <p:nvSpPr>
+              <p:cNvPr id="8224" name="Oval 22"/>
+              <p:cNvSpPr>
+                <a:spLocks noChangeArrowheads="1"/>
+              </p:cNvSpPr>
+              <p:nvPr/>
+            </p:nvSpPr>
+            <p:spPr bwMode="auto">
+              <a:xfrm>
+                <a:off x="0" y="192"/>
+                <a:ext cx="48" cy="48"/>
+              </a:xfrm>
+              <a:prstGeom prst="ellipse">
+                <a:avLst/>
+              </a:prstGeom>
+              <a:solidFill>
+                <a:schemeClr val="bg1"/>
+              </a:solidFill>
+              <a:ln w="9525">
+                <a:noFill/>
+                <a:round/>
+                <a:headEnd/>
+                <a:tailEnd/>
+              </a:ln>
+            </p:spPr>
+            <p:txBody>
+              <a:bodyPr wrap="none" anchor="ctr"/>
+              <a:lstStyle/>
+              <a:p>
+                <a:endParaRPr lang="zh-CN" altLang="en-US">
+                  <a:ea typeface="宋体" pitchFamily="2" charset="-122"/>
+                </a:endParaRPr>
+              </a:p>
+            </p:txBody>
+          </p:sp>
+        </p:grpSp>
+        <p:grpSp>
+          <p:nvGrpSpPr>
+            <p:cNvPr id="4" name="Group 23"/>
+            <p:cNvGrpSpPr>
+              <a:grpSpLocks/>
+            </p:cNvGrpSpPr>
+            <p:nvPr/>
+          </p:nvGrpSpPr>
+          <p:grpSpPr bwMode="auto">
+            <a:xfrm>
+              <a:off x="0" y="0"/>
+              <a:ext cx="144" cy="240"/>
+              <a:chOff x="0" y="0"/>
+              <a:chExt cx="144" cy="240"/>
+            </a:xfrm>
+          </p:grpSpPr>
+          <p:sp>
+            <p:nvSpPr>
+              <p:cNvPr id="8215" name="Oval 24"/>
+              <p:cNvSpPr>
+                <a:spLocks noChangeArrowheads="1"/>
+              </p:cNvSpPr>
+              <p:nvPr/>
+            </p:nvSpPr>
+            <p:spPr bwMode="auto">
+              <a:xfrm>
+                <a:off x="0" y="0"/>
+                <a:ext cx="48" cy="48"/>
+              </a:xfrm>
+              <a:prstGeom prst="ellipse">
+                <a:avLst/>
+              </a:prstGeom>
+              <a:solidFill>
+                <a:schemeClr val="bg1"/>
+              </a:solidFill>
+              <a:ln w="9525">
+                <a:noFill/>
+                <a:round/>
+                <a:headEnd/>
+                <a:tailEnd/>
+              </a:ln>
+            </p:spPr>
+            <p:txBody>
+              <a:bodyPr wrap="none" anchor="ctr"/>
+              <a:lstStyle/>
+              <a:p>
+                <a:endParaRPr lang="zh-CN" altLang="en-US">
+                  <a:ea typeface="宋体" pitchFamily="2" charset="-122"/>
+                </a:endParaRPr>
+              </a:p>
+            </p:txBody>
+          </p:sp>
+          <p:sp>
+            <p:nvSpPr>
+              <p:cNvPr id="8216" name="Oval 25"/>
+              <p:cNvSpPr>
+                <a:spLocks noChangeArrowheads="1"/>
+              </p:cNvSpPr>
+              <p:nvPr/>
+            </p:nvSpPr>
+            <p:spPr bwMode="auto">
+              <a:xfrm>
+                <a:off x="48" y="48"/>
+                <a:ext cx="48" cy="48"/>
+              </a:xfrm>
+              <a:prstGeom prst="ellipse">
+                <a:avLst/>
+              </a:prstGeom>
+              <a:solidFill>
+                <a:schemeClr val="bg1"/>
+              </a:solidFill>
+              <a:ln w="9525">
+                <a:noFill/>
+                <a:round/>
+                <a:headEnd/>
+                <a:tailEnd/>
+              </a:ln>
+            </p:spPr>
+            <p:txBody>
+              <a:bodyPr wrap="none" anchor="ctr"/>
+              <a:lstStyle/>
+              <a:p>
+                <a:endParaRPr lang="zh-CN" altLang="en-US">
+                  <a:ea typeface="宋体" pitchFamily="2" charset="-122"/>
+                </a:endParaRPr>
+              </a:p>
+            </p:txBody>
+          </p:sp>
+          <p:sp>
+            <p:nvSpPr>
+              <p:cNvPr id="8217" name="Oval 26"/>
+              <p:cNvSpPr>
+                <a:spLocks noChangeArrowheads="1"/>
+              </p:cNvSpPr>
+              <p:nvPr/>
+            </p:nvSpPr>
+            <p:spPr bwMode="auto">
+              <a:xfrm>
+                <a:off x="96" y="96"/>
+                <a:ext cx="48" cy="48"/>
+              </a:xfrm>
+              <a:prstGeom prst="ellipse">
+                <a:avLst/>
+              </a:prstGeom>
+              <a:solidFill>
+                <a:schemeClr val="bg1"/>
+              </a:solidFill>
+              <a:ln w="9525">
+                <a:noFill/>
+                <a:round/>
+                <a:headEnd/>
+                <a:tailEnd/>
+              </a:ln>
+            </p:spPr>
+            <p:txBody>
+              <a:bodyPr wrap="none" anchor="ctr"/>
+              <a:lstStyle/>
+              <a:p>
+                <a:endParaRPr lang="zh-CN" altLang="en-US">
+                  <a:ea typeface="宋体" pitchFamily="2" charset="-122"/>
+                </a:endParaRPr>
+              </a:p>
+            </p:txBody>
+          </p:sp>
+          <p:sp>
+            <p:nvSpPr>
+              <p:cNvPr id="8218" name="Oval 27"/>
+              <p:cNvSpPr>
+                <a:spLocks noChangeArrowheads="1"/>
+              </p:cNvSpPr>
+              <p:nvPr/>
+            </p:nvSpPr>
+            <p:spPr bwMode="auto">
+              <a:xfrm>
+                <a:off x="48" y="144"/>
+                <a:ext cx="48" cy="48"/>
+              </a:xfrm>
+              <a:prstGeom prst="ellipse">
+                <a:avLst/>
+              </a:prstGeom>
+              <a:solidFill>
+                <a:schemeClr val="bg1"/>
+              </a:solidFill>
+              <a:ln w="9525">
+                <a:noFill/>
+                <a:round/>
+                <a:headEnd/>
+                <a:tailEnd/>
+              </a:ln>
+            </p:spPr>
+            <p:txBody>
+              <a:bodyPr wrap="none" anchor="ctr"/>
+              <a:lstStyle/>
+              <a:p>
+                <a:endParaRPr lang="zh-CN" altLang="en-US">
+                  <a:ea typeface="宋体" pitchFamily="2" charset="-122"/>
+                </a:endParaRPr>
+              </a:p>
+            </p:txBody>
+          </p:sp>
+          <p:sp>
+            <p:nvSpPr>
+              <p:cNvPr id="8219" name="Oval 28"/>
+              <p:cNvSpPr>
+                <a:spLocks noChangeArrowheads="1"/>
+              </p:cNvSpPr>
+              <p:nvPr/>
+            </p:nvSpPr>
+            <p:spPr bwMode="auto">
+              <a:xfrm>
+                <a:off x="0" y="192"/>
+                <a:ext cx="48" cy="48"/>
+              </a:xfrm>
+              <a:prstGeom prst="ellipse">
+                <a:avLst/>
+              </a:prstGeom>
+              <a:solidFill>
+                <a:schemeClr val="bg1"/>
+              </a:solidFill>
+              <a:ln w="9525">
+                <a:noFill/>
+                <a:round/>
+                <a:headEnd/>
+                <a:tailEnd/>
+              </a:ln>
+            </p:spPr>
+            <p:txBody>
+              <a:bodyPr wrap="none" anchor="ctr"/>
+              <a:lstStyle/>
+              <a:p>
+                <a:endParaRPr lang="zh-CN" altLang="en-US">
+                  <a:ea typeface="宋体" pitchFamily="2" charset="-122"/>
+                </a:endParaRPr>
+              </a:p>
+            </p:txBody>
+          </p:sp>
+        </p:grpSp>
+      </p:grpSp>
+      <p:grpSp>
+        <p:nvGrpSpPr>
+          <p:cNvPr id="5" name="Group 29"/>
+          <p:cNvGrpSpPr>
+            <a:grpSpLocks/>
+          </p:cNvGrpSpPr>
+          <p:nvPr/>
+        </p:nvGrpSpPr>
+        <p:grpSpPr bwMode="auto">
+          <a:xfrm>
+            <a:off x="5715000" y="3810000"/>
+            <a:ext cx="504825" cy="496888"/>
+            <a:chOff x="0" y="0"/>
+            <a:chExt cx="240" cy="240"/>
+          </a:xfrm>
+        </p:grpSpPr>
+        <p:grpSp>
+          <p:nvGrpSpPr>
+            <p:cNvPr id="6" name="Group 30"/>
+            <p:cNvGrpSpPr>
+              <a:grpSpLocks/>
+            </p:cNvGrpSpPr>
+            <p:nvPr/>
+          </p:nvGrpSpPr>
+          <p:grpSpPr bwMode="auto">
+            <a:xfrm>
+              <a:off x="96" y="0"/>
+              <a:ext cx="144" cy="240"/>
+              <a:chOff x="0" y="0"/>
+              <a:chExt cx="144" cy="240"/>
+            </a:xfrm>
+          </p:grpSpPr>
+          <p:sp>
+            <p:nvSpPr>
+              <p:cNvPr id="8208" name="Oval 31"/>
+              <p:cNvSpPr>
+                <a:spLocks noChangeArrowheads="1"/>
+              </p:cNvSpPr>
+              <p:nvPr/>
+            </p:nvSpPr>
+            <p:spPr bwMode="auto">
+              <a:xfrm>
+                <a:off x="0" y="0"/>
+                <a:ext cx="48" cy="48"/>
+              </a:xfrm>
+              <a:prstGeom prst="ellipse">
+                <a:avLst/>
+              </a:prstGeom>
+              <a:solidFill>
+                <a:schemeClr val="bg1"/>
+              </a:solidFill>
+              <a:ln w="9525">
+                <a:noFill/>
+                <a:round/>
+                <a:headEnd/>
+                <a:tailEnd/>
+              </a:ln>
+            </p:spPr>
+            <p:txBody>
+              <a:bodyPr wrap="none" anchor="ctr"/>
+              <a:lstStyle/>
+              <a:p>
+                <a:endParaRPr lang="zh-CN" altLang="en-US">
+                  <a:ea typeface="宋体" pitchFamily="2" charset="-122"/>
+                </a:endParaRPr>
+              </a:p>
+            </p:txBody>
+          </p:sp>
+          <p:sp>
+            <p:nvSpPr>
+              <p:cNvPr id="8209" name="Oval 32"/>
+              <p:cNvSpPr>
+                <a:spLocks noChangeArrowheads="1"/>
+              </p:cNvSpPr>
+              <p:nvPr/>
+            </p:nvSpPr>
+            <p:spPr bwMode="auto">
+              <a:xfrm>
+                <a:off x="48" y="48"/>
+                <a:ext cx="48" cy="48"/>
+              </a:xfrm>
+              <a:prstGeom prst="ellipse">
+                <a:avLst/>
+              </a:prstGeom>
+              <a:solidFill>
+                <a:schemeClr val="bg1"/>
+              </a:solidFill>
+              <a:ln w="9525">
+                <a:noFill/>
+                <a:round/>
+                <a:headEnd/>
+                <a:tailEnd/>
+              </a:ln>
+            </p:spPr>
+            <p:txBody>
+              <a:bodyPr wrap="none" anchor="ctr"/>
+              <a:lstStyle/>
+              <a:p>
+                <a:endParaRPr lang="zh-CN" altLang="en-US">
+                  <a:ea typeface="宋体" pitchFamily="2" charset="-122"/>
+                </a:endParaRPr>
+              </a:p>
+            </p:txBody>
+          </p:sp>
+          <p:sp>
+            <p:nvSpPr>
+              <p:cNvPr id="8210" name="Oval 33"/>
+              <p:cNvSpPr>
+                <a:spLocks noChangeArrowheads="1"/>
+              </p:cNvSpPr>
+              <p:nvPr/>
+            </p:nvSpPr>
+            <p:spPr bwMode="auto">
+              <a:xfrm>
+                <a:off x="96" y="96"/>
+                <a:ext cx="48" cy="48"/>
+              </a:xfrm>
+              <a:prstGeom prst="ellipse">
+                <a:avLst/>
+              </a:prstGeom>
+              <a:solidFill>
+                <a:schemeClr val="bg1"/>
+              </a:solidFill>
+              <a:ln w="9525">
+                <a:noFill/>
+                <a:round/>
+                <a:headEnd/>
+                <a:tailEnd/>
+              </a:ln>
+            </p:spPr>
+            <p:txBody>
+              <a:bodyPr wrap="none" anchor="ctr"/>
+              <a:lstStyle/>
+              <a:p>
+                <a:endParaRPr lang="zh-CN" altLang="en-US">
+                  <a:ea typeface="宋体" pitchFamily="2" charset="-122"/>
+                </a:endParaRPr>
+              </a:p>
+            </p:txBody>
+          </p:sp>
+          <p:sp>
+            <p:nvSpPr>
+              <p:cNvPr id="8211" name="Oval 34"/>
+              <p:cNvSpPr>
+                <a:spLocks noChangeArrowheads="1"/>
+              </p:cNvSpPr>
+              <p:nvPr/>
+            </p:nvSpPr>
+            <p:spPr bwMode="auto">
+              <a:xfrm>
+                <a:off x="48" y="144"/>
+                <a:ext cx="48" cy="48"/>
+              </a:xfrm>
+              <a:prstGeom prst="ellipse">
+                <a:avLst/>
+              </a:prstGeom>
+              <a:solidFill>
+                <a:schemeClr val="bg1"/>
+              </a:solidFill>
+              <a:ln w="9525">
+                <a:noFill/>
+                <a:round/>
+                <a:headEnd/>
+                <a:tailEnd/>
+              </a:ln>
+            </p:spPr>
+            <p:txBody>
+              <a:bodyPr wrap="none" anchor="ctr"/>
+              <a:lstStyle/>
+              <a:p>
+                <a:endParaRPr lang="zh-CN" altLang="en-US">
+                  <a:ea typeface="宋体" pitchFamily="2" charset="-122"/>
+                </a:endParaRPr>
+              </a:p>
+            </p:txBody>
+          </p:sp>
+          <p:sp>
+            <p:nvSpPr>
+              <p:cNvPr id="8212" name="Oval 35"/>
+              <p:cNvSpPr>
+                <a:spLocks noChangeArrowheads="1"/>
+              </p:cNvSpPr>
+              <p:nvPr/>
+            </p:nvSpPr>
+            <p:spPr bwMode="auto">
+              <a:xfrm>
+                <a:off x="0" y="192"/>
+                <a:ext cx="48" cy="48"/>
+              </a:xfrm>
+              <a:prstGeom prst="ellipse">
+                <a:avLst/>
+              </a:prstGeom>
+              <a:solidFill>
+                <a:schemeClr val="bg1"/>
+              </a:solidFill>
+              <a:ln w="9525">
+                <a:noFill/>
+                <a:round/>
+                <a:headEnd/>
+                <a:tailEnd/>
+              </a:ln>
+            </p:spPr>
+            <p:txBody>
+              <a:bodyPr wrap="none" anchor="ctr"/>
+              <a:lstStyle/>
+              <a:p>
+                <a:endParaRPr lang="zh-CN" altLang="en-US">
+                  <a:ea typeface="宋体" pitchFamily="2" charset="-122"/>
+                </a:endParaRPr>
+              </a:p>
+            </p:txBody>
+          </p:sp>
+        </p:grpSp>
+        <p:grpSp>
+          <p:nvGrpSpPr>
+            <p:cNvPr id="7" name="Group 36"/>
+            <p:cNvGrpSpPr>
+              <a:grpSpLocks/>
+            </p:cNvGrpSpPr>
+            <p:nvPr/>
+          </p:nvGrpSpPr>
+          <p:grpSpPr bwMode="auto">
+            <a:xfrm>
+              <a:off x="0" y="0"/>
+              <a:ext cx="144" cy="240"/>
+              <a:chOff x="0" y="0"/>
+              <a:chExt cx="144" cy="240"/>
+            </a:xfrm>
+          </p:grpSpPr>
+          <p:sp>
+            <p:nvSpPr>
+              <p:cNvPr id="8203" name="Oval 37"/>
+              <p:cNvSpPr>
+                <a:spLocks noChangeArrowheads="1"/>
+              </p:cNvSpPr>
+              <p:nvPr/>
+            </p:nvSpPr>
+            <p:spPr bwMode="auto">
+              <a:xfrm>
+                <a:off x="0" y="0"/>
+                <a:ext cx="48" cy="48"/>
+              </a:xfrm>
+              <a:prstGeom prst="ellipse">
+                <a:avLst/>
+              </a:prstGeom>
+              <a:solidFill>
+                <a:schemeClr val="bg1"/>
+              </a:solidFill>
+              <a:ln w="9525">
+                <a:noFill/>
+                <a:round/>
+                <a:headEnd/>
+                <a:tailEnd/>
+              </a:ln>
+            </p:spPr>
+            <p:txBody>
+              <a:bodyPr wrap="none" anchor="ctr"/>
+              <a:lstStyle/>
+              <a:p>
+                <a:endParaRPr lang="zh-CN" altLang="en-US">
+                  <a:ea typeface="宋体" pitchFamily="2" charset="-122"/>
+                </a:endParaRPr>
+              </a:p>
+            </p:txBody>
+          </p:sp>
+          <p:sp>
+            <p:nvSpPr>
+              <p:cNvPr id="8204" name="Oval 38"/>
+              <p:cNvSpPr>
+                <a:spLocks noChangeArrowheads="1"/>
+              </p:cNvSpPr>
+              <p:nvPr/>
+            </p:nvSpPr>
+            <p:spPr bwMode="auto">
+              <a:xfrm>
+                <a:off x="48" y="48"/>
+                <a:ext cx="48" cy="48"/>
+              </a:xfrm>
+              <a:prstGeom prst="ellipse">
+                <a:avLst/>
+              </a:prstGeom>
+              <a:solidFill>
+                <a:schemeClr val="bg1"/>
+              </a:solidFill>
+              <a:ln w="9525">
+                <a:noFill/>
+                <a:round/>
+                <a:headEnd/>
+                <a:tailEnd/>
+              </a:ln>
+            </p:spPr>
+            <p:txBody>
+              <a:bodyPr wrap="none" anchor="ctr"/>
+              <a:lstStyle/>
+              <a:p>
+                <a:endParaRPr lang="zh-CN" altLang="en-US">
+                  <a:ea typeface="宋体" pitchFamily="2" charset="-122"/>
+                </a:endParaRPr>
+              </a:p>
+            </p:txBody>
+          </p:sp>
+          <p:sp>
+            <p:nvSpPr>
+              <p:cNvPr id="8205" name="Oval 39"/>
+              <p:cNvSpPr>
+                <a:spLocks noChangeArrowheads="1"/>
+              </p:cNvSpPr>
+              <p:nvPr/>
+            </p:nvSpPr>
+            <p:spPr bwMode="auto">
+              <a:xfrm>
+                <a:off x="96" y="96"/>
+                <a:ext cx="48" cy="48"/>
+              </a:xfrm>
+              <a:prstGeom prst="ellipse">
+                <a:avLst/>
+              </a:prstGeom>
+              <a:solidFill>
+                <a:schemeClr val="bg1"/>
+              </a:solidFill>
+              <a:ln w="9525">
+                <a:noFill/>
+                <a:round/>
+                <a:headEnd/>
+                <a:tailEnd/>
+              </a:ln>
+            </p:spPr>
+            <p:txBody>
+              <a:bodyPr wrap="none" anchor="ctr"/>
+              <a:lstStyle/>
+              <a:p>
+                <a:endParaRPr lang="zh-CN" altLang="en-US">
+                  <a:ea typeface="宋体" pitchFamily="2" charset="-122"/>
+                </a:endParaRPr>
+              </a:p>
+            </p:txBody>
+          </p:sp>
+          <p:sp>
+            <p:nvSpPr>
+              <p:cNvPr id="8206" name="Oval 40"/>
+              <p:cNvSpPr>
+                <a:spLocks noChangeArrowheads="1"/>
+              </p:cNvSpPr>
+              <p:nvPr/>
+            </p:nvSpPr>
+            <p:spPr bwMode="auto">
+              <a:xfrm>
+                <a:off x="48" y="144"/>
+                <a:ext cx="48" cy="48"/>
+              </a:xfrm>
+              <a:prstGeom prst="ellipse">
+                <a:avLst/>
+              </a:prstGeom>
+              <a:solidFill>
+                <a:schemeClr val="bg1"/>
+              </a:solidFill>
+              <a:ln w="9525">
+                <a:noFill/>
+                <a:round/>
+                <a:headEnd/>
+                <a:tailEnd/>
+              </a:ln>
+            </p:spPr>
+            <p:txBody>
+              <a:bodyPr wrap="none" anchor="ctr"/>
+              <a:lstStyle/>
+              <a:p>
+                <a:endParaRPr lang="zh-CN" altLang="en-US">
+                  <a:ea typeface="宋体" pitchFamily="2" charset="-122"/>
+                </a:endParaRPr>
+              </a:p>
+            </p:txBody>
+          </p:sp>
+          <p:sp>
+            <p:nvSpPr>
+              <p:cNvPr id="8207" name="Oval 41"/>
+              <p:cNvSpPr>
+                <a:spLocks noChangeArrowheads="1"/>
+              </p:cNvSpPr>
+              <p:nvPr/>
+            </p:nvSpPr>
+            <p:spPr bwMode="auto">
+              <a:xfrm>
+                <a:off x="0" y="192"/>
+                <a:ext cx="48" cy="48"/>
+              </a:xfrm>
+              <a:prstGeom prst="ellipse">
+                <a:avLst/>
+              </a:prstGeom>
+              <a:solidFill>
+                <a:schemeClr val="bg1"/>
+              </a:solidFill>
+              <a:ln w="9525">
+                <a:noFill/>
+                <a:round/>
+                <a:headEnd/>
+                <a:tailEnd/>
+              </a:ln>
+            </p:spPr>
+            <p:txBody>
+              <a:bodyPr wrap="none" anchor="ctr"/>
+              <a:lstStyle/>
+              <a:p>
+                <a:endParaRPr lang="zh-CN" altLang="en-US">
+                  <a:ea typeface="宋体" pitchFamily="2" charset="-122"/>
+                </a:endParaRPr>
+              </a:p>
+            </p:txBody>
+          </p:sp>
+        </p:grpSp>
+      </p:grpSp>
+      <p:sp>
+        <p:nvSpPr>
+          <p:cNvPr id="8200" name="Text Box 42"/>
+          <p:cNvSpPr txBox="1">
+            <a:spLocks noChangeArrowheads="1"/>
+          </p:cNvSpPr>
+          <p:nvPr/>
+        </p:nvSpPr>
+        <p:spPr bwMode="auto">
+          <a:xfrm>
+            <a:off x="990600" y="1600200"/>
+            <a:ext cx="7162800" cy="4278094"/>
+          </a:xfrm>
+          <a:prstGeom prst="rect">
+            <a:avLst/>
+          </a:prstGeom>
+          <a:noFill/>
+          <a:ln w="9525">
+            <a:noFill/>
+            <a:miter lim="800000"/>
+            <a:headEnd/>
+            <a:tailEnd/>
+          </a:ln>
+        </p:spPr>
+        <p:txBody>
+          <a:bodyPr>
+            <a:spAutoFit/>
+          </a:bodyPr>
+          <a:lstStyle/>
+          <a:p>
+            <a:r>
+              <a:rPr lang="zh-CN" altLang="en-US" sz="4000" b="1" dirty="0" smtClean="0">
+                <a:ea typeface="宋体" pitchFamily="2" charset="-122"/>
+              </a:rPr>
+              <a:t>需</a:t>
+            </a:r>
+            <a:r>
+              <a:rPr lang="zh-CN" altLang="en-US" sz="4000" b="1" dirty="0" smtClean="0">
+                <a:ea typeface="宋体" pitchFamily="2" charset="-122"/>
+              </a:rPr>
+              <a:t>要解决的问题</a:t>
+            </a:r>
+            <a:endParaRPr lang="en-US" altLang="zh-CN" sz="4000" b="1" dirty="0" smtClean="0">
+              <a:ea typeface="宋体" pitchFamily="2" charset="-122"/>
+            </a:endParaRPr>
+          </a:p>
+          <a:p>
+            <a:pPr>
+              <a:buFont typeface="Wingdings" pitchFamily="2" charset="2"/>
+              <a:buChar char="l"/>
+            </a:pPr>
+            <a:r>
+              <a:rPr lang="zh-CN" altLang="en-US" dirty="0" smtClean="0">
+                <a:ea typeface="宋体" pitchFamily="2" charset="-122"/>
+              </a:rPr>
+              <a:t>前后端分离模式下与后台服务的会话问题</a:t>
+            </a:r>
+            <a:endParaRPr lang="en-US" altLang="zh-CN" dirty="0" smtClean="0">
+              <a:ea typeface="宋体" pitchFamily="2" charset="-122"/>
+            </a:endParaRPr>
+          </a:p>
+          <a:p>
+            <a:pPr>
+              <a:buFont typeface="Wingdings" pitchFamily="2" charset="2"/>
+              <a:buChar char="l"/>
+            </a:pPr>
+            <a:r>
+              <a:rPr lang="zh-CN" altLang="en-US" dirty="0" smtClean="0">
+                <a:ea typeface="宋体" pitchFamily="2" charset="-122"/>
+              </a:rPr>
+              <a:t>前后端分离模式下如何处理功能权限</a:t>
+            </a:r>
+            <a:endParaRPr lang="en-US" altLang="zh-CN" dirty="0" smtClean="0">
+              <a:ea typeface="宋体" pitchFamily="2" charset="-122"/>
+            </a:endParaRPr>
+          </a:p>
+          <a:p>
+            <a:pPr>
+              <a:buFont typeface="Wingdings" pitchFamily="2" charset="2"/>
+              <a:buChar char="l"/>
+            </a:pPr>
+            <a:r>
+              <a:rPr lang="zh-CN" altLang="en-US" dirty="0" smtClean="0">
+                <a:ea typeface="宋体" pitchFamily="2" charset="-122"/>
+              </a:rPr>
+              <a:t>选择一个合适的前端框架（市面流行程度、学习成本、开发效率）</a:t>
+            </a:r>
+            <a:endParaRPr lang="en-US" altLang="zh-CN" dirty="0" smtClean="0">
+              <a:ea typeface="宋体" pitchFamily="2" charset="-122"/>
+            </a:endParaRPr>
+          </a:p>
+          <a:p>
+            <a:pPr>
+              <a:buFont typeface="Wingdings" pitchFamily="2" charset="2"/>
+              <a:buChar char="l"/>
+            </a:pPr>
+            <a:r>
+              <a:rPr lang="zh-CN" altLang="en-US" dirty="0" smtClean="0">
+                <a:ea typeface="宋体" pitchFamily="2" charset="-122"/>
+              </a:rPr>
+              <a:t>考虑安全</a:t>
+            </a:r>
+            <a:r>
+              <a:rPr lang="zh-CN" altLang="en-US" dirty="0" smtClean="0">
+                <a:ea typeface="宋体" pitchFamily="2" charset="-122"/>
+              </a:rPr>
+              <a:t>性</a:t>
+            </a:r>
+            <a:endParaRPr lang="en-US" altLang="zh-CN" dirty="0" smtClean="0">
+              <a:ea typeface="宋体" pitchFamily="2" charset="-122"/>
+            </a:endParaRPr>
+          </a:p>
+          <a:p>
+            <a:pPr>
+              <a:buFont typeface="Wingdings" pitchFamily="2" charset="2"/>
+              <a:buChar char="l"/>
+            </a:pPr>
+            <a:r>
+              <a:rPr lang="zh-CN" altLang="en-US" dirty="0" smtClean="0">
+                <a:ea typeface="宋体" pitchFamily="2" charset="-122"/>
+              </a:rPr>
+              <a:t>考虑性能</a:t>
+            </a:r>
+            <a:endParaRPr lang="en-US" altLang="zh-CN" dirty="0" smtClean="0">
+              <a:ea typeface="宋体" pitchFamily="2" charset="-122"/>
+            </a:endParaRPr>
+          </a:p>
+          <a:p>
+            <a:endParaRPr lang="en-US" altLang="zh-CN" sz="1400" dirty="0" smtClean="0">
+              <a:ea typeface="宋体" pitchFamily="2" charset="-122"/>
+            </a:endParaRPr>
+          </a:p>
+          <a:p>
+            <a:endParaRPr lang="en-US" altLang="zh-CN" sz="1400" dirty="0" smtClean="0">
+              <a:ea typeface="宋体" pitchFamily="2" charset="-122"/>
+            </a:endParaRPr>
+          </a:p>
+          <a:p>
+            <a:endParaRPr lang="en-US" altLang="zh-CN" sz="1400" dirty="0" smtClean="0">
+              <a:ea typeface="宋体" pitchFamily="2" charset="-122"/>
+            </a:endParaRPr>
+          </a:p>
+          <a:p>
+            <a:r>
+              <a:rPr lang="zh-CN" altLang="en-US" sz="4000" b="1" dirty="0" smtClean="0">
+                <a:ea typeface="宋体" pitchFamily="2" charset="-122"/>
+              </a:rPr>
+              <a:t>后期</a:t>
+            </a:r>
+            <a:endParaRPr lang="en-US" altLang="zh-CN" sz="4000" b="1" dirty="0">
+              <a:ea typeface="宋体" pitchFamily="2" charset="-122"/>
+            </a:endParaRPr>
+          </a:p>
+          <a:p>
+            <a:pPr>
+              <a:buFont typeface="Wingdings" pitchFamily="2" charset="2"/>
+              <a:buChar char="l"/>
+            </a:pPr>
+            <a:r>
+              <a:rPr lang="zh-CN" altLang="en-US" dirty="0" smtClean="0">
+                <a:ea typeface="宋体" pitchFamily="2" charset="-122"/>
+              </a:rPr>
+              <a:t>无</a:t>
+            </a:r>
+            <a:endParaRPr lang="en-US" altLang="zh-CN" dirty="0" smtClean="0">
+              <a:ea typeface="宋体" pitchFamily="2" charset="-122"/>
+            </a:endParaRPr>
+          </a:p>
+          <a:p>
+            <a:endParaRPr lang="en-US" altLang="zh-CN" sz="1400" b="1" dirty="0">
+              <a:ea typeface="宋体" pitchFamily="2" charset="-122"/>
+            </a:endParaRPr>
+          </a:p>
+          <a:p>
+            <a:r>
+              <a:rPr lang="en-US" altLang="zh-CN" sz="1400" dirty="0">
+                <a:ea typeface="宋体" pitchFamily="2" charset="-122"/>
+              </a:rPr>
+              <a:t/>
+            </a:r>
+            <a:br>
+              <a:rPr lang="en-US" altLang="zh-CN" sz="1400" dirty="0">
+                <a:ea typeface="宋体" pitchFamily="2" charset="-122"/>
+              </a:rPr>
+            </a:br>
+            <a:endParaRPr lang="en-US" altLang="zh-CN" sz="1400" dirty="0">
+              <a:solidFill>
+                <a:srgbClr val="000000"/>
+              </a:solidFill>
+              <a:ea typeface="宋体" pitchFamily="2" charset="-122"/>
+            </a:endParaRPr>
+          </a:p>
+        </p:txBody>
+      </p:sp>
+    </p:spTree>
+  </p:cSld>
+  <p:clrMapOvr>
+    <a:masterClrMapping/>
+  </p:clrMapOvr>
+  <p:timing>
+    <p:tnLst>
+      <p:par>
+        <p:cTn id="1" dur="indefinite" restart="never" nodeType="tmRoot"/>
+      </p:par>
+    </p:tnLst>
+  </p:timing>
+</p:sld>
+</file>
+
+<file path=ppt/slides/slide17.xml><?xml version="1.0" encoding="utf-8"?>
+<p:sld xmlns:a="http://schemas.openxmlformats.org/drawingml/2006/main" xmlns:r="http://schemas.openxmlformats.org/officeDocument/2006/relationships" xmlns:p="http://schemas.openxmlformats.org/presentationml/2006/main">
+  <p:cSld>
+    <p:spTree>
+      <p:nvGrpSpPr>
+        <p:cNvPr id="1" name=""/>
+        <p:cNvGrpSpPr/>
+        <p:nvPr/>
+      </p:nvGrpSpPr>
+      <p:grpSpPr>
+        <a:xfrm>
+          <a:off x="0" y="0"/>
+          <a:ext cx="0" cy="0"/>
+          <a:chOff x="0" y="0"/>
+          <a:chExt cx="0" cy="0"/>
+        </a:xfrm>
+      </p:grpSpPr>
+      <p:sp>
+        <p:nvSpPr>
+          <p:cNvPr id="6146" name="Rectangle 2"/>
+          <p:cNvSpPr>
+            <a:spLocks noGrp="1" noChangeArrowheads="1"/>
+          </p:cNvSpPr>
+          <p:nvPr>
+            <p:ph type="title"/>
+          </p:nvPr>
+        </p:nvSpPr>
+        <p:spPr/>
+        <p:txBody>
+          <a:bodyPr/>
+          <a:lstStyle/>
+          <a:p>
+            <a:pPr eaLnBrk="1" hangingPunct="1"/>
+            <a:r>
+              <a:rPr lang="zh-CN" altLang="en-US" dirty="0" smtClean="0">
+                <a:ea typeface="宋体" pitchFamily="2" charset="-122"/>
+              </a:rPr>
+              <a:t>智慧社区</a:t>
+            </a:r>
+            <a:r>
+              <a:rPr lang="en-US" altLang="zh-CN" dirty="0" smtClean="0">
+                <a:ea typeface="宋体" pitchFamily="2" charset="-122"/>
+              </a:rPr>
+              <a:t>-</a:t>
+            </a:r>
+            <a:r>
+              <a:rPr lang="zh-CN" altLang="en-US" dirty="0" smtClean="0">
+                <a:ea typeface="宋体" pitchFamily="2" charset="-122"/>
+              </a:rPr>
+              <a:t>组织架构</a:t>
+            </a:r>
+          </a:p>
+        </p:txBody>
+      </p:sp>
+      <p:pic>
+        <p:nvPicPr>
+          <p:cNvPr id="17" name="图片 16" descr="组织架构.png"/>
+          <p:cNvPicPr>
+            <a:picLocks noChangeAspect="1"/>
+          </p:cNvPicPr>
+          <p:nvPr/>
+        </p:nvPicPr>
+        <p:blipFill>
+          <a:blip r:embed="rId2" cstate="print"/>
+          <a:stretch>
+            <a:fillRect/>
+          </a:stretch>
+        </p:blipFill>
+        <p:spPr>
+          <a:xfrm>
+            <a:off x="0" y="1143060"/>
+            <a:ext cx="9144000" cy="5714940"/>
           </a:xfrm>
           <a:prstGeom prst="rect">
             <a:avLst/>
           </a:prstGeom>
         </p:spPr>
+      </p:pic>
+    </p:spTree>
+  </p:cSld>
+  <p:clrMapOvr>
+    <a:masterClrMapping/>
+  </p:clrMapOvr>
+  <p:timing>
+    <p:tnLst>
+      <p:par>
+        <p:cTn id="1" dur="indefinite" restart="never" nodeType="tmRoot"/>
+      </p:par>
+    </p:tnLst>
+  </p:timing>
+</p:sld>
+</file>
+
+<file path=ppt/slides/slide18.xml><?xml version="1.0" encoding="utf-8"?>
+<p:sld xmlns:a="http://schemas.openxmlformats.org/drawingml/2006/main" xmlns:r="http://schemas.openxmlformats.org/officeDocument/2006/relationships" xmlns:p="http://schemas.openxmlformats.org/presentationml/2006/main">
+  <p:cSld>
+    <p:spTree>
+      <p:nvGrpSpPr>
+        <p:cNvPr id="1" name=""/>
+        <p:cNvGrpSpPr/>
+        <p:nvPr/>
+      </p:nvGrpSpPr>
+      <p:grpSpPr>
+        <a:xfrm>
+          <a:off x="0" y="0"/>
+          <a:ext cx="0" cy="0"/>
+          <a:chOff x="0" y="0"/>
+          <a:chExt cx="0" cy="0"/>
+        </a:xfrm>
+      </p:grpSpPr>
+      <p:sp>
+        <p:nvSpPr>
+          <p:cNvPr id="6146" name="Rectangle 2"/>
+          <p:cNvSpPr>
+            <a:spLocks noGrp="1" noChangeArrowheads="1"/>
+          </p:cNvSpPr>
+          <p:nvPr>
+            <p:ph type="title"/>
+          </p:nvPr>
+        </p:nvSpPr>
+        <p:spPr/>
         <p:txBody>
-          <a:bodyPr wrap="none" fromWordArt="1">
-            <a:prstTxWarp prst="textDeflate">
-              <a:avLst>
-                <a:gd name="adj" fmla="val 0"/>
-              </a:avLst>
-            </a:prstTxWarp>
+          <a:bodyPr/>
+          <a:lstStyle/>
+          <a:p>
+            <a:pPr eaLnBrk="1" hangingPunct="1"/>
+            <a:r>
+              <a:rPr lang="zh-CN" altLang="en-US" dirty="0" smtClean="0">
+                <a:ea typeface="宋体" pitchFamily="2" charset="-122"/>
+              </a:rPr>
+              <a:t>智慧社区</a:t>
+            </a:r>
+            <a:r>
+              <a:rPr lang="en-US" altLang="zh-CN" dirty="0" smtClean="0">
+                <a:ea typeface="宋体" pitchFamily="2" charset="-122"/>
+              </a:rPr>
+              <a:t>-</a:t>
+            </a:r>
+            <a:r>
+              <a:rPr lang="zh-CN" altLang="en-US" dirty="0" smtClean="0">
+                <a:ea typeface="宋体" pitchFamily="2" charset="-122"/>
+              </a:rPr>
+              <a:t>组织架构实现图</a:t>
+            </a:r>
+          </a:p>
+        </p:txBody>
+      </p:sp>
+      <p:pic>
+        <p:nvPicPr>
+          <p:cNvPr id="4" name="图片 3" descr="组织架构图.png"/>
+          <p:cNvPicPr>
+            <a:picLocks noChangeAspect="1"/>
+          </p:cNvPicPr>
+          <p:nvPr/>
+        </p:nvPicPr>
+        <p:blipFill>
+          <a:blip r:embed="rId2" cstate="print"/>
+          <a:stretch>
+            <a:fillRect/>
+          </a:stretch>
+        </p:blipFill>
+        <p:spPr>
+          <a:xfrm>
+            <a:off x="0" y="1146792"/>
+            <a:ext cx="9144000" cy="5711208"/>
+          </a:xfrm>
+          <a:prstGeom prst="rect">
+            <a:avLst/>
+          </a:prstGeom>
+        </p:spPr>
+      </p:pic>
+    </p:spTree>
+  </p:cSld>
+  <p:clrMapOvr>
+    <a:masterClrMapping/>
+  </p:clrMapOvr>
+  <p:timing>
+    <p:tnLst>
+      <p:par>
+        <p:cTn id="1" dur="indefinite" restart="never" nodeType="tmRoot"/>
+      </p:par>
+    </p:tnLst>
+  </p:timing>
+</p:sld>
+</file>
+
+<file path=ppt/slides/slide19.xml><?xml version="1.0" encoding="utf-8"?>
+<p:sld xmlns:a="http://schemas.openxmlformats.org/drawingml/2006/main" xmlns:r="http://schemas.openxmlformats.org/officeDocument/2006/relationships" xmlns:p="http://schemas.openxmlformats.org/presentationml/2006/main">
+  <p:cSld>
+    <p:spTree>
+      <p:nvGrpSpPr>
+        <p:cNvPr id="1" name=""/>
+        <p:cNvGrpSpPr/>
+        <p:nvPr/>
+      </p:nvGrpSpPr>
+      <p:grpSpPr>
+        <a:xfrm>
+          <a:off x="0" y="0"/>
+          <a:ext cx="0" cy="0"/>
+          <a:chOff x="0" y="0"/>
+          <a:chExt cx="0" cy="0"/>
+        </a:xfrm>
+      </p:grpSpPr>
+      <p:sp>
+        <p:nvSpPr>
+          <p:cNvPr id="8194" name="Rectangle 2"/>
+          <p:cNvSpPr>
+            <a:spLocks noGrp="1" noChangeArrowheads="1"/>
+          </p:cNvSpPr>
+          <p:nvPr>
+            <p:ph type="title"/>
+          </p:nvPr>
+        </p:nvSpPr>
+        <p:spPr/>
+        <p:txBody>
+          <a:bodyPr/>
+          <a:lstStyle/>
+          <a:p>
+            <a:pPr eaLnBrk="1" hangingPunct="1"/>
+            <a:r>
+              <a:rPr lang="zh-CN" altLang="en-US" sz="3600" dirty="0" smtClean="0">
+                <a:ea typeface="宋体" pitchFamily="2" charset="-122"/>
+              </a:rPr>
+              <a:t>智慧社区</a:t>
+            </a:r>
+            <a:r>
+              <a:rPr lang="en-US" altLang="zh-CN" sz="3600" dirty="0" smtClean="0">
+                <a:ea typeface="宋体" pitchFamily="2" charset="-122"/>
+              </a:rPr>
+              <a:t>-</a:t>
+            </a:r>
+            <a:r>
+              <a:rPr lang="zh-CN" altLang="en-US" sz="3600" dirty="0" smtClean="0">
+                <a:ea typeface="宋体" pitchFamily="2" charset="-122"/>
+              </a:rPr>
+              <a:t>组织架构实现</a:t>
+            </a:r>
+            <a:endParaRPr lang="en-US" altLang="zh-CN" sz="2000" dirty="0" smtClean="0">
+              <a:ea typeface="宋体" pitchFamily="2" charset="-122"/>
+            </a:endParaRPr>
+          </a:p>
+        </p:txBody>
+      </p:sp>
+      <p:sp>
+        <p:nvSpPr>
+          <p:cNvPr id="8195" name="Text Box 13"/>
+          <p:cNvSpPr txBox="1">
+            <a:spLocks noChangeArrowheads="1"/>
+          </p:cNvSpPr>
+          <p:nvPr/>
+        </p:nvSpPr>
+        <p:spPr bwMode="auto">
+          <a:xfrm>
+            <a:off x="914400" y="2943225"/>
+            <a:ext cx="1752600" cy="942975"/>
+          </a:xfrm>
+          <a:prstGeom prst="rect">
+            <a:avLst/>
+          </a:prstGeom>
+          <a:noFill/>
+          <a:ln w="9525">
+            <a:noFill/>
+            <a:miter lim="800000"/>
+            <a:headEnd/>
+            <a:tailEnd/>
+          </a:ln>
+        </p:spPr>
+        <p:txBody>
+          <a:bodyPr>
+            <a:spAutoFit/>
           </a:bodyPr>
           <a:lstStyle/>
           <a:p>
-            <a:pPr algn="ctr"/>
-            <a:r>
-              <a:rPr lang="en-US" altLang="zh-CN" sz="5400" b="1" kern="10" dirty="0">
-                <a:ln w="28575">
-                  <a:solidFill>
-                    <a:srgbClr val="FFFFFF"/>
-                  </a:solidFill>
-                  <a:round/>
-                  <a:headEnd/>
-                  <a:tailEnd/>
-                </a:ln>
-                <a:gradFill rotWithShape="1">
-                  <a:gsLst>
-                    <a:gs pos="0">
-                      <a:schemeClr val="accent1"/>
-                    </a:gs>
-                    <a:gs pos="100000">
-                      <a:schemeClr val="accent2"/>
-                    </a:gs>
-                  </a:gsLst>
-                  <a:lin ang="5400000" scaled="1"/>
-                </a:gradFill>
-                <a:latin typeface="Verdana"/>
-                <a:ea typeface="Verdana"/>
-                <a:cs typeface="Verdana"/>
-              </a:rPr>
-              <a:t>Thank You !</a:t>
-            </a:r>
-            <a:endParaRPr lang="zh-CN" altLang="en-US" sz="5400" b="1" kern="10" dirty="0">
-              <a:ln w="28575">
+            <a:pPr marL="120650" indent="-120650">
+              <a:spcBef>
+                <a:spcPct val="50000"/>
+              </a:spcBef>
+              <a:buFont typeface="Arial" charset="0"/>
+              <a:buChar char="•"/>
+            </a:pPr>
+            <a:r>
+              <a:rPr lang="en-US" altLang="zh-CN" sz="1400">
                 <a:solidFill>
                   <a:srgbClr val="FFFFFF"/>
                 </a:solidFill>
-                <a:round/>
-                <a:headEnd/>
-                <a:tailEnd/>
-              </a:ln>
-              <a:gradFill rotWithShape="1">
-                <a:gsLst>
-                  <a:gs pos="0">
-                    <a:schemeClr val="accent1"/>
-                  </a:gs>
-                  <a:gs pos="100000">
-                    <a:schemeClr val="accent2"/>
-                  </a:gs>
-                </a:gsLst>
-                <a:lin ang="5400000" scaled="1"/>
-              </a:gradFill>
-              <a:latin typeface="Verdana"/>
-              <a:cs typeface="Verdana"/>
+                <a:ea typeface="宋体" pitchFamily="2" charset="-122"/>
+              </a:rPr>
+              <a:t>Click to add Text</a:t>
+            </a:r>
+          </a:p>
+          <a:p>
+            <a:pPr marL="120650" indent="-120650">
+              <a:spcBef>
+                <a:spcPct val="50000"/>
+              </a:spcBef>
+              <a:buFont typeface="Arial" charset="0"/>
+              <a:buChar char="•"/>
+            </a:pPr>
+            <a:r>
+              <a:rPr lang="en-US" altLang="zh-CN" sz="1400">
+                <a:solidFill>
+                  <a:srgbClr val="FFFFFF"/>
+                </a:solidFill>
+                <a:ea typeface="宋体" pitchFamily="2" charset="-122"/>
+              </a:rPr>
+              <a:t>Click to add Text</a:t>
+            </a:r>
+          </a:p>
+          <a:p>
+            <a:pPr marL="120650" indent="-120650">
+              <a:spcBef>
+                <a:spcPct val="50000"/>
+              </a:spcBef>
+              <a:buFont typeface="Arial" charset="0"/>
+              <a:buChar char="•"/>
+            </a:pPr>
+            <a:r>
+              <a:rPr lang="en-US" altLang="zh-CN" sz="1400">
+                <a:solidFill>
+                  <a:srgbClr val="FFFFFF"/>
+                </a:solidFill>
+                <a:ea typeface="宋体" pitchFamily="2" charset="-122"/>
+              </a:rPr>
+              <a:t>Click to add Text</a:t>
+            </a:r>
+          </a:p>
+        </p:txBody>
+      </p:sp>
+      <p:sp>
+        <p:nvSpPr>
+          <p:cNvPr id="8196" name="Text Box 14"/>
+          <p:cNvSpPr txBox="1">
+            <a:spLocks noChangeArrowheads="1"/>
+          </p:cNvSpPr>
+          <p:nvPr/>
+        </p:nvSpPr>
+        <p:spPr bwMode="auto">
+          <a:xfrm>
+            <a:off x="3657600" y="2943225"/>
+            <a:ext cx="1752600" cy="942975"/>
+          </a:xfrm>
+          <a:prstGeom prst="rect">
+            <a:avLst/>
+          </a:prstGeom>
+          <a:noFill/>
+          <a:ln w="9525">
+            <a:noFill/>
+            <a:miter lim="800000"/>
+            <a:headEnd/>
+            <a:tailEnd/>
+          </a:ln>
+        </p:spPr>
+        <p:txBody>
+          <a:bodyPr>
+            <a:spAutoFit/>
+          </a:bodyPr>
+          <a:lstStyle/>
+          <a:p>
+            <a:pPr marL="120650" indent="-120650">
+              <a:spcBef>
+                <a:spcPct val="50000"/>
+              </a:spcBef>
+              <a:buFont typeface="Arial" charset="0"/>
+              <a:buChar char="•"/>
+            </a:pPr>
+            <a:r>
+              <a:rPr lang="en-US" altLang="zh-CN" sz="1400">
+                <a:solidFill>
+                  <a:srgbClr val="FFFFFF"/>
+                </a:solidFill>
+                <a:ea typeface="宋体" pitchFamily="2" charset="-122"/>
+              </a:rPr>
+              <a:t>Click to add Text</a:t>
+            </a:r>
+          </a:p>
+          <a:p>
+            <a:pPr marL="120650" indent="-120650">
+              <a:spcBef>
+                <a:spcPct val="50000"/>
+              </a:spcBef>
+              <a:buFont typeface="Arial" charset="0"/>
+              <a:buChar char="•"/>
+            </a:pPr>
+            <a:r>
+              <a:rPr lang="en-US" altLang="zh-CN" sz="1400">
+                <a:solidFill>
+                  <a:srgbClr val="FFFFFF"/>
+                </a:solidFill>
+                <a:ea typeface="宋体" pitchFamily="2" charset="-122"/>
+              </a:rPr>
+              <a:t>Click to add Text</a:t>
+            </a:r>
+          </a:p>
+          <a:p>
+            <a:pPr marL="120650" indent="-120650">
+              <a:spcBef>
+                <a:spcPct val="50000"/>
+              </a:spcBef>
+              <a:buFont typeface="Arial" charset="0"/>
+              <a:buChar char="•"/>
+            </a:pPr>
+            <a:r>
+              <a:rPr lang="en-US" altLang="zh-CN" sz="1400">
+                <a:solidFill>
+                  <a:srgbClr val="FFFFFF"/>
+                </a:solidFill>
+                <a:ea typeface="宋体" pitchFamily="2" charset="-122"/>
+              </a:rPr>
+              <a:t>Click to add Text</a:t>
+            </a:r>
+          </a:p>
+        </p:txBody>
+      </p:sp>
+      <p:sp>
+        <p:nvSpPr>
+          <p:cNvPr id="8197" name="Text Box 15"/>
+          <p:cNvSpPr txBox="1">
+            <a:spLocks noChangeArrowheads="1"/>
+          </p:cNvSpPr>
+          <p:nvPr/>
+        </p:nvSpPr>
+        <p:spPr bwMode="auto">
+          <a:xfrm>
+            <a:off x="6477000" y="2943225"/>
+            <a:ext cx="1752600" cy="942975"/>
+          </a:xfrm>
+          <a:prstGeom prst="rect">
+            <a:avLst/>
+          </a:prstGeom>
+          <a:noFill/>
+          <a:ln w="9525">
+            <a:noFill/>
+            <a:miter lim="800000"/>
+            <a:headEnd/>
+            <a:tailEnd/>
+          </a:ln>
+        </p:spPr>
+        <p:txBody>
+          <a:bodyPr>
+            <a:spAutoFit/>
+          </a:bodyPr>
+          <a:lstStyle/>
+          <a:p>
+            <a:pPr marL="120650" indent="-120650">
+              <a:spcBef>
+                <a:spcPct val="50000"/>
+              </a:spcBef>
+              <a:buFont typeface="Arial" charset="0"/>
+              <a:buChar char="•"/>
+            </a:pPr>
+            <a:r>
+              <a:rPr lang="en-US" altLang="zh-CN" sz="1400">
+                <a:solidFill>
+                  <a:srgbClr val="FFFFFF"/>
+                </a:solidFill>
+                <a:ea typeface="宋体" pitchFamily="2" charset="-122"/>
+              </a:rPr>
+              <a:t>Click to add Text</a:t>
+            </a:r>
+          </a:p>
+          <a:p>
+            <a:pPr marL="120650" indent="-120650">
+              <a:spcBef>
+                <a:spcPct val="50000"/>
+              </a:spcBef>
+              <a:buFont typeface="Arial" charset="0"/>
+              <a:buChar char="•"/>
+            </a:pPr>
+            <a:r>
+              <a:rPr lang="en-US" altLang="zh-CN" sz="1400">
+                <a:solidFill>
+                  <a:srgbClr val="FFFFFF"/>
+                </a:solidFill>
+                <a:ea typeface="宋体" pitchFamily="2" charset="-122"/>
+              </a:rPr>
+              <a:t>Click to add Text</a:t>
+            </a:r>
+          </a:p>
+          <a:p>
+            <a:pPr marL="120650" indent="-120650">
+              <a:spcBef>
+                <a:spcPct val="50000"/>
+              </a:spcBef>
+              <a:buFont typeface="Arial" charset="0"/>
+              <a:buChar char="•"/>
+            </a:pPr>
+            <a:r>
+              <a:rPr lang="en-US" altLang="zh-CN" sz="1400">
+                <a:solidFill>
+                  <a:srgbClr val="FFFFFF"/>
+                </a:solidFill>
+                <a:ea typeface="宋体" pitchFamily="2" charset="-122"/>
+              </a:rPr>
+              <a:t>Click to add Text</a:t>
+            </a:r>
+          </a:p>
+        </p:txBody>
+      </p:sp>
+      <p:grpSp>
+        <p:nvGrpSpPr>
+          <p:cNvPr id="2" name="Group 16"/>
+          <p:cNvGrpSpPr>
+            <a:grpSpLocks/>
+          </p:cNvGrpSpPr>
+          <p:nvPr/>
+        </p:nvGrpSpPr>
+        <p:grpSpPr bwMode="auto">
+          <a:xfrm>
+            <a:off x="2971800" y="3810000"/>
+            <a:ext cx="504825" cy="496888"/>
+            <a:chOff x="0" y="0"/>
+            <a:chExt cx="240" cy="240"/>
+          </a:xfrm>
+        </p:grpSpPr>
+        <p:grpSp>
+          <p:nvGrpSpPr>
+            <p:cNvPr id="3" name="Group 17"/>
+            <p:cNvGrpSpPr>
+              <a:grpSpLocks/>
+            </p:cNvGrpSpPr>
+            <p:nvPr/>
+          </p:nvGrpSpPr>
+          <p:grpSpPr bwMode="auto">
+            <a:xfrm>
+              <a:off x="96" y="0"/>
+              <a:ext cx="144" cy="240"/>
+              <a:chOff x="0" y="0"/>
+              <a:chExt cx="144" cy="240"/>
+            </a:xfrm>
+          </p:grpSpPr>
+          <p:sp>
+            <p:nvSpPr>
+              <p:cNvPr id="8220" name="Oval 18"/>
+              <p:cNvSpPr>
+                <a:spLocks noChangeArrowheads="1"/>
+              </p:cNvSpPr>
+              <p:nvPr/>
+            </p:nvSpPr>
+            <p:spPr bwMode="auto">
+              <a:xfrm>
+                <a:off x="0" y="0"/>
+                <a:ext cx="48" cy="48"/>
+              </a:xfrm>
+              <a:prstGeom prst="ellipse">
+                <a:avLst/>
+              </a:prstGeom>
+              <a:solidFill>
+                <a:schemeClr val="bg1"/>
+              </a:solidFill>
+              <a:ln w="9525">
+                <a:noFill/>
+                <a:round/>
+                <a:headEnd/>
+                <a:tailEnd/>
+              </a:ln>
+            </p:spPr>
+            <p:txBody>
+              <a:bodyPr wrap="none" anchor="ctr"/>
+              <a:lstStyle/>
+              <a:p>
+                <a:endParaRPr lang="zh-CN" altLang="en-US">
+                  <a:ea typeface="宋体" pitchFamily="2" charset="-122"/>
+                </a:endParaRPr>
+              </a:p>
+            </p:txBody>
+          </p:sp>
+          <p:sp>
+            <p:nvSpPr>
+              <p:cNvPr id="8221" name="Oval 19"/>
+              <p:cNvSpPr>
+                <a:spLocks noChangeArrowheads="1"/>
+              </p:cNvSpPr>
+              <p:nvPr/>
+            </p:nvSpPr>
+            <p:spPr bwMode="auto">
+              <a:xfrm>
+                <a:off x="48" y="48"/>
+                <a:ext cx="48" cy="48"/>
+              </a:xfrm>
+              <a:prstGeom prst="ellipse">
+                <a:avLst/>
+              </a:prstGeom>
+              <a:solidFill>
+                <a:schemeClr val="bg1"/>
+              </a:solidFill>
+              <a:ln w="9525">
+                <a:noFill/>
+                <a:round/>
+                <a:headEnd/>
+                <a:tailEnd/>
+              </a:ln>
+            </p:spPr>
+            <p:txBody>
+              <a:bodyPr wrap="none" anchor="ctr"/>
+              <a:lstStyle/>
+              <a:p>
+                <a:endParaRPr lang="zh-CN" altLang="en-US">
+                  <a:ea typeface="宋体" pitchFamily="2" charset="-122"/>
+                </a:endParaRPr>
+              </a:p>
+            </p:txBody>
+          </p:sp>
+          <p:sp>
+            <p:nvSpPr>
+              <p:cNvPr id="8222" name="Oval 20"/>
+              <p:cNvSpPr>
+                <a:spLocks noChangeArrowheads="1"/>
+              </p:cNvSpPr>
+              <p:nvPr/>
+            </p:nvSpPr>
+            <p:spPr bwMode="auto">
+              <a:xfrm>
+                <a:off x="96" y="96"/>
+                <a:ext cx="48" cy="48"/>
+              </a:xfrm>
+              <a:prstGeom prst="ellipse">
+                <a:avLst/>
+              </a:prstGeom>
+              <a:solidFill>
+                <a:schemeClr val="bg1"/>
+              </a:solidFill>
+              <a:ln w="9525">
+                <a:noFill/>
+                <a:round/>
+                <a:headEnd/>
+                <a:tailEnd/>
+              </a:ln>
+            </p:spPr>
+            <p:txBody>
+              <a:bodyPr wrap="none" anchor="ctr"/>
+              <a:lstStyle/>
+              <a:p>
+                <a:endParaRPr lang="zh-CN" altLang="en-US">
+                  <a:ea typeface="宋体" pitchFamily="2" charset="-122"/>
+                </a:endParaRPr>
+              </a:p>
+            </p:txBody>
+          </p:sp>
+          <p:sp>
+            <p:nvSpPr>
+              <p:cNvPr id="8223" name="Oval 21"/>
+              <p:cNvSpPr>
+                <a:spLocks noChangeArrowheads="1"/>
+              </p:cNvSpPr>
+              <p:nvPr/>
+            </p:nvSpPr>
+            <p:spPr bwMode="auto">
+              <a:xfrm>
+                <a:off x="48" y="144"/>
+                <a:ext cx="48" cy="48"/>
+              </a:xfrm>
+              <a:prstGeom prst="ellipse">
+                <a:avLst/>
+              </a:prstGeom>
+              <a:solidFill>
+                <a:schemeClr val="bg1"/>
+              </a:solidFill>
+              <a:ln w="9525">
+                <a:noFill/>
+                <a:round/>
+                <a:headEnd/>
+                <a:tailEnd/>
+              </a:ln>
+            </p:spPr>
+            <p:txBody>
+              <a:bodyPr wrap="none" anchor="ctr"/>
+              <a:lstStyle/>
+              <a:p>
+                <a:endParaRPr lang="zh-CN" altLang="en-US">
+                  <a:ea typeface="宋体" pitchFamily="2" charset="-122"/>
+                </a:endParaRPr>
+              </a:p>
+            </p:txBody>
+          </p:sp>
+          <p:sp>
+            <p:nvSpPr>
+              <p:cNvPr id="8224" name="Oval 22"/>
+              <p:cNvSpPr>
+                <a:spLocks noChangeArrowheads="1"/>
+              </p:cNvSpPr>
+              <p:nvPr/>
+            </p:nvSpPr>
+            <p:spPr bwMode="auto">
+              <a:xfrm>
+                <a:off x="0" y="192"/>
+                <a:ext cx="48" cy="48"/>
+              </a:xfrm>
+              <a:prstGeom prst="ellipse">
+                <a:avLst/>
+              </a:prstGeom>
+              <a:solidFill>
+                <a:schemeClr val="bg1"/>
+              </a:solidFill>
+              <a:ln w="9525">
+                <a:noFill/>
+                <a:round/>
+                <a:headEnd/>
+                <a:tailEnd/>
+              </a:ln>
+            </p:spPr>
+            <p:txBody>
+              <a:bodyPr wrap="none" anchor="ctr"/>
+              <a:lstStyle/>
+              <a:p>
+                <a:endParaRPr lang="zh-CN" altLang="en-US">
+                  <a:ea typeface="宋体" pitchFamily="2" charset="-122"/>
+                </a:endParaRPr>
+              </a:p>
+            </p:txBody>
+          </p:sp>
+        </p:grpSp>
+        <p:grpSp>
+          <p:nvGrpSpPr>
+            <p:cNvPr id="4" name="Group 23"/>
+            <p:cNvGrpSpPr>
+              <a:grpSpLocks/>
+            </p:cNvGrpSpPr>
+            <p:nvPr/>
+          </p:nvGrpSpPr>
+          <p:grpSpPr bwMode="auto">
+            <a:xfrm>
+              <a:off x="0" y="0"/>
+              <a:ext cx="144" cy="240"/>
+              <a:chOff x="0" y="0"/>
+              <a:chExt cx="144" cy="240"/>
+            </a:xfrm>
+          </p:grpSpPr>
+          <p:sp>
+            <p:nvSpPr>
+              <p:cNvPr id="8215" name="Oval 24"/>
+              <p:cNvSpPr>
+                <a:spLocks noChangeArrowheads="1"/>
+              </p:cNvSpPr>
+              <p:nvPr/>
+            </p:nvSpPr>
+            <p:spPr bwMode="auto">
+              <a:xfrm>
+                <a:off x="0" y="0"/>
+                <a:ext cx="48" cy="48"/>
+              </a:xfrm>
+              <a:prstGeom prst="ellipse">
+                <a:avLst/>
+              </a:prstGeom>
+              <a:solidFill>
+                <a:schemeClr val="bg1"/>
+              </a:solidFill>
+              <a:ln w="9525">
+                <a:noFill/>
+                <a:round/>
+                <a:headEnd/>
+                <a:tailEnd/>
+              </a:ln>
+            </p:spPr>
+            <p:txBody>
+              <a:bodyPr wrap="none" anchor="ctr"/>
+              <a:lstStyle/>
+              <a:p>
+                <a:endParaRPr lang="zh-CN" altLang="en-US">
+                  <a:ea typeface="宋体" pitchFamily="2" charset="-122"/>
+                </a:endParaRPr>
+              </a:p>
+            </p:txBody>
+          </p:sp>
+          <p:sp>
+            <p:nvSpPr>
+              <p:cNvPr id="8216" name="Oval 25"/>
+              <p:cNvSpPr>
+                <a:spLocks noChangeArrowheads="1"/>
+              </p:cNvSpPr>
+              <p:nvPr/>
+            </p:nvSpPr>
+            <p:spPr bwMode="auto">
+              <a:xfrm>
+                <a:off x="48" y="48"/>
+                <a:ext cx="48" cy="48"/>
+              </a:xfrm>
+              <a:prstGeom prst="ellipse">
+                <a:avLst/>
+              </a:prstGeom>
+              <a:solidFill>
+                <a:schemeClr val="bg1"/>
+              </a:solidFill>
+              <a:ln w="9525">
+                <a:noFill/>
+                <a:round/>
+                <a:headEnd/>
+                <a:tailEnd/>
+              </a:ln>
+            </p:spPr>
+            <p:txBody>
+              <a:bodyPr wrap="none" anchor="ctr"/>
+              <a:lstStyle/>
+              <a:p>
+                <a:endParaRPr lang="zh-CN" altLang="en-US">
+                  <a:ea typeface="宋体" pitchFamily="2" charset="-122"/>
+                </a:endParaRPr>
+              </a:p>
+            </p:txBody>
+          </p:sp>
+          <p:sp>
+            <p:nvSpPr>
+              <p:cNvPr id="8217" name="Oval 26"/>
+              <p:cNvSpPr>
+                <a:spLocks noChangeArrowheads="1"/>
+              </p:cNvSpPr>
+              <p:nvPr/>
+            </p:nvSpPr>
+            <p:spPr bwMode="auto">
+              <a:xfrm>
+                <a:off x="96" y="96"/>
+                <a:ext cx="48" cy="48"/>
+              </a:xfrm>
+              <a:prstGeom prst="ellipse">
+                <a:avLst/>
+              </a:prstGeom>
+              <a:solidFill>
+                <a:schemeClr val="bg1"/>
+              </a:solidFill>
+              <a:ln w="9525">
+                <a:noFill/>
+                <a:round/>
+                <a:headEnd/>
+                <a:tailEnd/>
+              </a:ln>
+            </p:spPr>
+            <p:txBody>
+              <a:bodyPr wrap="none" anchor="ctr"/>
+              <a:lstStyle/>
+              <a:p>
+                <a:endParaRPr lang="zh-CN" altLang="en-US">
+                  <a:ea typeface="宋体" pitchFamily="2" charset="-122"/>
+                </a:endParaRPr>
+              </a:p>
+            </p:txBody>
+          </p:sp>
+          <p:sp>
+            <p:nvSpPr>
+              <p:cNvPr id="8218" name="Oval 27"/>
+              <p:cNvSpPr>
+                <a:spLocks noChangeArrowheads="1"/>
+              </p:cNvSpPr>
+              <p:nvPr/>
+            </p:nvSpPr>
+            <p:spPr bwMode="auto">
+              <a:xfrm>
+                <a:off x="48" y="144"/>
+                <a:ext cx="48" cy="48"/>
+              </a:xfrm>
+              <a:prstGeom prst="ellipse">
+                <a:avLst/>
+              </a:prstGeom>
+              <a:solidFill>
+                <a:schemeClr val="bg1"/>
+              </a:solidFill>
+              <a:ln w="9525">
+                <a:noFill/>
+                <a:round/>
+                <a:headEnd/>
+                <a:tailEnd/>
+              </a:ln>
+            </p:spPr>
+            <p:txBody>
+              <a:bodyPr wrap="none" anchor="ctr"/>
+              <a:lstStyle/>
+              <a:p>
+                <a:endParaRPr lang="zh-CN" altLang="en-US">
+                  <a:ea typeface="宋体" pitchFamily="2" charset="-122"/>
+                </a:endParaRPr>
+              </a:p>
+            </p:txBody>
+          </p:sp>
+          <p:sp>
+            <p:nvSpPr>
+              <p:cNvPr id="8219" name="Oval 28"/>
+              <p:cNvSpPr>
+                <a:spLocks noChangeArrowheads="1"/>
+              </p:cNvSpPr>
+              <p:nvPr/>
+            </p:nvSpPr>
+            <p:spPr bwMode="auto">
+              <a:xfrm>
+                <a:off x="0" y="192"/>
+                <a:ext cx="48" cy="48"/>
+              </a:xfrm>
+              <a:prstGeom prst="ellipse">
+                <a:avLst/>
+              </a:prstGeom>
+              <a:solidFill>
+                <a:schemeClr val="bg1"/>
+              </a:solidFill>
+              <a:ln w="9525">
+                <a:noFill/>
+                <a:round/>
+                <a:headEnd/>
+                <a:tailEnd/>
+              </a:ln>
+            </p:spPr>
+            <p:txBody>
+              <a:bodyPr wrap="none" anchor="ctr"/>
+              <a:lstStyle/>
+              <a:p>
+                <a:endParaRPr lang="zh-CN" altLang="en-US">
+                  <a:ea typeface="宋体" pitchFamily="2" charset="-122"/>
+                </a:endParaRPr>
+              </a:p>
+            </p:txBody>
+          </p:sp>
+        </p:grpSp>
+      </p:grpSp>
+      <p:grpSp>
+        <p:nvGrpSpPr>
+          <p:cNvPr id="5" name="Group 29"/>
+          <p:cNvGrpSpPr>
+            <a:grpSpLocks/>
+          </p:cNvGrpSpPr>
+          <p:nvPr/>
+        </p:nvGrpSpPr>
+        <p:grpSpPr bwMode="auto">
+          <a:xfrm>
+            <a:off x="5715000" y="3810000"/>
+            <a:ext cx="504825" cy="496888"/>
+            <a:chOff x="0" y="0"/>
+            <a:chExt cx="240" cy="240"/>
+          </a:xfrm>
+        </p:grpSpPr>
+        <p:grpSp>
+          <p:nvGrpSpPr>
+            <p:cNvPr id="6" name="Group 30"/>
+            <p:cNvGrpSpPr>
+              <a:grpSpLocks/>
+            </p:cNvGrpSpPr>
+            <p:nvPr/>
+          </p:nvGrpSpPr>
+          <p:grpSpPr bwMode="auto">
+            <a:xfrm>
+              <a:off x="96" y="0"/>
+              <a:ext cx="144" cy="240"/>
+              <a:chOff x="0" y="0"/>
+              <a:chExt cx="144" cy="240"/>
+            </a:xfrm>
+          </p:grpSpPr>
+          <p:sp>
+            <p:nvSpPr>
+              <p:cNvPr id="8208" name="Oval 31"/>
+              <p:cNvSpPr>
+                <a:spLocks noChangeArrowheads="1"/>
+              </p:cNvSpPr>
+              <p:nvPr/>
+            </p:nvSpPr>
+            <p:spPr bwMode="auto">
+              <a:xfrm>
+                <a:off x="0" y="0"/>
+                <a:ext cx="48" cy="48"/>
+              </a:xfrm>
+              <a:prstGeom prst="ellipse">
+                <a:avLst/>
+              </a:prstGeom>
+              <a:solidFill>
+                <a:schemeClr val="bg1"/>
+              </a:solidFill>
+              <a:ln w="9525">
+                <a:noFill/>
+                <a:round/>
+                <a:headEnd/>
+                <a:tailEnd/>
+              </a:ln>
+            </p:spPr>
+            <p:txBody>
+              <a:bodyPr wrap="none" anchor="ctr"/>
+              <a:lstStyle/>
+              <a:p>
+                <a:endParaRPr lang="zh-CN" altLang="en-US">
+                  <a:ea typeface="宋体" pitchFamily="2" charset="-122"/>
+                </a:endParaRPr>
+              </a:p>
+            </p:txBody>
+          </p:sp>
+          <p:sp>
+            <p:nvSpPr>
+              <p:cNvPr id="8209" name="Oval 32"/>
+              <p:cNvSpPr>
+                <a:spLocks noChangeArrowheads="1"/>
+              </p:cNvSpPr>
+              <p:nvPr/>
+            </p:nvSpPr>
+            <p:spPr bwMode="auto">
+              <a:xfrm>
+                <a:off x="48" y="48"/>
+                <a:ext cx="48" cy="48"/>
+              </a:xfrm>
+              <a:prstGeom prst="ellipse">
+                <a:avLst/>
+              </a:prstGeom>
+              <a:solidFill>
+                <a:schemeClr val="bg1"/>
+              </a:solidFill>
+              <a:ln w="9525">
+                <a:noFill/>
+                <a:round/>
+                <a:headEnd/>
+                <a:tailEnd/>
+              </a:ln>
+            </p:spPr>
+            <p:txBody>
+              <a:bodyPr wrap="none" anchor="ctr"/>
+              <a:lstStyle/>
+              <a:p>
+                <a:endParaRPr lang="zh-CN" altLang="en-US">
+                  <a:ea typeface="宋体" pitchFamily="2" charset="-122"/>
+                </a:endParaRPr>
+              </a:p>
+            </p:txBody>
+          </p:sp>
+          <p:sp>
+            <p:nvSpPr>
+              <p:cNvPr id="8210" name="Oval 33"/>
+              <p:cNvSpPr>
+                <a:spLocks noChangeArrowheads="1"/>
+              </p:cNvSpPr>
+              <p:nvPr/>
+            </p:nvSpPr>
+            <p:spPr bwMode="auto">
+              <a:xfrm>
+                <a:off x="96" y="96"/>
+                <a:ext cx="48" cy="48"/>
+              </a:xfrm>
+              <a:prstGeom prst="ellipse">
+                <a:avLst/>
+              </a:prstGeom>
+              <a:solidFill>
+                <a:schemeClr val="bg1"/>
+              </a:solidFill>
+              <a:ln w="9525">
+                <a:noFill/>
+                <a:round/>
+                <a:headEnd/>
+                <a:tailEnd/>
+              </a:ln>
+            </p:spPr>
+            <p:txBody>
+              <a:bodyPr wrap="none" anchor="ctr"/>
+              <a:lstStyle/>
+              <a:p>
+                <a:endParaRPr lang="zh-CN" altLang="en-US">
+                  <a:ea typeface="宋体" pitchFamily="2" charset="-122"/>
+                </a:endParaRPr>
+              </a:p>
+            </p:txBody>
+          </p:sp>
+          <p:sp>
+            <p:nvSpPr>
+              <p:cNvPr id="8211" name="Oval 34"/>
+              <p:cNvSpPr>
+                <a:spLocks noChangeArrowheads="1"/>
+              </p:cNvSpPr>
+              <p:nvPr/>
+            </p:nvSpPr>
+            <p:spPr bwMode="auto">
+              <a:xfrm>
+                <a:off x="48" y="144"/>
+                <a:ext cx="48" cy="48"/>
+              </a:xfrm>
+              <a:prstGeom prst="ellipse">
+                <a:avLst/>
+              </a:prstGeom>
+              <a:solidFill>
+                <a:schemeClr val="bg1"/>
+              </a:solidFill>
+              <a:ln w="9525">
+                <a:noFill/>
+                <a:round/>
+                <a:headEnd/>
+                <a:tailEnd/>
+              </a:ln>
+            </p:spPr>
+            <p:txBody>
+              <a:bodyPr wrap="none" anchor="ctr"/>
+              <a:lstStyle/>
+              <a:p>
+                <a:endParaRPr lang="zh-CN" altLang="en-US">
+                  <a:ea typeface="宋体" pitchFamily="2" charset="-122"/>
+                </a:endParaRPr>
+              </a:p>
+            </p:txBody>
+          </p:sp>
+          <p:sp>
+            <p:nvSpPr>
+              <p:cNvPr id="8212" name="Oval 35"/>
+              <p:cNvSpPr>
+                <a:spLocks noChangeArrowheads="1"/>
+              </p:cNvSpPr>
+              <p:nvPr/>
+            </p:nvSpPr>
+            <p:spPr bwMode="auto">
+              <a:xfrm>
+                <a:off x="0" y="192"/>
+                <a:ext cx="48" cy="48"/>
+              </a:xfrm>
+              <a:prstGeom prst="ellipse">
+                <a:avLst/>
+              </a:prstGeom>
+              <a:solidFill>
+                <a:schemeClr val="bg1"/>
+              </a:solidFill>
+              <a:ln w="9525">
+                <a:noFill/>
+                <a:round/>
+                <a:headEnd/>
+                <a:tailEnd/>
+              </a:ln>
+            </p:spPr>
+            <p:txBody>
+              <a:bodyPr wrap="none" anchor="ctr"/>
+              <a:lstStyle/>
+              <a:p>
+                <a:endParaRPr lang="zh-CN" altLang="en-US">
+                  <a:ea typeface="宋体" pitchFamily="2" charset="-122"/>
+                </a:endParaRPr>
+              </a:p>
+            </p:txBody>
+          </p:sp>
+        </p:grpSp>
+        <p:grpSp>
+          <p:nvGrpSpPr>
+            <p:cNvPr id="7" name="Group 36"/>
+            <p:cNvGrpSpPr>
+              <a:grpSpLocks/>
+            </p:cNvGrpSpPr>
+            <p:nvPr/>
+          </p:nvGrpSpPr>
+          <p:grpSpPr bwMode="auto">
+            <a:xfrm>
+              <a:off x="0" y="0"/>
+              <a:ext cx="144" cy="240"/>
+              <a:chOff x="0" y="0"/>
+              <a:chExt cx="144" cy="240"/>
+            </a:xfrm>
+          </p:grpSpPr>
+          <p:sp>
+            <p:nvSpPr>
+              <p:cNvPr id="8203" name="Oval 37"/>
+              <p:cNvSpPr>
+                <a:spLocks noChangeArrowheads="1"/>
+              </p:cNvSpPr>
+              <p:nvPr/>
+            </p:nvSpPr>
+            <p:spPr bwMode="auto">
+              <a:xfrm>
+                <a:off x="0" y="0"/>
+                <a:ext cx="48" cy="48"/>
+              </a:xfrm>
+              <a:prstGeom prst="ellipse">
+                <a:avLst/>
+              </a:prstGeom>
+              <a:solidFill>
+                <a:schemeClr val="bg1"/>
+              </a:solidFill>
+              <a:ln w="9525">
+                <a:noFill/>
+                <a:round/>
+                <a:headEnd/>
+                <a:tailEnd/>
+              </a:ln>
+            </p:spPr>
+            <p:txBody>
+              <a:bodyPr wrap="none" anchor="ctr"/>
+              <a:lstStyle/>
+              <a:p>
+                <a:endParaRPr lang="zh-CN" altLang="en-US">
+                  <a:ea typeface="宋体" pitchFamily="2" charset="-122"/>
+                </a:endParaRPr>
+              </a:p>
+            </p:txBody>
+          </p:sp>
+          <p:sp>
+            <p:nvSpPr>
+              <p:cNvPr id="8204" name="Oval 38"/>
+              <p:cNvSpPr>
+                <a:spLocks noChangeArrowheads="1"/>
+              </p:cNvSpPr>
+              <p:nvPr/>
+            </p:nvSpPr>
+            <p:spPr bwMode="auto">
+              <a:xfrm>
+                <a:off x="48" y="48"/>
+                <a:ext cx="48" cy="48"/>
+              </a:xfrm>
+              <a:prstGeom prst="ellipse">
+                <a:avLst/>
+              </a:prstGeom>
+              <a:solidFill>
+                <a:schemeClr val="bg1"/>
+              </a:solidFill>
+              <a:ln w="9525">
+                <a:noFill/>
+                <a:round/>
+                <a:headEnd/>
+                <a:tailEnd/>
+              </a:ln>
+            </p:spPr>
+            <p:txBody>
+              <a:bodyPr wrap="none" anchor="ctr"/>
+              <a:lstStyle/>
+              <a:p>
+                <a:endParaRPr lang="zh-CN" altLang="en-US">
+                  <a:ea typeface="宋体" pitchFamily="2" charset="-122"/>
+                </a:endParaRPr>
+              </a:p>
+            </p:txBody>
+          </p:sp>
+          <p:sp>
+            <p:nvSpPr>
+              <p:cNvPr id="8205" name="Oval 39"/>
+              <p:cNvSpPr>
+                <a:spLocks noChangeArrowheads="1"/>
+              </p:cNvSpPr>
+              <p:nvPr/>
+            </p:nvSpPr>
+            <p:spPr bwMode="auto">
+              <a:xfrm>
+                <a:off x="96" y="96"/>
+                <a:ext cx="48" cy="48"/>
+              </a:xfrm>
+              <a:prstGeom prst="ellipse">
+                <a:avLst/>
+              </a:prstGeom>
+              <a:solidFill>
+                <a:schemeClr val="bg1"/>
+              </a:solidFill>
+              <a:ln w="9525">
+                <a:noFill/>
+                <a:round/>
+                <a:headEnd/>
+                <a:tailEnd/>
+              </a:ln>
+            </p:spPr>
+            <p:txBody>
+              <a:bodyPr wrap="none" anchor="ctr"/>
+              <a:lstStyle/>
+              <a:p>
+                <a:endParaRPr lang="zh-CN" altLang="en-US">
+                  <a:ea typeface="宋体" pitchFamily="2" charset="-122"/>
+                </a:endParaRPr>
+              </a:p>
+            </p:txBody>
+          </p:sp>
+          <p:sp>
+            <p:nvSpPr>
+              <p:cNvPr id="8206" name="Oval 40"/>
+              <p:cNvSpPr>
+                <a:spLocks noChangeArrowheads="1"/>
+              </p:cNvSpPr>
+              <p:nvPr/>
+            </p:nvSpPr>
+            <p:spPr bwMode="auto">
+              <a:xfrm>
+                <a:off x="48" y="144"/>
+                <a:ext cx="48" cy="48"/>
+              </a:xfrm>
+              <a:prstGeom prst="ellipse">
+                <a:avLst/>
+              </a:prstGeom>
+              <a:solidFill>
+                <a:schemeClr val="bg1"/>
+              </a:solidFill>
+              <a:ln w="9525">
+                <a:noFill/>
+                <a:round/>
+                <a:headEnd/>
+                <a:tailEnd/>
+              </a:ln>
+            </p:spPr>
+            <p:txBody>
+              <a:bodyPr wrap="none" anchor="ctr"/>
+              <a:lstStyle/>
+              <a:p>
+                <a:endParaRPr lang="zh-CN" altLang="en-US">
+                  <a:ea typeface="宋体" pitchFamily="2" charset="-122"/>
+                </a:endParaRPr>
+              </a:p>
+            </p:txBody>
+          </p:sp>
+          <p:sp>
+            <p:nvSpPr>
+              <p:cNvPr id="8207" name="Oval 41"/>
+              <p:cNvSpPr>
+                <a:spLocks noChangeArrowheads="1"/>
+              </p:cNvSpPr>
+              <p:nvPr/>
+            </p:nvSpPr>
+            <p:spPr bwMode="auto">
+              <a:xfrm>
+                <a:off x="0" y="192"/>
+                <a:ext cx="48" cy="48"/>
+              </a:xfrm>
+              <a:prstGeom prst="ellipse">
+                <a:avLst/>
+              </a:prstGeom>
+              <a:solidFill>
+                <a:schemeClr val="bg1"/>
+              </a:solidFill>
+              <a:ln w="9525">
+                <a:noFill/>
+                <a:round/>
+                <a:headEnd/>
+                <a:tailEnd/>
+              </a:ln>
+            </p:spPr>
+            <p:txBody>
+              <a:bodyPr wrap="none" anchor="ctr"/>
+              <a:lstStyle/>
+              <a:p>
+                <a:endParaRPr lang="zh-CN" altLang="en-US">
+                  <a:ea typeface="宋体" pitchFamily="2" charset="-122"/>
+                </a:endParaRPr>
+              </a:p>
+            </p:txBody>
+          </p:sp>
+        </p:grpSp>
+      </p:grpSp>
+      <p:sp>
+        <p:nvSpPr>
+          <p:cNvPr id="8200" name="Text Box 42"/>
+          <p:cNvSpPr txBox="1">
+            <a:spLocks noChangeArrowheads="1"/>
+          </p:cNvSpPr>
+          <p:nvPr/>
+        </p:nvSpPr>
+        <p:spPr bwMode="auto">
+          <a:xfrm>
+            <a:off x="990600" y="1600200"/>
+            <a:ext cx="7162800" cy="4001095"/>
+          </a:xfrm>
+          <a:prstGeom prst="rect">
+            <a:avLst/>
+          </a:prstGeom>
+          <a:noFill/>
+          <a:ln w="9525">
+            <a:noFill/>
+            <a:miter lim="800000"/>
+            <a:headEnd/>
+            <a:tailEnd/>
+          </a:ln>
+        </p:spPr>
+        <p:txBody>
+          <a:bodyPr>
+            <a:spAutoFit/>
+          </a:bodyPr>
+          <a:lstStyle/>
+          <a:p>
+            <a:r>
+              <a:rPr lang="zh-CN" altLang="en-US" sz="4000" b="1" dirty="0" smtClean="0">
+                <a:ea typeface="宋体" pitchFamily="2" charset="-122"/>
+              </a:rPr>
+              <a:t>需</a:t>
+            </a:r>
+            <a:r>
+              <a:rPr lang="zh-CN" altLang="en-US" sz="4000" b="1" dirty="0" smtClean="0">
+                <a:ea typeface="宋体" pitchFamily="2" charset="-122"/>
+              </a:rPr>
+              <a:t>要解决的问题</a:t>
+            </a:r>
+            <a:endParaRPr lang="en-US" altLang="zh-CN" sz="4000" b="1" dirty="0" smtClean="0">
+              <a:ea typeface="宋体" pitchFamily="2" charset="-122"/>
+            </a:endParaRPr>
+          </a:p>
+          <a:p>
+            <a:pPr>
+              <a:buFont typeface="Wingdings" pitchFamily="2" charset="2"/>
+              <a:buChar char="l"/>
+            </a:pPr>
+            <a:r>
+              <a:rPr lang="zh-CN" altLang="en-US" dirty="0" smtClean="0">
+                <a:ea typeface="宋体" pitchFamily="2" charset="-122"/>
+              </a:rPr>
+              <a:t>不同人员设定不同数据权限</a:t>
+            </a:r>
+            <a:endParaRPr lang="en-US" altLang="zh-CN" dirty="0" smtClean="0">
+              <a:ea typeface="宋体" pitchFamily="2" charset="-122"/>
+            </a:endParaRPr>
+          </a:p>
+          <a:p>
+            <a:pPr>
+              <a:buFont typeface="Wingdings" pitchFamily="2" charset="2"/>
+              <a:buChar char="l"/>
+            </a:pPr>
+            <a:r>
+              <a:rPr lang="zh-CN" altLang="en-US" dirty="0" smtClean="0">
+                <a:ea typeface="宋体" pitchFamily="2" charset="-122"/>
+              </a:rPr>
+              <a:t>如何根据组织架构隔离数据</a:t>
+            </a:r>
+            <a:endParaRPr lang="en-US" altLang="zh-CN" dirty="0" smtClean="0">
+              <a:ea typeface="宋体" pitchFamily="2" charset="-122"/>
+            </a:endParaRPr>
+          </a:p>
+          <a:p>
+            <a:pPr>
+              <a:buFont typeface="Wingdings" pitchFamily="2" charset="2"/>
+              <a:buChar char="l"/>
+            </a:pPr>
+            <a:r>
+              <a:rPr lang="zh-CN" altLang="en-US" dirty="0" smtClean="0">
+                <a:ea typeface="宋体" pitchFamily="2" charset="-122"/>
+              </a:rPr>
+              <a:t>如何设计出灵活的组织架构？</a:t>
+            </a:r>
+            <a:endParaRPr lang="en-US" altLang="zh-CN" dirty="0" smtClean="0">
+              <a:ea typeface="宋体" pitchFamily="2" charset="-122"/>
+            </a:endParaRPr>
+          </a:p>
+          <a:p>
+            <a:endParaRPr lang="en-US" altLang="zh-CN" dirty="0" smtClean="0">
+              <a:ea typeface="宋体" pitchFamily="2" charset="-122"/>
+            </a:endParaRPr>
+          </a:p>
+          <a:p>
+            <a:endParaRPr lang="en-US" altLang="zh-CN" sz="1400" dirty="0" smtClean="0">
+              <a:ea typeface="宋体" pitchFamily="2" charset="-122"/>
+            </a:endParaRPr>
+          </a:p>
+          <a:p>
+            <a:endParaRPr lang="en-US" altLang="zh-CN" sz="1400" dirty="0" smtClean="0">
+              <a:ea typeface="宋体" pitchFamily="2" charset="-122"/>
+            </a:endParaRPr>
+          </a:p>
+          <a:p>
+            <a:endParaRPr lang="en-US" altLang="zh-CN" sz="1400" dirty="0" smtClean="0">
+              <a:ea typeface="宋体" pitchFamily="2" charset="-122"/>
+            </a:endParaRPr>
+          </a:p>
+          <a:p>
+            <a:r>
+              <a:rPr lang="zh-CN" altLang="en-US" sz="4000" b="1" dirty="0" smtClean="0">
+                <a:ea typeface="宋体" pitchFamily="2" charset="-122"/>
+              </a:rPr>
+              <a:t>后期</a:t>
+            </a:r>
+            <a:endParaRPr lang="en-US" altLang="zh-CN" sz="4000" b="1" dirty="0">
+              <a:ea typeface="宋体" pitchFamily="2" charset="-122"/>
+            </a:endParaRPr>
+          </a:p>
+          <a:p>
+            <a:pPr>
+              <a:buFont typeface="Wingdings" pitchFamily="2" charset="2"/>
+              <a:buChar char="l"/>
+            </a:pPr>
+            <a:r>
+              <a:rPr lang="zh-CN" altLang="en-US" dirty="0" smtClean="0">
+                <a:ea typeface="宋体" pitchFamily="2" charset="-122"/>
+              </a:rPr>
+              <a:t>是否需要一个高度灵活的组织架构？</a:t>
+            </a:r>
+            <a:endParaRPr lang="en-US" altLang="zh-CN" dirty="0" smtClean="0">
+              <a:ea typeface="宋体" pitchFamily="2" charset="-122"/>
+            </a:endParaRPr>
+          </a:p>
+          <a:p>
+            <a:endParaRPr lang="en-US" altLang="zh-CN" sz="1400" b="1" dirty="0">
+              <a:ea typeface="宋体" pitchFamily="2" charset="-122"/>
+            </a:endParaRPr>
+          </a:p>
+          <a:p>
+            <a:r>
+              <a:rPr lang="en-US" altLang="zh-CN" sz="1400" dirty="0">
+                <a:ea typeface="宋体" pitchFamily="2" charset="-122"/>
+              </a:rPr>
+              <a:t/>
+            </a:r>
+            <a:br>
+              <a:rPr lang="en-US" altLang="zh-CN" sz="1400" dirty="0">
+                <a:ea typeface="宋体" pitchFamily="2" charset="-122"/>
+              </a:rPr>
+            </a:br>
+            <a:endParaRPr lang="en-US" altLang="zh-CN" sz="1400" dirty="0">
+              <a:solidFill>
+                <a:srgbClr val="000000"/>
+              </a:solidFill>
+              <a:ea typeface="宋体" pitchFamily="2" charset="-122"/>
             </a:endParaRPr>
           </a:p>
         </p:txBody>
@@ -8210,6 +13199,212 @@
 </p:sld>
 </file>
 
+<file path=ppt/slides/slide20.xml><?xml version="1.0" encoding="utf-8"?>
+<p:sld xmlns:a="http://schemas.openxmlformats.org/drawingml/2006/main" xmlns:r="http://schemas.openxmlformats.org/officeDocument/2006/relationships" xmlns:p="http://schemas.openxmlformats.org/presentationml/2006/main">
+  <p:cSld>
+    <p:spTree>
+      <p:nvGrpSpPr>
+        <p:cNvPr id="1" name=""/>
+        <p:cNvGrpSpPr/>
+        <p:nvPr/>
+      </p:nvGrpSpPr>
+      <p:grpSpPr>
+        <a:xfrm>
+          <a:off x="0" y="0"/>
+          <a:ext cx="0" cy="0"/>
+          <a:chOff x="0" y="0"/>
+          <a:chExt cx="0" cy="0"/>
+        </a:xfrm>
+      </p:grpSpPr>
+      <p:sp>
+        <p:nvSpPr>
+          <p:cNvPr id="10242" name="Rectangle 3"/>
+          <p:cNvSpPr>
+            <a:spLocks noGrp="1" noChangeArrowheads="1"/>
+          </p:cNvSpPr>
+          <p:nvPr>
+            <p:ph type="dt" sz="quarter" idx="10"/>
+          </p:nvPr>
+        </p:nvSpPr>
+        <p:spPr>
+          <a:noFill/>
+        </p:spPr>
+        <p:txBody>
+          <a:bodyPr/>
+          <a:lstStyle/>
+          <a:p>
+            <a:pPr>
+              <a:buFont typeface="Arial" charset="0"/>
+              <a:buNone/>
+            </a:pPr>
+            <a:r>
+              <a:rPr lang="zh-CN" altLang="en-US" dirty="0" smtClean="0">
+                <a:latin typeface="Arial" charset="0"/>
+              </a:rPr>
+              <a:t>201</a:t>
+            </a:r>
+            <a:r>
+              <a:rPr lang="en-US" altLang="zh-CN" dirty="0" smtClean="0">
+                <a:latin typeface="Arial" charset="0"/>
+              </a:rPr>
+              <a:t>9</a:t>
+            </a:r>
+            <a:r>
+              <a:rPr lang="zh-CN" altLang="en-US" dirty="0" smtClean="0">
+                <a:latin typeface="Arial" charset="0"/>
+              </a:rPr>
+              <a:t>-</a:t>
+            </a:r>
+            <a:r>
+              <a:rPr lang="en-US" altLang="zh-CN" dirty="0" smtClean="0">
+                <a:latin typeface="Arial" charset="0"/>
+              </a:rPr>
+              <a:t>8</a:t>
+            </a:r>
+            <a:r>
+              <a:rPr lang="zh-CN" altLang="en-US" dirty="0" smtClean="0">
+                <a:latin typeface="Arial" charset="0"/>
+              </a:rPr>
+              <a:t>-</a:t>
+            </a:r>
+            <a:r>
+              <a:rPr lang="en-US" altLang="zh-CN" dirty="0" smtClean="0">
+                <a:latin typeface="Arial" charset="0"/>
+              </a:rPr>
+              <a:t>13</a:t>
+            </a:r>
+            <a:endParaRPr lang="zh-CN" altLang="en-US" dirty="0">
+              <a:latin typeface="Arial" charset="0"/>
+            </a:endParaRPr>
+          </a:p>
+        </p:txBody>
+      </p:sp>
+      <p:sp>
+        <p:nvSpPr>
+          <p:cNvPr id="10243" name="Rectangle 16"/>
+          <p:cNvSpPr>
+            <a:spLocks noGrp="1" noChangeArrowheads="1"/>
+          </p:cNvSpPr>
+          <p:nvPr>
+            <p:ph type="ftr" sz="quarter" idx="12"/>
+          </p:nvPr>
+        </p:nvSpPr>
+        <p:spPr>
+          <a:noFill/>
+        </p:spPr>
+        <p:txBody>
+          <a:bodyPr/>
+          <a:lstStyle/>
+          <a:p>
+            <a:pPr>
+              <a:buFont typeface="Arial" charset="0"/>
+              <a:buNone/>
+            </a:pPr>
+            <a:r>
+              <a:rPr lang="zh-CN" altLang="en-US">
+                <a:latin typeface="Arial" charset="0"/>
+              </a:rPr>
+              <a:t>吴宋体</a:t>
+            </a:r>
+          </a:p>
+        </p:txBody>
+      </p:sp>
+      <p:sp>
+        <p:nvSpPr>
+          <p:cNvPr id="10244" name="WordArt 2"/>
+          <p:cNvSpPr>
+            <a:spLocks noChangeArrowheads="1" noChangeShapeType="1"/>
+          </p:cNvSpPr>
+          <p:nvPr/>
+        </p:nvSpPr>
+        <p:spPr bwMode="auto">
+          <a:xfrm>
+            <a:off x="5181600" y="2743200"/>
+            <a:ext cx="3733800" cy="609600"/>
+          </a:xfrm>
+          <a:prstGeom prst="rect">
+            <a:avLst/>
+          </a:prstGeom>
+        </p:spPr>
+        <p:txBody>
+          <a:bodyPr wrap="none" fromWordArt="1">
+            <a:prstTxWarp prst="textDeflate">
+              <a:avLst>
+                <a:gd name="adj" fmla="val 0"/>
+              </a:avLst>
+            </a:prstTxWarp>
+          </a:bodyPr>
+          <a:lstStyle/>
+          <a:p>
+            <a:pPr algn="ctr"/>
+            <a:r>
+              <a:rPr lang="en-US" altLang="zh-CN" sz="5400" b="1" kern="10" dirty="0">
+                <a:ln w="28575">
+                  <a:solidFill>
+                    <a:srgbClr val="FFFFFF"/>
+                  </a:solidFill>
+                  <a:round/>
+                  <a:headEnd/>
+                  <a:tailEnd/>
+                </a:ln>
+                <a:gradFill rotWithShape="1">
+                  <a:gsLst>
+                    <a:gs pos="0">
+                      <a:schemeClr val="accent1"/>
+                    </a:gs>
+                    <a:gs pos="100000">
+                      <a:schemeClr val="accent2"/>
+                    </a:gs>
+                  </a:gsLst>
+                  <a:lin ang="5400000" scaled="1"/>
+                </a:gradFill>
+                <a:latin typeface="Verdana"/>
+                <a:ea typeface="Verdana"/>
+                <a:cs typeface="Verdana"/>
+              </a:rPr>
+              <a:t>Thank You !</a:t>
+            </a:r>
+            <a:endParaRPr lang="zh-CN" altLang="en-US" sz="5400" b="1" kern="10" dirty="0">
+              <a:ln w="28575">
+                <a:solidFill>
+                  <a:srgbClr val="FFFFFF"/>
+                </a:solidFill>
+                <a:round/>
+                <a:headEnd/>
+                <a:tailEnd/>
+              </a:ln>
+              <a:gradFill rotWithShape="1">
+                <a:gsLst>
+                  <a:gs pos="0">
+                    <a:schemeClr val="accent1"/>
+                  </a:gs>
+                  <a:gs pos="100000">
+                    <a:schemeClr val="accent2"/>
+                  </a:gs>
+                </a:gsLst>
+                <a:lin ang="5400000" scaled="1"/>
+              </a:gradFill>
+              <a:latin typeface="Verdana"/>
+              <a:cs typeface="Verdana"/>
+            </a:endParaRPr>
+          </a:p>
+        </p:txBody>
+      </p:sp>
+    </p:spTree>
+  </p:cSld>
+  <p:clrMapOvr>
+    <a:masterClrMapping/>
+  </p:clrMapOvr>
+  <p:timing>
+    <p:tnLst>
+      <p:par>
+        <p:cTn id="1" dur="indefinite" restart="never" nodeType="tmRoot"/>
+      </p:par>
+    </p:tnLst>
+  </p:timing>
+</p:sld>
+</file>
+
 <file path=ppt/slides/slide3.xml><?xml version="1.0" encoding="utf-8"?>
 <p:sld xmlns:a="http://schemas.openxmlformats.org/drawingml/2006/main" xmlns:r="http://schemas.openxmlformats.org/officeDocument/2006/relationships" xmlns:p="http://schemas.openxmlformats.org/presentationml/2006/main">
   <p:cSld>
@@ -8259,29 +13454,8 @@
               <a:rPr lang="zh-CN" altLang="en-US" dirty="0" smtClean="0">
                 <a:ea typeface="宋体" pitchFamily="2" charset="-122"/>
               </a:rPr>
-              <a:t>应用服</a:t>
-            </a:r>
-            <a:r>
-              <a:rPr lang="zh-CN" altLang="en-US" dirty="0" smtClean="0">
-                <a:ea typeface="宋体" pitchFamily="2" charset="-122"/>
-              </a:rPr>
-              <a:t>务</a:t>
-            </a:r>
-            <a:r>
-              <a:rPr lang="zh-CN" altLang="en-US" dirty="0" smtClean="0">
-                <a:ea typeface="宋体" pitchFamily="2" charset="-122"/>
-              </a:rPr>
-              <a:t>部</a:t>
-            </a:r>
-            <a:r>
-              <a:rPr lang="zh-CN" altLang="en-US" dirty="0" smtClean="0">
-                <a:ea typeface="宋体" pitchFamily="2" charset="-122"/>
-              </a:rPr>
-              <a:t>署设想</a:t>
-            </a:r>
-            <a:endParaRPr lang="zh-CN" altLang="en-US" dirty="0" smtClean="0">
-              <a:ea typeface="宋体" pitchFamily="2" charset="-122"/>
-            </a:endParaRPr>
+              <a:t>应用服务部署设想</a:t>
+            </a:r>
           </a:p>
         </p:txBody>
       </p:sp>
@@ -9469,7 +14643,7 @@
         <p:spPr bwMode="auto">
           <a:xfrm>
             <a:off x="990600" y="1600200"/>
-            <a:ext cx="7162800" cy="5232202"/>
+            <a:ext cx="7162800" cy="4893647"/>
           </a:xfrm>
           <a:prstGeom prst="rect">
             <a:avLst/>
@@ -9492,7 +14666,13 @@
               <a:rPr lang="zh-CN" altLang="en-US" sz="4000" b="1" dirty="0" smtClean="0">
                 <a:ea typeface="宋体" pitchFamily="2" charset="-122"/>
               </a:rPr>
-              <a:t>难点</a:t>
+              <a:t>需</a:t>
+            </a:r>
+            <a:r>
+              <a:rPr lang="zh-CN" altLang="en-US" sz="4000" b="1" dirty="0" smtClean="0">
+                <a:ea typeface="宋体" pitchFamily="2" charset="-122"/>
+              </a:rPr>
+              <a:t>要解决的问题</a:t>
             </a:r>
             <a:endParaRPr lang="en-US" altLang="zh-CN" sz="4000" b="1" dirty="0" smtClean="0">
               <a:ea typeface="宋体" pitchFamily="2" charset="-122"/>
@@ -9507,7 +14687,13 @@
               <a:rPr lang="zh-CN" altLang="en-US" dirty="0" smtClean="0">
                 <a:ea typeface="宋体" pitchFamily="2" charset="-122"/>
               </a:rPr>
-              <a:t>如何划分服务</a:t>
+              <a:t>安</a:t>
+            </a:r>
+            <a:r>
+              <a:rPr lang="zh-CN" altLang="en-US" dirty="0" smtClean="0">
+                <a:ea typeface="宋体" pitchFamily="2" charset="-122"/>
+              </a:rPr>
+              <a:t>全</a:t>
             </a:r>
             <a:endParaRPr lang="en-US" altLang="zh-CN" dirty="0" smtClean="0">
               <a:ea typeface="宋体" pitchFamily="2" charset="-122"/>
@@ -9522,7 +14708,13 @@
               <a:rPr lang="zh-CN" altLang="en-US" dirty="0" smtClean="0">
                 <a:ea typeface="宋体" pitchFamily="2" charset="-122"/>
               </a:rPr>
-              <a:t>编写公共组件</a:t>
+              <a:t>伸</a:t>
+            </a:r>
+            <a:r>
+              <a:rPr lang="zh-CN" altLang="en-US" dirty="0" smtClean="0">
+                <a:ea typeface="宋体" pitchFamily="2" charset="-122"/>
+              </a:rPr>
+              <a:t>缩性</a:t>
             </a:r>
             <a:endParaRPr lang="en-US" altLang="zh-CN" dirty="0" smtClean="0">
               <a:ea typeface="宋体" pitchFamily="2" charset="-122"/>
@@ -9537,7 +14729,13 @@
               <a:rPr lang="zh-CN" altLang="en-US" dirty="0" smtClean="0">
                 <a:ea typeface="宋体" pitchFamily="2" charset="-122"/>
               </a:rPr>
-              <a:t>考虑安全</a:t>
+              <a:t>扩</a:t>
+            </a:r>
+            <a:r>
+              <a:rPr lang="zh-CN" altLang="en-US" dirty="0" smtClean="0">
+                <a:ea typeface="宋体" pitchFamily="2" charset="-122"/>
+              </a:rPr>
+              <a:t>展性</a:t>
             </a:r>
             <a:endParaRPr lang="en-US" altLang="zh-CN" dirty="0" smtClean="0">
               <a:ea typeface="宋体" pitchFamily="2" charset="-122"/>
@@ -9552,7 +14750,19 @@
               <a:rPr lang="zh-CN" altLang="en-US" dirty="0" smtClean="0">
                 <a:ea typeface="宋体" pitchFamily="2" charset="-122"/>
               </a:rPr>
-              <a:t>考虑伸缩性</a:t>
+              <a:t>可</a:t>
+            </a:r>
+            <a:r>
+              <a:rPr lang="zh-CN" altLang="en-US" dirty="0" smtClean="0">
+                <a:ea typeface="宋体" pitchFamily="2" charset="-122"/>
+              </a:rPr>
+              <a:t>维</a:t>
+            </a:r>
+            <a:r>
+              <a:rPr lang="zh-CN" altLang="en-US" dirty="0" smtClean="0">
+                <a:ea typeface="宋体" pitchFamily="2" charset="-122"/>
+              </a:rPr>
+              <a:t>护性</a:t>
             </a:r>
             <a:endParaRPr lang="en-US" altLang="zh-CN" dirty="0" smtClean="0">
               <a:ea typeface="宋体" pitchFamily="2" charset="-122"/>
@@ -9567,7 +14777,13 @@
               <a:rPr lang="zh-CN" altLang="en-US" dirty="0" smtClean="0">
                 <a:ea typeface="宋体" pitchFamily="2" charset="-122"/>
               </a:rPr>
-              <a:t>考虑扩展性</a:t>
+              <a:t>高可</a:t>
+            </a:r>
+            <a:r>
+              <a:rPr lang="zh-CN" altLang="en-US" dirty="0" smtClean="0">
+                <a:ea typeface="宋体" pitchFamily="2" charset="-122"/>
+              </a:rPr>
+              <a:t>用</a:t>
             </a:r>
             <a:endParaRPr lang="en-US" altLang="zh-CN" dirty="0" smtClean="0">
               <a:ea typeface="宋体" pitchFamily="2" charset="-122"/>
@@ -9582,39 +14798,20 @@
               <a:rPr lang="zh-CN" altLang="en-US" dirty="0" smtClean="0">
                 <a:ea typeface="宋体" pitchFamily="2" charset="-122"/>
               </a:rPr>
-              <a:t>考虑维护性</a:t>
+              <a:t>抽</a:t>
+            </a:r>
+            <a:r>
+              <a:rPr lang="zh-CN" altLang="en-US" dirty="0" smtClean="0">
+                <a:ea typeface="宋体" pitchFamily="2" charset="-122"/>
+              </a:rPr>
+              <a:t>象公共组件</a:t>
             </a:r>
             <a:endParaRPr lang="en-US" altLang="zh-CN" dirty="0" smtClean="0">
               <a:ea typeface="宋体" pitchFamily="2" charset="-122"/>
             </a:endParaRPr>
           </a:p>
           <a:p>
-            <a:pPr>
-              <a:buFont typeface="Wingdings" pitchFamily="2" charset="2"/>
-              <a:buChar char="l"/>
-            </a:pPr>
-            <a:r>
-              <a:rPr lang="zh-CN" altLang="en-US" dirty="0" smtClean="0">
-                <a:ea typeface="宋体" pitchFamily="2" charset="-122"/>
-              </a:rPr>
-              <a:t>考虑性能</a:t>
-            </a:r>
-            <a:endParaRPr lang="en-US" altLang="zh-CN" dirty="0" smtClean="0">
-              <a:ea typeface="宋体" pitchFamily="2" charset="-122"/>
-            </a:endParaRPr>
-          </a:p>
-          <a:p>
-            <a:pPr>
-              <a:buFont typeface="Wingdings" pitchFamily="2" charset="2"/>
-              <a:buChar char="l"/>
-            </a:pPr>
-            <a:r>
-              <a:rPr lang="zh-CN" altLang="en-US" dirty="0" smtClean="0">
-                <a:ea typeface="宋体" pitchFamily="2" charset="-122"/>
-              </a:rPr>
-              <a:t>不同人员对数据访问的控制和对系统功能访问的控制</a:t>
-            </a:r>
-            <a:endParaRPr lang="en-US" altLang="zh-CN" dirty="0" smtClean="0">
+            <a:endParaRPr lang="en-US" altLang="zh-CN" sz="1400" dirty="0" smtClean="0">
               <a:ea typeface="宋体" pitchFamily="2" charset="-122"/>
             </a:endParaRPr>
           </a:p>
@@ -9782,13 +14979,11 @@
       </p:sp>
       <p:pic>
         <p:nvPicPr>
-          <p:cNvPr id="5" name="内容占位符 4" descr="数据库架构.png"/>
+          <p:cNvPr id="7" name="图片 6" descr="7KN}LRS22UVT]P3$B@718QD.png"/>
           <p:cNvPicPr>
-            <a:picLocks noGrp="1" noChangeAspect="1"/>
+            <a:picLocks noChangeAspect="1"/>
           </p:cNvPicPr>
-          <p:nvPr>
-            <p:ph idx="1"/>
-          </p:nvPr>
+          <p:nvPr/>
         </p:nvPicPr>
         <p:blipFill>
           <a:blip r:embed="rId2" cstate="print"/>
@@ -9801,6 +14996,9 @@
             <a:off x="0" y="1143060"/>
             <a:ext cx="9144000" cy="5714940"/>
           </a:xfrm>
+          <a:prstGeom prst="rect">
+            <a:avLst/>
+          </a:prstGeom>
         </p:spPr>
       </p:pic>
     </p:spTree>
@@ -9867,7 +15065,7 @@
               <a:rPr lang="zh-CN" altLang="en-US" sz="3600" dirty="0" smtClean="0">
                 <a:ea typeface="宋体" pitchFamily="2" charset="-122"/>
               </a:rPr>
-              <a:t>数据库架构实现</a:t>
+              <a:t>最简单的数据库架构</a:t>
             </a:r>
             <a:endParaRPr lang="en-US" altLang="zh-CN" sz="2000" dirty="0" smtClean="0">
               <a:ea typeface="宋体" pitchFamily="2" charset="-122"/>
@@ -10962,8 +16160,8 @@
         </p:nvSpPr>
         <p:spPr bwMode="auto">
           <a:xfrm>
-            <a:off x="990600" y="1600200"/>
-            <a:ext cx="7162800" cy="3724096"/>
+            <a:off x="990600" y="1444587"/>
+            <a:ext cx="7162800" cy="2185214"/>
           </a:xfrm>
           <a:prstGeom prst="rect">
             <a:avLst/>
@@ -10986,7 +16184,7 @@
               <a:rPr lang="zh-CN" altLang="en-US" sz="4000" b="1" dirty="0" smtClean="0">
                 <a:ea typeface="宋体" pitchFamily="2" charset="-122"/>
               </a:rPr>
-              <a:t>难点</a:t>
+              <a:t>优点</a:t>
             </a:r>
             <a:endParaRPr lang="en-US" altLang="zh-CN" sz="4000" b="1" dirty="0" smtClean="0">
               <a:ea typeface="宋体" pitchFamily="2" charset="-122"/>
@@ -10994,87 +16192,17 @@
           </a:p>
           <a:p>
             <a:pPr>
-              <a:buFont typeface="Wingdings" pitchFamily="2" charset="2"/>
-              <a:buChar char="l"/>
+              <a:lnSpc>
+                <a:spcPct val="150000"/>
+              </a:lnSpc>
             </a:pPr>
             <a:r>
               <a:rPr lang="zh-CN" altLang="en-US" dirty="0" smtClean="0">
                 <a:ea typeface="宋体" pitchFamily="2" charset="-122"/>
               </a:rPr>
-              <a:t>数据库的如何分离存储</a:t>
-            </a:r>
-            <a:endParaRPr lang="en-US" altLang="zh-CN" dirty="0" smtClean="0">
-              <a:ea typeface="宋体" pitchFamily="2" charset="-122"/>
-            </a:endParaRPr>
-          </a:p>
-          <a:p>
-            <a:pPr>
-              <a:buFont typeface="Wingdings" pitchFamily="2" charset="2"/>
-              <a:buChar char="l"/>
-            </a:pPr>
-            <a:r>
-              <a:rPr lang="zh-CN" altLang="en-US" dirty="0" smtClean="0">
-                <a:ea typeface="宋体" pitchFamily="2" charset="-122"/>
-              </a:rPr>
-              <a:t>考虑维护性</a:t>
-            </a:r>
-            <a:endParaRPr lang="en-US" altLang="zh-CN" dirty="0" smtClean="0">
-              <a:ea typeface="宋体" pitchFamily="2" charset="-122"/>
-            </a:endParaRPr>
-          </a:p>
-          <a:p>
-            <a:pPr>
-              <a:buFont typeface="Wingdings" pitchFamily="2" charset="2"/>
-              <a:buChar char="l"/>
-            </a:pPr>
-            <a:r>
-              <a:rPr lang="zh-CN" altLang="en-US" dirty="0" smtClean="0">
-                <a:ea typeface="宋体" pitchFamily="2" charset="-122"/>
-              </a:rPr>
-              <a:t>考虑性能</a:t>
-            </a:r>
-            <a:endParaRPr lang="en-US" altLang="zh-CN" dirty="0" smtClean="0">
-              <a:ea typeface="宋体" pitchFamily="2" charset="-122"/>
-            </a:endParaRPr>
-          </a:p>
-          <a:p>
+              <a:t>只有一个数据库，后期对于表结构的维护非常方便，后期表数据量达到一定量后采用分表解决效率问题。</a:t>
+            </a:r>
             <a:endParaRPr lang="en-US" altLang="zh-CN" sz="1400" dirty="0" smtClean="0">
-              <a:ea typeface="宋体" pitchFamily="2" charset="-122"/>
-            </a:endParaRPr>
-          </a:p>
-          <a:p>
-            <a:endParaRPr lang="en-US" altLang="zh-CN" sz="1400" dirty="0" smtClean="0">
-              <a:ea typeface="宋体" pitchFamily="2" charset="-122"/>
-            </a:endParaRPr>
-          </a:p>
-          <a:p>
-            <a:endParaRPr lang="en-US" altLang="zh-CN" sz="1400" dirty="0" smtClean="0">
-              <a:ea typeface="宋体" pitchFamily="2" charset="-122"/>
-            </a:endParaRPr>
-          </a:p>
-          <a:p>
-            <a:r>
-              <a:rPr lang="zh-CN" altLang="en-US" sz="4000" b="1" dirty="0" smtClean="0">
-                <a:ea typeface="宋体" pitchFamily="2" charset="-122"/>
-              </a:rPr>
-              <a:t>后期</a:t>
-            </a:r>
-            <a:endParaRPr lang="en-US" altLang="zh-CN" sz="4000" b="1" dirty="0">
-              <a:ea typeface="宋体" pitchFamily="2" charset="-122"/>
-            </a:endParaRPr>
-          </a:p>
-          <a:p>
-            <a:pPr>
-              <a:buFont typeface="Wingdings" pitchFamily="2" charset="2"/>
-              <a:buChar char="l"/>
-            </a:pPr>
-            <a:r>
-              <a:rPr lang="zh-CN" altLang="en-US" dirty="0" smtClean="0">
-                <a:ea typeface="宋体" pitchFamily="2" charset="-122"/>
-              </a:rPr>
-              <a:t>后期根据数据量大小采取分库分表</a:t>
-            </a:r>
-            <a:endParaRPr lang="en-US" altLang="zh-CN" dirty="0" smtClean="0">
               <a:ea typeface="宋体" pitchFamily="2" charset="-122"/>
             </a:endParaRPr>
           </a:p>
@@ -11138,7 +16266,7 @@
       </p:grpSpPr>
       <p:sp>
         <p:nvSpPr>
-          <p:cNvPr id="5122" name="Rectangle 2"/>
+          <p:cNvPr id="8194" name="Rectangle 2"/>
           <p:cNvSpPr>
             <a:spLocks noGrp="1" noChangeArrowheads="1"/>
           </p:cNvSpPr>
@@ -11153,45 +16281,41 @@
           <a:p>
             <a:pPr eaLnBrk="1" hangingPunct="1"/>
             <a:r>
-              <a:rPr lang="zh-CN" altLang="en-US" dirty="0" smtClean="0">
+              <a:rPr lang="zh-CN" altLang="en-US" sz="3600" dirty="0" smtClean="0">
                 <a:ea typeface="宋体" pitchFamily="2" charset="-122"/>
               </a:rPr>
               <a:t>智慧社区</a:t>
             </a:r>
             <a:r>
-              <a:rPr lang="en-US" altLang="zh-CN" dirty="0" smtClean="0">
+              <a:rPr lang="en-US" altLang="zh-CN" sz="3600" dirty="0" smtClean="0">
                 <a:ea typeface="宋体" pitchFamily="2" charset="-122"/>
               </a:rPr>
               <a:t>-</a:t>
             </a:r>
             <a:r>
-              <a:rPr lang="zh-CN" altLang="en-US" dirty="0" smtClean="0">
-                <a:ea typeface="宋体" pitchFamily="2" charset="-122"/>
-              </a:rPr>
-              <a:t>前端架构</a:t>
-            </a:r>
+              <a:rPr lang="zh-CN" altLang="en-US" sz="3600" dirty="0" smtClean="0">
+                <a:ea typeface="宋体" pitchFamily="2" charset="-122"/>
+              </a:rPr>
+              <a:t>最简单的数据库架构</a:t>
+            </a:r>
+            <a:endParaRPr lang="en-US" altLang="zh-CN" sz="2000" dirty="0" smtClean="0">
+              <a:ea typeface="宋体" pitchFamily="2" charset="-122"/>
+            </a:endParaRPr>
           </a:p>
         </p:txBody>
       </p:sp>
-      <p:pic>
-        <p:nvPicPr>
-          <p:cNvPr id="23554" name="Picture 2"/>
-          <p:cNvPicPr>
-            <a:picLocks noChangeAspect="1" noChangeArrowheads="1"/>
-          </p:cNvPicPr>
+      <p:sp>
+        <p:nvSpPr>
+          <p:cNvPr id="8195" name="Text Box 13"/>
+          <p:cNvSpPr txBox="1">
+            <a:spLocks noChangeArrowheads="1"/>
+          </p:cNvSpPr>
           <p:nvPr/>
-        </p:nvPicPr>
-        <p:blipFill>
-          <a:blip r:embed="rId2" cstate="print"/>
-          <a:srcRect/>
-          <a:stretch>
-            <a:fillRect/>
-          </a:stretch>
-        </p:blipFill>
+        </p:nvSpPr>
         <p:spPr bwMode="auto">
           <a:xfrm>
-            <a:off x="0" y="1162050"/>
-            <a:ext cx="9144000" cy="5695950"/>
+            <a:off x="914400" y="2943225"/>
+            <a:ext cx="1752600" cy="942975"/>
           </a:xfrm>
           <a:prstGeom prst="rect">
             <a:avLst/>
@@ -11204,7 +16328,780 @@
             <a:tailEnd/>
           </a:ln>
         </p:spPr>
-      </p:pic>
+        <p:txBody>
+          <a:bodyPr>
+            <a:spAutoFit/>
+          </a:bodyPr>
+          <a:lstStyle/>
+          <a:p>
+            <a:pPr marL="120650" indent="-120650">
+              <a:spcBef>
+                <a:spcPct val="50000"/>
+              </a:spcBef>
+              <a:buFont typeface="Arial" charset="0"/>
+              <a:buChar char="•"/>
+            </a:pPr>
+            <a:r>
+              <a:rPr lang="en-US" altLang="zh-CN" sz="1400">
+                <a:solidFill>
+                  <a:srgbClr val="FFFFFF"/>
+                </a:solidFill>
+                <a:ea typeface="宋体" pitchFamily="2" charset="-122"/>
+              </a:rPr>
+              <a:t>Click to add Text</a:t>
+            </a:r>
+          </a:p>
+          <a:p>
+            <a:pPr marL="120650" indent="-120650">
+              <a:spcBef>
+                <a:spcPct val="50000"/>
+              </a:spcBef>
+              <a:buFont typeface="Arial" charset="0"/>
+              <a:buChar char="•"/>
+            </a:pPr>
+            <a:r>
+              <a:rPr lang="en-US" altLang="zh-CN" sz="1400">
+                <a:solidFill>
+                  <a:srgbClr val="FFFFFF"/>
+                </a:solidFill>
+                <a:ea typeface="宋体" pitchFamily="2" charset="-122"/>
+              </a:rPr>
+              <a:t>Click to add Text</a:t>
+            </a:r>
+          </a:p>
+          <a:p>
+            <a:pPr marL="120650" indent="-120650">
+              <a:spcBef>
+                <a:spcPct val="50000"/>
+              </a:spcBef>
+              <a:buFont typeface="Arial" charset="0"/>
+              <a:buChar char="•"/>
+            </a:pPr>
+            <a:r>
+              <a:rPr lang="en-US" altLang="zh-CN" sz="1400">
+                <a:solidFill>
+                  <a:srgbClr val="FFFFFF"/>
+                </a:solidFill>
+                <a:ea typeface="宋体" pitchFamily="2" charset="-122"/>
+              </a:rPr>
+              <a:t>Click to add Text</a:t>
+            </a:r>
+          </a:p>
+        </p:txBody>
+      </p:sp>
+      <p:sp>
+        <p:nvSpPr>
+          <p:cNvPr id="8196" name="Text Box 14"/>
+          <p:cNvSpPr txBox="1">
+            <a:spLocks noChangeArrowheads="1"/>
+          </p:cNvSpPr>
+          <p:nvPr/>
+        </p:nvSpPr>
+        <p:spPr bwMode="auto">
+          <a:xfrm>
+            <a:off x="3657600" y="2943225"/>
+            <a:ext cx="1752600" cy="942975"/>
+          </a:xfrm>
+          <a:prstGeom prst="rect">
+            <a:avLst/>
+          </a:prstGeom>
+          <a:noFill/>
+          <a:ln w="9525">
+            <a:noFill/>
+            <a:miter lim="800000"/>
+            <a:headEnd/>
+            <a:tailEnd/>
+          </a:ln>
+        </p:spPr>
+        <p:txBody>
+          <a:bodyPr>
+            <a:spAutoFit/>
+          </a:bodyPr>
+          <a:lstStyle/>
+          <a:p>
+            <a:pPr marL="120650" indent="-120650">
+              <a:spcBef>
+                <a:spcPct val="50000"/>
+              </a:spcBef>
+              <a:buFont typeface="Arial" charset="0"/>
+              <a:buChar char="•"/>
+            </a:pPr>
+            <a:r>
+              <a:rPr lang="en-US" altLang="zh-CN" sz="1400">
+                <a:solidFill>
+                  <a:srgbClr val="FFFFFF"/>
+                </a:solidFill>
+                <a:ea typeface="宋体" pitchFamily="2" charset="-122"/>
+              </a:rPr>
+              <a:t>Click to add Text</a:t>
+            </a:r>
+          </a:p>
+          <a:p>
+            <a:pPr marL="120650" indent="-120650">
+              <a:spcBef>
+                <a:spcPct val="50000"/>
+              </a:spcBef>
+              <a:buFont typeface="Arial" charset="0"/>
+              <a:buChar char="•"/>
+            </a:pPr>
+            <a:r>
+              <a:rPr lang="en-US" altLang="zh-CN" sz="1400">
+                <a:solidFill>
+                  <a:srgbClr val="FFFFFF"/>
+                </a:solidFill>
+                <a:ea typeface="宋体" pitchFamily="2" charset="-122"/>
+              </a:rPr>
+              <a:t>Click to add Text</a:t>
+            </a:r>
+          </a:p>
+          <a:p>
+            <a:pPr marL="120650" indent="-120650">
+              <a:spcBef>
+                <a:spcPct val="50000"/>
+              </a:spcBef>
+              <a:buFont typeface="Arial" charset="0"/>
+              <a:buChar char="•"/>
+            </a:pPr>
+            <a:r>
+              <a:rPr lang="en-US" altLang="zh-CN" sz="1400">
+                <a:solidFill>
+                  <a:srgbClr val="FFFFFF"/>
+                </a:solidFill>
+                <a:ea typeface="宋体" pitchFamily="2" charset="-122"/>
+              </a:rPr>
+              <a:t>Click to add Text</a:t>
+            </a:r>
+          </a:p>
+        </p:txBody>
+      </p:sp>
+      <p:sp>
+        <p:nvSpPr>
+          <p:cNvPr id="8197" name="Text Box 15"/>
+          <p:cNvSpPr txBox="1">
+            <a:spLocks noChangeArrowheads="1"/>
+          </p:cNvSpPr>
+          <p:nvPr/>
+        </p:nvSpPr>
+        <p:spPr bwMode="auto">
+          <a:xfrm>
+            <a:off x="6477000" y="2943225"/>
+            <a:ext cx="1752600" cy="942975"/>
+          </a:xfrm>
+          <a:prstGeom prst="rect">
+            <a:avLst/>
+          </a:prstGeom>
+          <a:noFill/>
+          <a:ln w="9525">
+            <a:noFill/>
+            <a:miter lim="800000"/>
+            <a:headEnd/>
+            <a:tailEnd/>
+          </a:ln>
+        </p:spPr>
+        <p:txBody>
+          <a:bodyPr>
+            <a:spAutoFit/>
+          </a:bodyPr>
+          <a:lstStyle/>
+          <a:p>
+            <a:pPr marL="120650" indent="-120650">
+              <a:spcBef>
+                <a:spcPct val="50000"/>
+              </a:spcBef>
+              <a:buFont typeface="Arial" charset="0"/>
+              <a:buChar char="•"/>
+            </a:pPr>
+            <a:r>
+              <a:rPr lang="en-US" altLang="zh-CN" sz="1400">
+                <a:solidFill>
+                  <a:srgbClr val="FFFFFF"/>
+                </a:solidFill>
+                <a:ea typeface="宋体" pitchFamily="2" charset="-122"/>
+              </a:rPr>
+              <a:t>Click to add Text</a:t>
+            </a:r>
+          </a:p>
+          <a:p>
+            <a:pPr marL="120650" indent="-120650">
+              <a:spcBef>
+                <a:spcPct val="50000"/>
+              </a:spcBef>
+              <a:buFont typeface="Arial" charset="0"/>
+              <a:buChar char="•"/>
+            </a:pPr>
+            <a:r>
+              <a:rPr lang="en-US" altLang="zh-CN" sz="1400">
+                <a:solidFill>
+                  <a:srgbClr val="FFFFFF"/>
+                </a:solidFill>
+                <a:ea typeface="宋体" pitchFamily="2" charset="-122"/>
+              </a:rPr>
+              <a:t>Click to add Text</a:t>
+            </a:r>
+          </a:p>
+          <a:p>
+            <a:pPr marL="120650" indent="-120650">
+              <a:spcBef>
+                <a:spcPct val="50000"/>
+              </a:spcBef>
+              <a:buFont typeface="Arial" charset="0"/>
+              <a:buChar char="•"/>
+            </a:pPr>
+            <a:r>
+              <a:rPr lang="en-US" altLang="zh-CN" sz="1400">
+                <a:solidFill>
+                  <a:srgbClr val="FFFFFF"/>
+                </a:solidFill>
+                <a:ea typeface="宋体" pitchFamily="2" charset="-122"/>
+              </a:rPr>
+              <a:t>Click to add Text</a:t>
+            </a:r>
+          </a:p>
+        </p:txBody>
+      </p:sp>
+      <p:grpSp>
+        <p:nvGrpSpPr>
+          <p:cNvPr id="5" name="Group 29"/>
+          <p:cNvGrpSpPr>
+            <a:grpSpLocks/>
+          </p:cNvGrpSpPr>
+          <p:nvPr/>
+        </p:nvGrpSpPr>
+        <p:grpSpPr bwMode="auto">
+          <a:xfrm>
+            <a:off x="5715000" y="3810000"/>
+            <a:ext cx="504825" cy="496888"/>
+            <a:chOff x="0" y="0"/>
+            <a:chExt cx="240" cy="240"/>
+          </a:xfrm>
+        </p:grpSpPr>
+        <p:grpSp>
+          <p:nvGrpSpPr>
+            <p:cNvPr id="6" name="Group 30"/>
+            <p:cNvGrpSpPr>
+              <a:grpSpLocks/>
+            </p:cNvGrpSpPr>
+            <p:nvPr/>
+          </p:nvGrpSpPr>
+          <p:grpSpPr bwMode="auto">
+            <a:xfrm>
+              <a:off x="96" y="0"/>
+              <a:ext cx="144" cy="240"/>
+              <a:chOff x="0" y="0"/>
+              <a:chExt cx="144" cy="240"/>
+            </a:xfrm>
+          </p:grpSpPr>
+          <p:sp>
+            <p:nvSpPr>
+              <p:cNvPr id="8208" name="Oval 31"/>
+              <p:cNvSpPr>
+                <a:spLocks noChangeArrowheads="1"/>
+              </p:cNvSpPr>
+              <p:nvPr/>
+            </p:nvSpPr>
+            <p:spPr bwMode="auto">
+              <a:xfrm>
+                <a:off x="0" y="0"/>
+                <a:ext cx="48" cy="48"/>
+              </a:xfrm>
+              <a:prstGeom prst="ellipse">
+                <a:avLst/>
+              </a:prstGeom>
+              <a:solidFill>
+                <a:schemeClr val="bg1"/>
+              </a:solidFill>
+              <a:ln w="9525">
+                <a:noFill/>
+                <a:round/>
+                <a:headEnd/>
+                <a:tailEnd/>
+              </a:ln>
+            </p:spPr>
+            <p:txBody>
+              <a:bodyPr wrap="none" anchor="ctr"/>
+              <a:lstStyle/>
+              <a:p>
+                <a:endParaRPr lang="zh-CN" altLang="en-US">
+                  <a:ea typeface="宋体" pitchFamily="2" charset="-122"/>
+                </a:endParaRPr>
+              </a:p>
+            </p:txBody>
+          </p:sp>
+          <p:sp>
+            <p:nvSpPr>
+              <p:cNvPr id="8209" name="Oval 32"/>
+              <p:cNvSpPr>
+                <a:spLocks noChangeArrowheads="1"/>
+              </p:cNvSpPr>
+              <p:nvPr/>
+            </p:nvSpPr>
+            <p:spPr bwMode="auto">
+              <a:xfrm>
+                <a:off x="48" y="48"/>
+                <a:ext cx="48" cy="48"/>
+              </a:xfrm>
+              <a:prstGeom prst="ellipse">
+                <a:avLst/>
+              </a:prstGeom>
+              <a:solidFill>
+                <a:schemeClr val="bg1"/>
+              </a:solidFill>
+              <a:ln w="9525">
+                <a:noFill/>
+                <a:round/>
+                <a:headEnd/>
+                <a:tailEnd/>
+              </a:ln>
+            </p:spPr>
+            <p:txBody>
+              <a:bodyPr wrap="none" anchor="ctr"/>
+              <a:lstStyle/>
+              <a:p>
+                <a:endParaRPr lang="zh-CN" altLang="en-US">
+                  <a:ea typeface="宋体" pitchFamily="2" charset="-122"/>
+                </a:endParaRPr>
+              </a:p>
+            </p:txBody>
+          </p:sp>
+          <p:sp>
+            <p:nvSpPr>
+              <p:cNvPr id="8210" name="Oval 33"/>
+              <p:cNvSpPr>
+                <a:spLocks noChangeArrowheads="1"/>
+              </p:cNvSpPr>
+              <p:nvPr/>
+            </p:nvSpPr>
+            <p:spPr bwMode="auto">
+              <a:xfrm>
+                <a:off x="96" y="96"/>
+                <a:ext cx="48" cy="48"/>
+              </a:xfrm>
+              <a:prstGeom prst="ellipse">
+                <a:avLst/>
+              </a:prstGeom>
+              <a:solidFill>
+                <a:schemeClr val="bg1"/>
+              </a:solidFill>
+              <a:ln w="9525">
+                <a:noFill/>
+                <a:round/>
+                <a:headEnd/>
+                <a:tailEnd/>
+              </a:ln>
+            </p:spPr>
+            <p:txBody>
+              <a:bodyPr wrap="none" anchor="ctr"/>
+              <a:lstStyle/>
+              <a:p>
+                <a:endParaRPr lang="zh-CN" altLang="en-US">
+                  <a:ea typeface="宋体" pitchFamily="2" charset="-122"/>
+                </a:endParaRPr>
+              </a:p>
+            </p:txBody>
+          </p:sp>
+          <p:sp>
+            <p:nvSpPr>
+              <p:cNvPr id="8211" name="Oval 34"/>
+              <p:cNvSpPr>
+                <a:spLocks noChangeArrowheads="1"/>
+              </p:cNvSpPr>
+              <p:nvPr/>
+            </p:nvSpPr>
+            <p:spPr bwMode="auto">
+              <a:xfrm>
+                <a:off x="48" y="144"/>
+                <a:ext cx="48" cy="48"/>
+              </a:xfrm>
+              <a:prstGeom prst="ellipse">
+                <a:avLst/>
+              </a:prstGeom>
+              <a:solidFill>
+                <a:schemeClr val="bg1"/>
+              </a:solidFill>
+              <a:ln w="9525">
+                <a:noFill/>
+                <a:round/>
+                <a:headEnd/>
+                <a:tailEnd/>
+              </a:ln>
+            </p:spPr>
+            <p:txBody>
+              <a:bodyPr wrap="none" anchor="ctr"/>
+              <a:lstStyle/>
+              <a:p>
+                <a:endParaRPr lang="zh-CN" altLang="en-US">
+                  <a:ea typeface="宋体" pitchFamily="2" charset="-122"/>
+                </a:endParaRPr>
+              </a:p>
+            </p:txBody>
+          </p:sp>
+          <p:sp>
+            <p:nvSpPr>
+              <p:cNvPr id="8212" name="Oval 35"/>
+              <p:cNvSpPr>
+                <a:spLocks noChangeArrowheads="1"/>
+              </p:cNvSpPr>
+              <p:nvPr/>
+            </p:nvSpPr>
+            <p:spPr bwMode="auto">
+              <a:xfrm>
+                <a:off x="0" y="192"/>
+                <a:ext cx="48" cy="48"/>
+              </a:xfrm>
+              <a:prstGeom prst="ellipse">
+                <a:avLst/>
+              </a:prstGeom>
+              <a:solidFill>
+                <a:schemeClr val="bg1"/>
+              </a:solidFill>
+              <a:ln w="9525">
+                <a:noFill/>
+                <a:round/>
+                <a:headEnd/>
+                <a:tailEnd/>
+              </a:ln>
+            </p:spPr>
+            <p:txBody>
+              <a:bodyPr wrap="none" anchor="ctr"/>
+              <a:lstStyle/>
+              <a:p>
+                <a:endParaRPr lang="zh-CN" altLang="en-US">
+                  <a:ea typeface="宋体" pitchFamily="2" charset="-122"/>
+                </a:endParaRPr>
+              </a:p>
+            </p:txBody>
+          </p:sp>
+        </p:grpSp>
+        <p:grpSp>
+          <p:nvGrpSpPr>
+            <p:cNvPr id="7" name="Group 36"/>
+            <p:cNvGrpSpPr>
+              <a:grpSpLocks/>
+            </p:cNvGrpSpPr>
+            <p:nvPr/>
+          </p:nvGrpSpPr>
+          <p:grpSpPr bwMode="auto">
+            <a:xfrm>
+              <a:off x="0" y="0"/>
+              <a:ext cx="144" cy="240"/>
+              <a:chOff x="0" y="0"/>
+              <a:chExt cx="144" cy="240"/>
+            </a:xfrm>
+          </p:grpSpPr>
+          <p:sp>
+            <p:nvSpPr>
+              <p:cNvPr id="8203" name="Oval 37"/>
+              <p:cNvSpPr>
+                <a:spLocks noChangeArrowheads="1"/>
+              </p:cNvSpPr>
+              <p:nvPr/>
+            </p:nvSpPr>
+            <p:spPr bwMode="auto">
+              <a:xfrm>
+                <a:off x="0" y="0"/>
+                <a:ext cx="48" cy="48"/>
+              </a:xfrm>
+              <a:prstGeom prst="ellipse">
+                <a:avLst/>
+              </a:prstGeom>
+              <a:solidFill>
+                <a:schemeClr val="bg1"/>
+              </a:solidFill>
+              <a:ln w="9525">
+                <a:noFill/>
+                <a:round/>
+                <a:headEnd/>
+                <a:tailEnd/>
+              </a:ln>
+            </p:spPr>
+            <p:txBody>
+              <a:bodyPr wrap="none" anchor="ctr"/>
+              <a:lstStyle/>
+              <a:p>
+                <a:endParaRPr lang="zh-CN" altLang="en-US">
+                  <a:ea typeface="宋体" pitchFamily="2" charset="-122"/>
+                </a:endParaRPr>
+              </a:p>
+            </p:txBody>
+          </p:sp>
+          <p:sp>
+            <p:nvSpPr>
+              <p:cNvPr id="8204" name="Oval 38"/>
+              <p:cNvSpPr>
+                <a:spLocks noChangeArrowheads="1"/>
+              </p:cNvSpPr>
+              <p:nvPr/>
+            </p:nvSpPr>
+            <p:spPr bwMode="auto">
+              <a:xfrm>
+                <a:off x="48" y="48"/>
+                <a:ext cx="48" cy="48"/>
+              </a:xfrm>
+              <a:prstGeom prst="ellipse">
+                <a:avLst/>
+              </a:prstGeom>
+              <a:solidFill>
+                <a:schemeClr val="bg1"/>
+              </a:solidFill>
+              <a:ln w="9525">
+                <a:noFill/>
+                <a:round/>
+                <a:headEnd/>
+                <a:tailEnd/>
+              </a:ln>
+            </p:spPr>
+            <p:txBody>
+              <a:bodyPr wrap="none" anchor="ctr"/>
+              <a:lstStyle/>
+              <a:p>
+                <a:endParaRPr lang="zh-CN" altLang="en-US">
+                  <a:ea typeface="宋体" pitchFamily="2" charset="-122"/>
+                </a:endParaRPr>
+              </a:p>
+            </p:txBody>
+          </p:sp>
+          <p:sp>
+            <p:nvSpPr>
+              <p:cNvPr id="8205" name="Oval 39"/>
+              <p:cNvSpPr>
+                <a:spLocks noChangeArrowheads="1"/>
+              </p:cNvSpPr>
+              <p:nvPr/>
+            </p:nvSpPr>
+            <p:spPr bwMode="auto">
+              <a:xfrm>
+                <a:off x="96" y="96"/>
+                <a:ext cx="48" cy="48"/>
+              </a:xfrm>
+              <a:prstGeom prst="ellipse">
+                <a:avLst/>
+              </a:prstGeom>
+              <a:solidFill>
+                <a:schemeClr val="bg1"/>
+              </a:solidFill>
+              <a:ln w="9525">
+                <a:noFill/>
+                <a:round/>
+                <a:headEnd/>
+                <a:tailEnd/>
+              </a:ln>
+            </p:spPr>
+            <p:txBody>
+              <a:bodyPr wrap="none" anchor="ctr"/>
+              <a:lstStyle/>
+              <a:p>
+                <a:endParaRPr lang="zh-CN" altLang="en-US">
+                  <a:ea typeface="宋体" pitchFamily="2" charset="-122"/>
+                </a:endParaRPr>
+              </a:p>
+            </p:txBody>
+          </p:sp>
+          <p:sp>
+            <p:nvSpPr>
+              <p:cNvPr id="8206" name="Oval 40"/>
+              <p:cNvSpPr>
+                <a:spLocks noChangeArrowheads="1"/>
+              </p:cNvSpPr>
+              <p:nvPr/>
+            </p:nvSpPr>
+            <p:spPr bwMode="auto">
+              <a:xfrm>
+                <a:off x="48" y="144"/>
+                <a:ext cx="48" cy="48"/>
+              </a:xfrm>
+              <a:prstGeom prst="ellipse">
+                <a:avLst/>
+              </a:prstGeom>
+              <a:solidFill>
+                <a:schemeClr val="bg1"/>
+              </a:solidFill>
+              <a:ln w="9525">
+                <a:noFill/>
+                <a:round/>
+                <a:headEnd/>
+                <a:tailEnd/>
+              </a:ln>
+            </p:spPr>
+            <p:txBody>
+              <a:bodyPr wrap="none" anchor="ctr"/>
+              <a:lstStyle/>
+              <a:p>
+                <a:endParaRPr lang="zh-CN" altLang="en-US">
+                  <a:ea typeface="宋体" pitchFamily="2" charset="-122"/>
+                </a:endParaRPr>
+              </a:p>
+            </p:txBody>
+          </p:sp>
+          <p:sp>
+            <p:nvSpPr>
+              <p:cNvPr id="8207" name="Oval 41"/>
+              <p:cNvSpPr>
+                <a:spLocks noChangeArrowheads="1"/>
+              </p:cNvSpPr>
+              <p:nvPr/>
+            </p:nvSpPr>
+            <p:spPr bwMode="auto">
+              <a:xfrm>
+                <a:off x="0" y="192"/>
+                <a:ext cx="48" cy="48"/>
+              </a:xfrm>
+              <a:prstGeom prst="ellipse">
+                <a:avLst/>
+              </a:prstGeom>
+              <a:solidFill>
+                <a:schemeClr val="bg1"/>
+              </a:solidFill>
+              <a:ln w="9525">
+                <a:noFill/>
+                <a:round/>
+                <a:headEnd/>
+                <a:tailEnd/>
+              </a:ln>
+            </p:spPr>
+            <p:txBody>
+              <a:bodyPr wrap="none" anchor="ctr"/>
+              <a:lstStyle/>
+              <a:p>
+                <a:endParaRPr lang="zh-CN" altLang="en-US">
+                  <a:ea typeface="宋体" pitchFamily="2" charset="-122"/>
+                </a:endParaRPr>
+              </a:p>
+            </p:txBody>
+          </p:sp>
+        </p:grpSp>
+      </p:grpSp>
+      <p:sp>
+        <p:nvSpPr>
+          <p:cNvPr id="8200" name="Text Box 42"/>
+          <p:cNvSpPr txBox="1">
+            <a:spLocks noChangeArrowheads="1"/>
+          </p:cNvSpPr>
+          <p:nvPr/>
+        </p:nvSpPr>
+        <p:spPr bwMode="auto">
+          <a:xfrm>
+            <a:off x="990600" y="1219258"/>
+            <a:ext cx="7162800" cy="4262705"/>
+          </a:xfrm>
+          <a:prstGeom prst="rect">
+            <a:avLst/>
+          </a:prstGeom>
+          <a:noFill/>
+          <a:ln w="9525">
+            <a:noFill/>
+            <a:miter lim="800000"/>
+            <a:headEnd/>
+            <a:tailEnd/>
+          </a:ln>
+        </p:spPr>
+        <p:txBody>
+          <a:bodyPr>
+            <a:spAutoFit/>
+          </a:bodyPr>
+          <a:lstStyle/>
+          <a:p>
+            <a:r>
+              <a:rPr lang="zh-CN" altLang="en-US" sz="4000" b="1" dirty="0" smtClean="0">
+                <a:ea typeface="宋体" pitchFamily="2" charset="-122"/>
+              </a:rPr>
+              <a:t>缺点</a:t>
+            </a:r>
+            <a:endParaRPr lang="en-US" altLang="zh-CN" sz="4000" b="1" dirty="0" smtClean="0">
+              <a:ea typeface="宋体" pitchFamily="2" charset="-122"/>
+            </a:endParaRPr>
+          </a:p>
+          <a:p>
+            <a:pPr>
+              <a:lnSpc>
+                <a:spcPct val="150000"/>
+              </a:lnSpc>
+            </a:pPr>
+            <a:r>
+              <a:rPr lang="en-US" altLang="zh-CN" dirty="0" smtClean="0">
+                <a:ea typeface="宋体" pitchFamily="2" charset="-122"/>
+              </a:rPr>
+              <a:t>1.</a:t>
+            </a:r>
+            <a:r>
+              <a:rPr lang="zh-CN" altLang="en-US" dirty="0" smtClean="0">
+                <a:ea typeface="宋体" pitchFamily="2" charset="-122"/>
+              </a:rPr>
+              <a:t>由于所有数据库表都堆在一个库，所有用户都集中访问该数据库，导致数据库压力非常大，虽然可用集群解决，但在做集群的时候需要浪费服务器去部署每个庞大的数据库服务；</a:t>
+            </a:r>
+            <a:endParaRPr lang="en-US" altLang="zh-CN" dirty="0" smtClean="0">
+              <a:ea typeface="宋体" pitchFamily="2" charset="-122"/>
+            </a:endParaRPr>
+          </a:p>
+          <a:p>
+            <a:pPr>
+              <a:lnSpc>
+                <a:spcPct val="150000"/>
+              </a:lnSpc>
+            </a:pPr>
+            <a:r>
+              <a:rPr lang="en-US" altLang="zh-CN" dirty="0" smtClean="0">
+                <a:ea typeface="宋体" pitchFamily="2" charset="-122"/>
+              </a:rPr>
+              <a:t>2.</a:t>
+            </a:r>
+            <a:r>
+              <a:rPr lang="zh-CN" altLang="en-US" dirty="0" smtClean="0">
+                <a:ea typeface="宋体" pitchFamily="2" charset="-122"/>
+              </a:rPr>
+              <a:t>因为只有一个数据库，所有公司的业务都集中在这里，后期可能会导致表数据增长过快而影响系统的吞吐量；</a:t>
+            </a:r>
+            <a:endParaRPr lang="en-US" altLang="zh-CN" dirty="0" smtClean="0">
+              <a:ea typeface="宋体" pitchFamily="2" charset="-122"/>
+            </a:endParaRPr>
+          </a:p>
+          <a:p>
+            <a:pPr>
+              <a:lnSpc>
+                <a:spcPct val="150000"/>
+              </a:lnSpc>
+            </a:pPr>
+            <a:r>
+              <a:rPr lang="en-US" altLang="zh-CN" dirty="0" smtClean="0">
+                <a:ea typeface="宋体" pitchFamily="2" charset="-122"/>
+              </a:rPr>
+              <a:t>3.</a:t>
+            </a:r>
+            <a:r>
+              <a:rPr lang="zh-CN" altLang="en-US" dirty="0" smtClean="0">
+                <a:ea typeface="宋体" pitchFamily="2" charset="-122"/>
+              </a:rPr>
+              <a:t>数据隔离的安全性不够好，如果程序员操作不当，可能会误伤其他公司的数据。</a:t>
+            </a:r>
+            <a:endParaRPr lang="en-US" altLang="zh-CN" dirty="0" smtClean="0">
+              <a:ea typeface="宋体" pitchFamily="2" charset="-122"/>
+            </a:endParaRPr>
+          </a:p>
+          <a:p>
+            <a:endParaRPr lang="en-US" altLang="zh-CN" sz="1400" b="1" dirty="0">
+              <a:ea typeface="宋体" pitchFamily="2" charset="-122"/>
+            </a:endParaRPr>
+          </a:p>
+          <a:p>
+            <a:r>
+              <a:rPr lang="en-US" altLang="zh-CN" sz="1400" dirty="0">
+                <a:ea typeface="宋体" pitchFamily="2" charset="-122"/>
+              </a:rPr>
+              <a:t/>
+            </a:r>
+            <a:br>
+              <a:rPr lang="en-US" altLang="zh-CN" sz="1400" dirty="0">
+                <a:ea typeface="宋体" pitchFamily="2" charset="-122"/>
+              </a:rPr>
+            </a:br>
+            <a:endParaRPr lang="en-US" altLang="zh-CN" sz="1400" dirty="0">
+              <a:solidFill>
+                <a:srgbClr val="000000"/>
+              </a:solidFill>
+              <a:ea typeface="宋体" pitchFamily="2" charset="-122"/>
+            </a:endParaRPr>
+          </a:p>
+        </p:txBody>
+      </p:sp>
     </p:spTree>
   </p:cSld>
   <p:clrMapOvr>
@@ -11239,6 +17136,99 @@
       </p:grpSpPr>
       <p:sp>
         <p:nvSpPr>
+          <p:cNvPr id="5122" name="Rectangle 2"/>
+          <p:cNvSpPr>
+            <a:spLocks noGrp="1" noChangeArrowheads="1"/>
+          </p:cNvSpPr>
+          <p:nvPr>
+            <p:ph type="title"/>
+          </p:nvPr>
+        </p:nvSpPr>
+        <p:spPr/>
+        <p:txBody>
+          <a:bodyPr/>
+          <a:lstStyle/>
+          <a:p>
+            <a:pPr eaLnBrk="1" hangingPunct="1"/>
+            <a:r>
+              <a:rPr lang="zh-CN" altLang="en-US" dirty="0" smtClean="0">
+                <a:ea typeface="宋体" pitchFamily="2" charset="-122"/>
+              </a:rPr>
+              <a:t>智慧社区</a:t>
+            </a:r>
+            <a:r>
+              <a:rPr lang="en-US" altLang="zh-CN" dirty="0" smtClean="0">
+                <a:ea typeface="宋体" pitchFamily="2" charset="-122"/>
+              </a:rPr>
+              <a:t>-</a:t>
+            </a:r>
+            <a:r>
+              <a:rPr lang="zh-CN" altLang="en-US" dirty="0" smtClean="0">
+                <a:ea typeface="宋体" pitchFamily="2" charset="-122"/>
+              </a:rPr>
+              <a:t>数据库架构</a:t>
+            </a:r>
+          </a:p>
+        </p:txBody>
+      </p:sp>
+      <p:pic>
+        <p:nvPicPr>
+          <p:cNvPr id="5" name="图片 4" descr="(2MA1A2[YFVDD~K20NVP%2F.png"/>
+          <p:cNvPicPr>
+            <a:picLocks noChangeAspect="1"/>
+          </p:cNvPicPr>
+          <p:nvPr/>
+        </p:nvPicPr>
+        <p:blipFill>
+          <a:blip r:embed="rId2" cstate="print"/>
+          <a:stretch>
+            <a:fillRect/>
+          </a:stretch>
+        </p:blipFill>
+        <p:spPr>
+          <a:xfrm>
+            <a:off x="0" y="1143060"/>
+            <a:ext cx="9144000" cy="5714939"/>
+          </a:xfrm>
+          <a:prstGeom prst="rect">
+            <a:avLst/>
+          </a:prstGeom>
+        </p:spPr>
+      </p:pic>
+    </p:spTree>
+  </p:cSld>
+  <p:clrMapOvr>
+    <a:masterClrMapping/>
+  </p:clrMapOvr>
+  <p:timing>
+    <p:tnLst>
+      <p:par>
+        <p:cTn id="1" dur="indefinite" restart="never" nodeType="tmRoot"/>
+      </p:par>
+    </p:tnLst>
+  </p:timing>
+</p:sld>
+</file>
+
+<file path=ppt/slides/slide9.xml><?xml version="1.0" encoding="utf-8"?>
+<p:sld xmlns:a="http://schemas.openxmlformats.org/drawingml/2006/main" xmlns:r="http://schemas.openxmlformats.org/officeDocument/2006/relationships" xmlns:p="http://schemas.openxmlformats.org/presentationml/2006/main">
+  <p:cSld>
+    <p:spTree>
+      <p:nvGrpSpPr>
+        <p:cNvPr id="1" name=""/>
+        <p:cNvGrpSpPr/>
+        <p:nvPr/>
+      </p:nvGrpSpPr>
+      <p:grpSpPr>
+        <a:xfrm>
+          <a:off x="0" y="0"/>
+          <a:ext cx="0" cy="0"/>
+          <a:chOff x="0" y="0"/>
+          <a:chExt cx="0" cy="0"/>
+        </a:xfrm>
+      </p:grpSpPr>
+      <p:sp>
+        <p:nvSpPr>
           <p:cNvPr id="8194" name="Rectangle 2"/>
           <p:cNvSpPr>
             <a:spLocks noGrp="1" noChangeArrowheads="1"/>
@@ -11269,7 +17259,7 @@
               <a:rPr lang="zh-CN" altLang="en-US" sz="3600" dirty="0" smtClean="0">
                 <a:ea typeface="宋体" pitchFamily="2" charset="-122"/>
               </a:rPr>
-              <a:t>前端架构实现</a:t>
+              <a:t>按微服务划分数据库</a:t>
             </a:r>
             <a:endParaRPr lang="en-US" altLang="zh-CN" sz="2000" dirty="0" smtClean="0">
               <a:ea typeface="宋体" pitchFamily="2" charset="-122"/>
@@ -12364,8 +18354,8 @@
         </p:nvSpPr>
         <p:spPr bwMode="auto">
           <a:xfrm>
-            <a:off x="990600" y="1600200"/>
-            <a:ext cx="7162800" cy="4278094"/>
+            <a:off x="990600" y="1444587"/>
+            <a:ext cx="7162800" cy="3016210"/>
           </a:xfrm>
           <a:prstGeom prst="rect">
             <a:avLst/>
@@ -12388,7 +18378,7 @@
               <a:rPr lang="zh-CN" altLang="en-US" sz="4000" b="1" dirty="0" smtClean="0">
                 <a:ea typeface="宋体" pitchFamily="2" charset="-122"/>
               </a:rPr>
-              <a:t>难点</a:t>
+              <a:t>优点</a:t>
             </a:r>
             <a:endParaRPr lang="en-US" altLang="zh-CN" sz="4000" b="1" dirty="0" smtClean="0">
               <a:ea typeface="宋体" pitchFamily="2" charset="-122"/>
@@ -12396,20 +18386,21 @@
           </a:p>
           <a:p>
             <a:pPr>
-              <a:buFont typeface="Wingdings" pitchFamily="2" charset="2"/>
-              <a:buChar char="l"/>
+              <a:lnSpc>
+                <a:spcPct val="150000"/>
+              </a:lnSpc>
             </a:pPr>
             <a:r>
+              <a:rPr lang="en-US" altLang="zh-CN" dirty="0" smtClean="0">
+                <a:ea typeface="宋体" pitchFamily="2" charset="-122"/>
+              </a:rPr>
+              <a:t>1.</a:t>
+            </a:r>
+            <a:r>
               <a:rPr lang="zh-CN" altLang="en-US" dirty="0" smtClean="0">
                 <a:ea typeface="宋体" pitchFamily="2" charset="-122"/>
               </a:rPr>
-              <a:t>前后端分离模式下与后台服务的会话问</a:t>
-            </a:r>
-            <a:r>
-              <a:rPr lang="zh-CN" altLang="en-US" dirty="0" smtClean="0">
-                <a:ea typeface="宋体" pitchFamily="2" charset="-122"/>
-              </a:rPr>
-              <a:t>题</a:t>
+              <a:t>每个服务都有自己的数据库，可有效降低数据库的访问压力，还可以根据实际情况单独集群某个数据库（比如单独集群某个服务业务访问量比较大的数据库）以达到合理利用资源的目的；</a:t>
             </a:r>
             <a:endParaRPr lang="en-US" altLang="zh-CN" dirty="0" smtClean="0">
               <a:ea typeface="宋体" pitchFamily="2" charset="-122"/>
@@ -12417,112 +18408,27 @@
           </a:p>
           <a:p>
             <a:pPr>
-              <a:buFont typeface="Wingdings" pitchFamily="2" charset="2"/>
-              <a:buChar char="l"/>
+              <a:lnSpc>
+                <a:spcPct val="150000"/>
+              </a:lnSpc>
             </a:pPr>
             <a:r>
+              <a:rPr lang="en-US" altLang="zh-CN" dirty="0" smtClean="0">
+                <a:ea typeface="宋体" pitchFamily="2" charset="-122"/>
+              </a:rPr>
+              <a:t>2.</a:t>
+            </a:r>
+            <a:r>
               <a:rPr lang="zh-CN" altLang="en-US" dirty="0" smtClean="0">
                 <a:ea typeface="宋体" pitchFamily="2" charset="-122"/>
               </a:rPr>
-              <a:t>前后</a:t>
-            </a:r>
-            <a:r>
-              <a:rPr lang="zh-CN" altLang="en-US" dirty="0" smtClean="0">
-                <a:ea typeface="宋体" pitchFamily="2" charset="-122"/>
-              </a:rPr>
-              <a:t>端分离模式下如何处理功能权限</a:t>
+              <a:t>可以单独重启数据库，不会影响到其他服务。</a:t>
             </a:r>
             <a:endParaRPr lang="en-US" altLang="zh-CN" dirty="0" smtClean="0">
               <a:ea typeface="宋体" pitchFamily="2" charset="-122"/>
             </a:endParaRPr>
           </a:p>
           <a:p>
-            <a:pPr>
-              <a:buFont typeface="Wingdings" pitchFamily="2" charset="2"/>
-              <a:buChar char="l"/>
-            </a:pPr>
-            <a:r>
-              <a:rPr lang="zh-CN" altLang="en-US" dirty="0" smtClean="0">
-                <a:ea typeface="宋体" pitchFamily="2" charset="-122"/>
-              </a:rPr>
-              <a:t>选择一个合适的前端框架（市面流行程度、学习成本、开发效率）</a:t>
-            </a:r>
-            <a:endParaRPr lang="en-US" altLang="zh-CN" dirty="0" smtClean="0">
-              <a:ea typeface="宋体" pitchFamily="2" charset="-122"/>
-            </a:endParaRPr>
-          </a:p>
-          <a:p>
-            <a:pPr>
-              <a:buFont typeface="Wingdings" pitchFamily="2" charset="2"/>
-              <a:buChar char="l"/>
-            </a:pPr>
-            <a:r>
-              <a:rPr lang="zh-CN" altLang="en-US" dirty="0" smtClean="0">
-                <a:ea typeface="宋体" pitchFamily="2" charset="-122"/>
-              </a:rPr>
-              <a:t>考虑安全性</a:t>
-            </a:r>
-            <a:endParaRPr lang="en-US" altLang="zh-CN" dirty="0" smtClean="0">
-              <a:ea typeface="宋体" pitchFamily="2" charset="-122"/>
-            </a:endParaRPr>
-          </a:p>
-          <a:p>
-            <a:pPr>
-              <a:buFont typeface="Wingdings" pitchFamily="2" charset="2"/>
-              <a:buChar char="l"/>
-            </a:pPr>
-            <a:r>
-              <a:rPr lang="zh-CN" altLang="en-US" dirty="0" smtClean="0">
-                <a:ea typeface="宋体" pitchFamily="2" charset="-122"/>
-              </a:rPr>
-              <a:t>考虑性能</a:t>
-            </a:r>
-            <a:endParaRPr lang="en-US" altLang="zh-CN" dirty="0" smtClean="0">
-              <a:ea typeface="宋体" pitchFamily="2" charset="-122"/>
-            </a:endParaRPr>
-          </a:p>
-          <a:p>
-            <a:endParaRPr lang="en-US" altLang="zh-CN" sz="1400" dirty="0" smtClean="0">
-              <a:ea typeface="宋体" pitchFamily="2" charset="-122"/>
-            </a:endParaRPr>
-          </a:p>
-          <a:p>
-            <a:endParaRPr lang="en-US" altLang="zh-CN" sz="1400" dirty="0" smtClean="0">
-              <a:ea typeface="宋体" pitchFamily="2" charset="-122"/>
-            </a:endParaRPr>
-          </a:p>
-          <a:p>
-            <a:endParaRPr lang="en-US" altLang="zh-CN" sz="1400" dirty="0" smtClean="0">
-              <a:ea typeface="宋体" pitchFamily="2" charset="-122"/>
-            </a:endParaRPr>
-          </a:p>
-          <a:p>
-            <a:r>
-              <a:rPr lang="zh-CN" altLang="en-US" sz="4000" b="1" dirty="0" smtClean="0">
-                <a:ea typeface="宋体" pitchFamily="2" charset="-122"/>
-              </a:rPr>
-              <a:t>后期</a:t>
-            </a:r>
-            <a:endParaRPr lang="en-US" altLang="zh-CN" sz="4000" b="1" dirty="0">
-              <a:ea typeface="宋体" pitchFamily="2" charset="-122"/>
-            </a:endParaRPr>
-          </a:p>
-          <a:p>
-            <a:pPr>
-              <a:buFont typeface="Wingdings" pitchFamily="2" charset="2"/>
-              <a:buChar char="l"/>
-            </a:pPr>
-            <a:r>
-              <a:rPr lang="zh-CN" altLang="en-US" dirty="0" smtClean="0">
-                <a:ea typeface="宋体" pitchFamily="2" charset="-122"/>
-              </a:rPr>
-              <a:t>无</a:t>
-            </a:r>
-            <a:endParaRPr lang="en-US" altLang="zh-CN" dirty="0" smtClean="0">
-              <a:ea typeface="宋体" pitchFamily="2" charset="-122"/>
-            </a:endParaRPr>
-          </a:p>
-          <a:p>
             <a:endParaRPr lang="en-US" altLang="zh-CN" sz="1400" b="1" dirty="0">
               <a:ea typeface="宋体" pitchFamily="2" charset="-122"/>
             </a:endParaRPr>
@@ -12548,99 +18454,6 @@
           </a:p>
         </p:txBody>
       </p:sp>
-    </p:spTree>
-  </p:cSld>
-  <p:clrMapOvr>
-    <a:masterClrMapping/>
-  </p:clrMapOvr>
-  <p:timing>
-    <p:tnLst>
-      <p:par>
-        <p:cTn id="1" dur="indefinite" restart="never" nodeType="tmRoot"/>
-      </p:par>
-    </p:tnLst>
-  </p:timing>
-</p:sld>
-</file>
-
-<file path=ppt/slides/slide9.xml><?xml version="1.0" encoding="utf-8"?>
-<p:sld xmlns:a="http://schemas.openxmlformats.org/drawingml/2006/main" xmlns:r="http://schemas.openxmlformats.org/officeDocument/2006/relationships" xmlns:p="http://schemas.openxmlformats.org/presentationml/2006/main">
-  <p:cSld>
-    <p:spTree>
-      <p:nvGrpSpPr>
-        <p:cNvPr id="1" name=""/>
-        <p:cNvGrpSpPr/>
-        <p:nvPr/>
-      </p:nvGrpSpPr>
-      <p:grpSpPr>
-        <a:xfrm>
-          <a:off x="0" y="0"/>
-          <a:ext cx="0" cy="0"/>
-          <a:chOff x="0" y="0"/>
-          <a:chExt cx="0" cy="0"/>
-        </a:xfrm>
-      </p:grpSpPr>
-      <p:sp>
-        <p:nvSpPr>
-          <p:cNvPr id="6146" name="Rectangle 2"/>
-          <p:cNvSpPr>
-            <a:spLocks noGrp="1" noChangeArrowheads="1"/>
-          </p:cNvSpPr>
-          <p:nvPr>
-            <p:ph type="title"/>
-          </p:nvPr>
-        </p:nvSpPr>
-        <p:spPr/>
-        <p:txBody>
-          <a:bodyPr/>
-          <a:lstStyle/>
-          <a:p>
-            <a:pPr eaLnBrk="1" hangingPunct="1"/>
-            <a:r>
-              <a:rPr lang="zh-CN" altLang="en-US" dirty="0" smtClean="0">
-                <a:ea typeface="宋体" pitchFamily="2" charset="-122"/>
-              </a:rPr>
-              <a:t>智慧社区</a:t>
-            </a:r>
-            <a:r>
-              <a:rPr lang="en-US" altLang="zh-CN" dirty="0" smtClean="0">
-                <a:ea typeface="宋体" pitchFamily="2" charset="-122"/>
-              </a:rPr>
-              <a:t>-</a:t>
-            </a:r>
-            <a:r>
-              <a:rPr lang="zh-CN" altLang="en-US" dirty="0" smtClean="0">
-                <a:ea typeface="宋体" pitchFamily="2" charset="-122"/>
-              </a:rPr>
-              <a:t>组织架构</a:t>
-            </a:r>
-          </a:p>
-        </p:txBody>
-      </p:sp>
-      <p:pic>
-        <p:nvPicPr>
-          <p:cNvPr id="17" name="图片 16" descr="组织架构.png"/>
-          <p:cNvPicPr>
-            <a:picLocks noChangeAspect="1"/>
-          </p:cNvPicPr>
-          <p:nvPr/>
-        </p:nvPicPr>
-        <p:blipFill>
-          <a:blip r:embed="rId2" cstate="print"/>
-          <a:stretch>
-            <a:fillRect/>
-          </a:stretch>
-        </p:blipFill>
-        <p:spPr>
-          <a:xfrm>
-            <a:off x="0" y="1143060"/>
-            <a:ext cx="9144000" cy="5714940"/>
-          </a:xfrm>
-          <a:prstGeom prst="rect">
-            <a:avLst/>
-          </a:prstGeom>
-        </p:spPr>
-      </p:pic>
     </p:spTree>
   </p:cSld>
   <p:clrMapOvr>
